--- a/Posters/JacobSWOSUFall2018.pptx
+++ b/Posters/JacobSWOSUFall2018.pptx
@@ -203,7 +203,7 @@
           <a:p>
             <a:fld id="{F1C0B079-A316-4C9B-B165-DF9EA8325D2C}" type="datetimeFigureOut">
               <a:rPr lang="en-US" smtClean="0"/>
-              <a:t>11/7/2018</a:t>
+              <a:t>11/9/2018</a:t>
             </a:fld>
             <a:endParaRPr lang="en-US"/>
           </a:p>
@@ -368,7 +368,7 @@
           <a:p>
             <a:fld id="{38F28AB8-57D1-494F-9851-055AD867E790}" type="datetimeFigureOut">
               <a:rPr lang="en-US" smtClean="0"/>
-              <a:t>11/7/2018</a:t>
+              <a:t>11/9/2018</a:t>
             </a:fld>
             <a:endParaRPr lang="en-US"/>
           </a:p>
@@ -4000,7 +4000,7 @@
           <a:p>
             <a:fld id="{ECAA57DF-1C19-4726-AB84-014692BAD8F5}" type="datetimeFigureOut">
               <a:rPr lang="en-US" smtClean="0"/>
-              <a:t>11/7/2018</a:t>
+              <a:t>11/9/2018</a:t>
             </a:fld>
             <a:endParaRPr lang="en-US"/>
           </a:p>
@@ -4339,7 +4339,7 @@
             <a:fld id="{ECAA57DF-1C19-4726-AB84-014692BAD8F5}" type="datetimeFigureOut">
               <a:rPr lang="en-US" smtClean="0"/>
               <a:pPr/>
-              <a:t>11/7/2018</a:t>
+              <a:t>11/9/2018</a:t>
             </a:fld>
             <a:endParaRPr lang="en-US"/>
           </a:p>
@@ -5008,8 +5008,8 @@
         </p:nvSpPr>
         <p:spPr>
           <a:xfrm>
-            <a:off x="1139314" y="7164693"/>
-            <a:ext cx="12468309" cy="18589013"/>
+            <a:off x="972670" y="7164693"/>
+            <a:ext cx="12801600" cy="18589013"/>
           </a:xfrm>
         </p:spPr>
         <p:txBody>
@@ -5112,34 +5112,7 @@
           <a:p>
             <a:r>
               <a:rPr lang="en-US" dirty="0"/>
-              <a:t>Data </a:t>
-            </a:r>
-          </a:p>
-        </p:txBody>
-      </p:sp>
-      <p:sp>
-        <p:nvSpPr>
-          <p:cNvPr id="71" name="Text Placeholder 70"/>
-          <p:cNvSpPr>
-            <a:spLocks noGrp="1"/>
-          </p:cNvSpPr>
-          <p:nvPr>
-            <p:ph type="body" sz="quarter" idx="41"/>
-          </p:nvPr>
-        </p:nvSpPr>
-        <p:spPr>
-          <a:xfrm>
-            <a:off x="29946600" y="15656174"/>
-            <a:ext cx="12801600" cy="1219200"/>
-          </a:xfrm>
-        </p:spPr>
-        <p:txBody>
-          <a:bodyPr/>
-          <a:lstStyle/>
-          <a:p>
-            <a:r>
-              <a:rPr lang="en-US" dirty="0"/>
-              <a:t>Future</a:t>
+              <a:t>Example</a:t>
             </a:r>
           </a:p>
         </p:txBody>
@@ -5156,8 +5129,8 @@
         </p:nvSpPr>
         <p:spPr>
           <a:xfrm>
-            <a:off x="29946600" y="25117665"/>
-            <a:ext cx="12801600" cy="5849301"/>
+            <a:off x="30264652" y="19367177"/>
+            <a:ext cx="12801600" cy="11434221"/>
           </a:xfrm>
         </p:spPr>
         <p:txBody>
@@ -5174,32 +5147,69 @@
               <a:t>Bhatia, R. (2018, April 10). Deeplearning.jpg [Digital image]. Retrieved November 7, 2018, from https://www.analyticsindiamag.com/how-to-build-a-career-in-computer-vision/</a:t>
             </a:r>
           </a:p>
-        </p:txBody>
-      </p:sp>
-      <p:sp>
-        <p:nvSpPr>
-          <p:cNvPr id="21" name="Text Placeholder 20"/>
-          <p:cNvSpPr>
-            <a:spLocks noGrp="1"/>
-          </p:cNvSpPr>
-          <p:nvPr>
-            <p:ph type="body" sz="quarter" idx="34"/>
-          </p:nvPr>
-        </p:nvSpPr>
-        <p:spPr>
-          <a:xfrm>
-            <a:off x="29929817" y="23609129"/>
-            <a:ext cx="12801600" cy="891342"/>
-          </a:xfrm>
-        </p:spPr>
-        <p:txBody>
-          <a:bodyPr/>
-          <a:lstStyle/>
-          <a:p>
-            <a:r>
-              <a:rPr lang="en-US" dirty="0"/>
-              <a:t>Works Cited</a:t>
-            </a:r>
+          <a:p>
+            <a:pPr marL="0" indent="0">
+              <a:buNone/>
+            </a:pPr>
+            <a:r>
+              <a:rPr lang="en-US" sz="4000" dirty="0"/>
+              <a:t>Christophe </a:t>
+            </a:r>
+            <a:r>
+              <a:rPr lang="en-US" sz="4000" dirty="0" err="1"/>
+              <a:t>Andrieu</a:t>
+            </a:r>
+            <a:r>
+              <a:rPr lang="en-US" sz="4000" dirty="0"/>
+              <a:t>, N. D. (2003). An Introduction to MCMC for Machine Learning. Machine Learning, 50, 5-43.</a:t>
+            </a:r>
+          </a:p>
+          <a:p>
+            <a:pPr marL="0" indent="0">
+              <a:buNone/>
+            </a:pPr>
+            <a:r>
+              <a:rPr lang="en-US" sz="4000" dirty="0"/>
+              <a:t>David Martin, C. F. (2001). A Database of Human Segmented Natural Images and its Application to Evaluating Segmentation Algorithms and Measuring Ecological Statistics. Vancouver: IEEE.</a:t>
+            </a:r>
+          </a:p>
+          <a:p>
+            <a:pPr marL="0" indent="0">
+              <a:buNone/>
+            </a:pPr>
+            <a:r>
+              <a:rPr lang="en-US" sz="4000" dirty="0"/>
+              <a:t>Larry </a:t>
+            </a:r>
+            <a:r>
+              <a:rPr lang="en-US" sz="4000" dirty="0" err="1"/>
+              <a:t>Matthies</a:t>
+            </a:r>
+            <a:r>
+              <a:rPr lang="en-US" sz="4000" dirty="0"/>
+              <a:t>, M. M. (2007). Computer Vision on Mars. International Journal of Computer Vision, Volume 75, Issue 1, 67-92.</a:t>
+            </a:r>
+          </a:p>
+          <a:p>
+            <a:pPr marL="0" indent="0">
+              <a:buNone/>
+            </a:pPr>
+            <a:r>
+              <a:rPr lang="en-US" sz="4000" dirty="0"/>
+              <a:t>P.C.H. Martens, e. a. (2012). Computer Vision for the Solar Dynamics Observatory (SDO). Solar Physics, Volume 275, Issue 1-2, 79-113.</a:t>
+            </a:r>
+          </a:p>
+          <a:p>
+            <a:pPr marL="0" indent="0">
+              <a:buNone/>
+            </a:pPr>
+            <a:endParaRPr lang="en-US" sz="4000" dirty="0"/>
+          </a:p>
+          <a:p>
+            <a:pPr marL="0" indent="0">
+              <a:buNone/>
+            </a:pPr>
+            <a:endParaRPr lang="en-US" sz="4000" dirty="0"/>
           </a:p>
         </p:txBody>
       </p:sp>
@@ -5233,8 +5243,8 @@
         </p:blipFill>
         <p:spPr>
           <a:xfrm>
-            <a:off x="30450224" y="7027487"/>
-            <a:ext cx="11760786" cy="6619774"/>
+            <a:off x="30264652" y="7329170"/>
+            <a:ext cx="12801600" cy="6619774"/>
           </a:xfrm>
         </p:spPr>
       </p:pic>
@@ -5280,7 +5290,7 @@
         </p:nvSpPr>
         <p:spPr>
           <a:xfrm>
-            <a:off x="972669" y="25905367"/>
+            <a:off x="972669" y="25894502"/>
             <a:ext cx="12801600" cy="1219200"/>
           </a:xfrm>
         </p:spPr>
@@ -5328,7 +5338,21 @@
                 <a:latin typeface="Times New Roman" panose="02020603050405020304" pitchFamily="18" charset="0"/>
                 <a:cs typeface="Times New Roman" panose="02020603050405020304" pitchFamily="18" charset="0"/>
               </a:rPr>
-              <a:t>This material is based upon work supported by the National Aeronautics and Space Administration under Grant No. NNX15AK02H issued through NASA Education.</a:t>
+              <a:t>This material is based upon work supported by the National Aeronautics and Space Administration under Grant </a:t>
+            </a:r>
+            <a:r>
+              <a:rPr lang="en-US" sz="3600" i="1">
+                <a:latin typeface="Times New Roman" panose="02020603050405020304" pitchFamily="18" charset="0"/>
+                <a:cs typeface="Times New Roman" panose="02020603050405020304" pitchFamily="18" charset="0"/>
+              </a:rPr>
+              <a:t>No.XXXXXX </a:t>
+            </a:r>
+            <a:r>
+              <a:rPr lang="en-US" sz="3600" i="1" dirty="0">
+                <a:latin typeface="Times New Roman" panose="02020603050405020304" pitchFamily="18" charset="0"/>
+                <a:cs typeface="Times New Roman" panose="02020603050405020304" pitchFamily="18" charset="0"/>
+              </a:rPr>
+              <a:t>issued through NASA Education.</a:t>
             </a:r>
           </a:p>
         </p:txBody>
@@ -5347,8 +5371,8 @@
         </p:nvSpPr>
         <p:spPr>
           <a:xfrm>
-            <a:off x="30079081" y="13632214"/>
-            <a:ext cx="12669119" cy="1985159"/>
+            <a:off x="30264652" y="14474040"/>
+            <a:ext cx="12801600" cy="1985159"/>
           </a:xfrm>
           <a:prstGeom prst="rect">
             <a:avLst/>
@@ -5381,7 +5405,7 @@
         </p:nvSpPr>
         <p:spPr>
           <a:xfrm>
-            <a:off x="15459634" y="5579936"/>
+            <a:off x="15615144" y="5579936"/>
             <a:ext cx="12801600" cy="1219200"/>
           </a:xfrm>
         </p:spPr>
@@ -5410,8 +5434,8 @@
         </p:nvSpPr>
         <p:spPr>
           <a:xfrm>
-            <a:off x="15459633" y="7138237"/>
-            <a:ext cx="12801599" cy="10556736"/>
+            <a:off x="15615144" y="7098327"/>
+            <a:ext cx="12801600" cy="10556736"/>
           </a:xfrm>
           <a:prstGeom prst="rect">
             <a:avLst/>
@@ -5557,7 +5581,7 @@
         </p:nvSpPr>
         <p:spPr>
           <a:xfrm>
-            <a:off x="15281098" y="17699904"/>
+            <a:off x="15615144" y="17939900"/>
             <a:ext cx="12980133" cy="1219200"/>
           </a:xfrm>
           <a:prstGeom prst="rect">
@@ -5824,7 +5848,7 @@
         </p:nvSpPr>
         <p:spPr>
           <a:xfrm>
-            <a:off x="15459633" y="25184210"/>
+            <a:off x="15615143" y="24474688"/>
             <a:ext cx="12801600" cy="1219200"/>
           </a:xfrm>
           <a:prstGeom prst="rect">
@@ -6071,6 +6095,158 @@
             <a:r>
               <a:rPr lang="en-US" dirty="0"/>
               <a:t>Other Considerations</a:t>
+            </a:r>
+          </a:p>
+        </p:txBody>
+      </p:sp>
+      <p:sp>
+        <p:nvSpPr>
+          <p:cNvPr id="3" name="TextBox 2">
+            <a:extLst>
+              <a:ext uri="{FF2B5EF4-FFF2-40B4-BE49-F238E27FC236}">
+                <a16:creationId xmlns:a16="http://schemas.microsoft.com/office/drawing/2014/main" id="{BA2362B4-69B1-4DF1-AC2D-049E843F08EC}"/>
+              </a:ext>
+            </a:extLst>
+          </p:cNvPr>
+          <p:cNvSpPr txBox="1"/>
+          <p:nvPr/>
+        </p:nvSpPr>
+        <p:spPr>
+          <a:xfrm>
+            <a:off x="15615143" y="19492930"/>
+            <a:ext cx="12980133" cy="5170646"/>
+          </a:xfrm>
+          <a:prstGeom prst="rect">
+            <a:avLst/>
+          </a:prstGeom>
+          <a:noFill/>
+        </p:spPr>
+        <p:txBody>
+          <a:bodyPr wrap="square" rtlCol="0">
+            <a:spAutoFit/>
+          </a:bodyPr>
+          <a:lstStyle/>
+          <a:p>
+            <a:pPr defTabSz="4389120">
+              <a:spcBef>
+                <a:spcPts val="1200"/>
+              </a:spcBef>
+              <a:buClr>
+                <a:schemeClr val="bg1">
+                  <a:lumMod val="65000"/>
+                </a:schemeClr>
+              </a:buClr>
+            </a:pPr>
+            <a:r>
+              <a:rPr lang="en-US" sz="4000" dirty="0"/>
+              <a:t>One of the goals of this project is for the team to familiarize themselves with machine learning concepts and tools. This benefit is two-fold, in that it prepares the researcher to continue to research more specific and advanced topics as well as allows new students interested in the topic a resource they would have easy access to. </a:t>
+            </a:r>
+          </a:p>
+          <a:p>
+            <a:pPr defTabSz="4389120">
+              <a:spcBef>
+                <a:spcPts val="1200"/>
+              </a:spcBef>
+              <a:buClr>
+                <a:schemeClr val="bg1">
+                  <a:lumMod val="65000"/>
+                </a:schemeClr>
+              </a:buClr>
+            </a:pPr>
+            <a:endParaRPr lang="en-US" sz="4000" dirty="0"/>
+          </a:p>
+        </p:txBody>
+      </p:sp>
+      <p:sp>
+        <p:nvSpPr>
+          <p:cNvPr id="13" name="TextBox 12">
+            <a:extLst>
+              <a:ext uri="{FF2B5EF4-FFF2-40B4-BE49-F238E27FC236}">
+                <a16:creationId xmlns:a16="http://schemas.microsoft.com/office/drawing/2014/main" id="{A3EA552C-4D7E-4795-843C-80917C40F34B}"/>
+              </a:ext>
+            </a:extLst>
+          </p:cNvPr>
+          <p:cNvSpPr txBox="1"/>
+          <p:nvPr/>
+        </p:nvSpPr>
+        <p:spPr>
+          <a:xfrm>
+            <a:off x="15615143" y="26236682"/>
+            <a:ext cx="12801600" cy="4555093"/>
+          </a:xfrm>
+          <a:prstGeom prst="rect">
+            <a:avLst/>
+          </a:prstGeom>
+          <a:noFill/>
+        </p:spPr>
+        <p:txBody>
+          <a:bodyPr wrap="square" rtlCol="0">
+            <a:spAutoFit/>
+          </a:bodyPr>
+          <a:lstStyle/>
+          <a:p>
+            <a:pPr defTabSz="4389120">
+              <a:spcBef>
+                <a:spcPts val="1200"/>
+              </a:spcBef>
+              <a:buClr>
+                <a:schemeClr val="bg1">
+                  <a:lumMod val="65000"/>
+                </a:schemeClr>
+              </a:buClr>
+            </a:pPr>
+            <a:r>
+              <a:rPr lang="en-US" sz="4000" dirty="0"/>
+              <a:t>This project’s primary goal was not to discover the best algorithm, or to develop a more accurate or efficient one. That could certainly be approached with the results of this study, however. </a:t>
+            </a:r>
+          </a:p>
+          <a:p>
+            <a:pPr defTabSz="4389120">
+              <a:spcBef>
+                <a:spcPts val="1200"/>
+              </a:spcBef>
+              <a:buClr>
+                <a:schemeClr val="bg1">
+                  <a:lumMod val="65000"/>
+                </a:schemeClr>
+              </a:buClr>
+            </a:pPr>
+            <a:r>
+              <a:rPr lang="en-US" sz="4000" dirty="0"/>
+              <a:t>It is certainly possible that these algorithms have strengths and weaknesses outside the scope of this study. It was only checked that the they were accurate. </a:t>
+            </a:r>
+          </a:p>
+        </p:txBody>
+      </p:sp>
+      <p:sp>
+        <p:nvSpPr>
+          <p:cNvPr id="20" name="Text Placeholder 19">
+            <a:extLst>
+              <a:ext uri="{FF2B5EF4-FFF2-40B4-BE49-F238E27FC236}">
+                <a16:creationId xmlns:a16="http://schemas.microsoft.com/office/drawing/2014/main" id="{8EB5EA28-636C-47CD-8B35-23FC73C1197F}"/>
+              </a:ext>
+            </a:extLst>
+          </p:cNvPr>
+          <p:cNvSpPr>
+            <a:spLocks noGrp="1"/>
+          </p:cNvSpPr>
+          <p:nvPr>
+            <p:ph type="body" sz="quarter" idx="41"/>
+          </p:nvPr>
+        </p:nvSpPr>
+        <p:spPr>
+          <a:xfrm>
+            <a:off x="30264652" y="17255135"/>
+            <a:ext cx="12801600" cy="1219200"/>
+          </a:xfrm>
+        </p:spPr>
+        <p:txBody>
+          <a:bodyPr/>
+          <a:lstStyle/>
+          <a:p>
+            <a:r>
+              <a:rPr lang="en-US" dirty="0"/>
+              <a:t>References</a:t>
             </a:r>
           </a:p>
         </p:txBody>

--- a/Posters/JacobSWOSUFall2018.pptx
+++ b/Posters/JacobSWOSUFall2018.pptx
@@ -1,22 +1,437 @@
 
 <file path=ppt/presentation.xml><?xml version="1.0" encoding="utf-8"?>
-<p:presentation xmlns:a="http://schemas.openxmlformats.org/drawingml/2006/main" xmlns:p="http://schemas.openxmlformats.org/presentationml/2006/main" xmlns:r="http://schemas.openxmlformats.org/officeDocument/2006/relationships" xmlns:p14="http://schemas.microsoft.com/office/powerpoint/2010/main" xmlns:p15="http://schemas.microsoft.com/office/powerpoint/2012/main" xmlns:mc="http://schemas.openxmlformats.org/markup-compatibility/2006">
+<p:presentation xmlns:a="http://schemas.openxmlformats.org/drawingml/2006/main" xmlns:r="http://schemas.openxmlformats.org/officeDocument/2006/relationships" xmlns:p="http://schemas.openxmlformats.org/presentationml/2006/main">
   <p:sldMasterIdLst>
-    <p:sldMasterId id="2147483648" r:id="rId2"/>
+    <p:sldMasterId id="2147483648" r:id="rId1"/>
   </p:sldMasterIdLst>
   <p:notesMasterIdLst>
     <p:notesMasterId r:id="rId3"/>
   </p:notesMasterIdLst>
   <p:sldIdLst>
-    <p:sldId id="256" r:id="rId4"/>
+    <p:sldId id="256" r:id="rId2"/>
   </p:sldIdLst>
   <p:sldSz cx="43891200" cy="32918400"/>
   <p:notesSz cx="7010400" cy="9296400"/>
+  <p:defaultTextStyle>
+    <a:defPPr>
+      <a:defRPr lang="en-US"/>
+    </a:defPPr>
+    <a:lvl1pPr marL="0" algn="l" defTabSz="914400" rtl="0" eaLnBrk="1" latinLnBrk="0" hangingPunct="1">
+      <a:defRPr sz="1800" kern="1200">
+        <a:solidFill>
+          <a:schemeClr val="tx1"/>
+        </a:solidFill>
+        <a:latin typeface="+mn-lt"/>
+        <a:ea typeface="+mn-ea"/>
+        <a:cs typeface="+mn-cs"/>
+      </a:defRPr>
+    </a:lvl1pPr>
+    <a:lvl2pPr marL="457200" algn="l" defTabSz="914400" rtl="0" eaLnBrk="1" latinLnBrk="0" hangingPunct="1">
+      <a:defRPr sz="1800" kern="1200">
+        <a:solidFill>
+          <a:schemeClr val="tx1"/>
+        </a:solidFill>
+        <a:latin typeface="+mn-lt"/>
+        <a:ea typeface="+mn-ea"/>
+        <a:cs typeface="+mn-cs"/>
+      </a:defRPr>
+    </a:lvl2pPr>
+    <a:lvl3pPr marL="914400" algn="l" defTabSz="914400" rtl="0" eaLnBrk="1" latinLnBrk="0" hangingPunct="1">
+      <a:defRPr sz="1800" kern="1200">
+        <a:solidFill>
+          <a:schemeClr val="tx1"/>
+        </a:solidFill>
+        <a:latin typeface="+mn-lt"/>
+        <a:ea typeface="+mn-ea"/>
+        <a:cs typeface="+mn-cs"/>
+      </a:defRPr>
+    </a:lvl3pPr>
+    <a:lvl4pPr marL="1371600" algn="l" defTabSz="914400" rtl="0" eaLnBrk="1" latinLnBrk="0" hangingPunct="1">
+      <a:defRPr sz="1800" kern="1200">
+        <a:solidFill>
+          <a:schemeClr val="tx1"/>
+        </a:solidFill>
+        <a:latin typeface="+mn-lt"/>
+        <a:ea typeface="+mn-ea"/>
+        <a:cs typeface="+mn-cs"/>
+      </a:defRPr>
+    </a:lvl4pPr>
+    <a:lvl5pPr marL="1828800" algn="l" defTabSz="914400" rtl="0" eaLnBrk="1" latinLnBrk="0" hangingPunct="1">
+      <a:defRPr sz="1800" kern="1200">
+        <a:solidFill>
+          <a:schemeClr val="tx1"/>
+        </a:solidFill>
+        <a:latin typeface="+mn-lt"/>
+        <a:ea typeface="+mn-ea"/>
+        <a:cs typeface="+mn-cs"/>
+      </a:defRPr>
+    </a:lvl5pPr>
+    <a:lvl6pPr marL="2286000" algn="l" defTabSz="914400" rtl="0" eaLnBrk="1" latinLnBrk="0" hangingPunct="1">
+      <a:defRPr sz="1800" kern="1200">
+        <a:solidFill>
+          <a:schemeClr val="tx1"/>
+        </a:solidFill>
+        <a:latin typeface="+mn-lt"/>
+        <a:ea typeface="+mn-ea"/>
+        <a:cs typeface="+mn-cs"/>
+      </a:defRPr>
+    </a:lvl6pPr>
+    <a:lvl7pPr marL="2743200" algn="l" defTabSz="914400" rtl="0" eaLnBrk="1" latinLnBrk="0" hangingPunct="1">
+      <a:defRPr sz="1800" kern="1200">
+        <a:solidFill>
+          <a:schemeClr val="tx1"/>
+        </a:solidFill>
+        <a:latin typeface="+mn-lt"/>
+        <a:ea typeface="+mn-ea"/>
+        <a:cs typeface="+mn-cs"/>
+      </a:defRPr>
+    </a:lvl7pPr>
+    <a:lvl8pPr marL="3200400" algn="l" defTabSz="914400" rtl="0" eaLnBrk="1" latinLnBrk="0" hangingPunct="1">
+      <a:defRPr sz="1800" kern="1200">
+        <a:solidFill>
+          <a:schemeClr val="tx1"/>
+        </a:solidFill>
+        <a:latin typeface="+mn-lt"/>
+        <a:ea typeface="+mn-ea"/>
+        <a:cs typeface="+mn-cs"/>
+      </a:defRPr>
+    </a:lvl8pPr>
+    <a:lvl9pPr marL="3657600" algn="l" defTabSz="914400" rtl="0" eaLnBrk="1" latinLnBrk="0" hangingPunct="1">
+      <a:defRPr sz="1800" kern="1200">
+        <a:solidFill>
+          <a:schemeClr val="tx1"/>
+        </a:solidFill>
+        <a:latin typeface="+mn-lt"/>
+        <a:ea typeface="+mn-ea"/>
+        <a:cs typeface="+mn-cs"/>
+      </a:defRPr>
+    </a:lvl9pPr>
+  </p:defaultTextStyle>
 </p:presentation>
 </file>
 
 <file path=ppt/notesMasters/notesMaster1.xml><?xml version="1.0" encoding="utf-8"?>
-<p:notesMaster xmlns:a="http://schemas.openxmlformats.org/drawingml/2006/main" xmlns:p="http://schemas.openxmlformats.org/presentationml/2006/main" xmlns:r="http://schemas.openxmlformats.org/officeDocument/2006/relationships" xmlns:p14="http://schemas.microsoft.com/office/powerpoint/2010/main" xmlns:p15="http://schemas.microsoft.com/office/powerpoint/2012/main" xmlns:mc="http://schemas.openxmlformats.org/markup-compatibility/2006">
+<p:notesMaster xmlns:a="http://schemas.openxmlformats.org/drawingml/2006/main" xmlns:r="http://schemas.openxmlformats.org/officeDocument/2006/relationships" xmlns:p="http://schemas.openxmlformats.org/presentationml/2006/main">
+  <p:cSld>
+    <p:bg>
+      <p:bgRef idx="1001">
+        <a:schemeClr val="bg1"/>
+      </p:bgRef>
+    </p:bg>
+    <p:spTree>
+      <p:nvGrpSpPr>
+        <p:cNvPr id="1" name=""/>
+        <p:cNvGrpSpPr/>
+        <p:nvPr/>
+      </p:nvGrpSpPr>
+      <p:grpSpPr>
+        <a:xfrm>
+          <a:off x="0" y="0"/>
+          <a:ext cx="0" cy="0"/>
+          <a:chOff x="0" y="0"/>
+          <a:chExt cx="0" cy="0"/>
+        </a:xfrm>
+      </p:grpSpPr>
+      <p:sp>
+        <p:nvSpPr>
+          <p:cNvPr id="67" name="PlaceHolder 1"/>
+          <p:cNvSpPr>
+            <a:spLocks noGrp="1" noRot="1" noChangeAspect="1"/>
+          </p:cNvSpPr>
+          <p:nvPr>
+            <p:ph type="sldImg"/>
+          </p:nvPr>
+        </p:nvSpPr>
+        <p:spPr>
+          <a:xfrm>
+            <a:off x="533520" y="764280"/>
+            <a:ext cx="6704640" cy="3771360"/>
+          </a:xfrm>
+          <a:prstGeom prst="rect">
+            <a:avLst/>
+          </a:prstGeom>
+        </p:spPr>
+        <p:txBody>
+          <a:bodyPr lIns="0" tIns="0" rIns="0" bIns="0" anchor="ctr"/>
+          <a:lstStyle/>
+          <a:p>
+            <a:r>
+              <a:rPr lang="en-US" sz="7260" b="0" strike="noStrike" spc="-1">
+                <a:solidFill>
+                  <a:srgbClr val="000000"/>
+                </a:solidFill>
+                <a:latin typeface="Arial"/>
+              </a:rPr>
+              <a:t>Click to move the slide</a:t>
+            </a:r>
+          </a:p>
+        </p:txBody>
+      </p:sp>
+      <p:sp>
+        <p:nvSpPr>
+          <p:cNvPr id="68" name="PlaceHolder 2"/>
+          <p:cNvSpPr>
+            <a:spLocks noGrp="1"/>
+          </p:cNvSpPr>
+          <p:nvPr>
+            <p:ph type="body"/>
+          </p:nvPr>
+        </p:nvSpPr>
+        <p:spPr>
+          <a:xfrm>
+            <a:off x="777240" y="4777560"/>
+            <a:ext cx="6217560" cy="4525920"/>
+          </a:xfrm>
+          <a:prstGeom prst="rect">
+            <a:avLst/>
+          </a:prstGeom>
+        </p:spPr>
+        <p:txBody>
+          <a:bodyPr lIns="0" tIns="0" rIns="0" bIns="0"/>
+          <a:lstStyle/>
+          <a:p>
+            <a:r>
+              <a:rPr lang="en-US" sz="2000" b="0" strike="noStrike" spc="-1">
+                <a:latin typeface="Arial"/>
+              </a:rPr>
+              <a:t>Click to edit the notes format</a:t>
+            </a:r>
+          </a:p>
+        </p:txBody>
+      </p:sp>
+      <p:sp>
+        <p:nvSpPr>
+          <p:cNvPr id="69" name="PlaceHolder 3"/>
+          <p:cNvSpPr>
+            <a:spLocks noGrp="1"/>
+          </p:cNvSpPr>
+          <p:nvPr>
+            <p:ph type="hdr"/>
+          </p:nvPr>
+        </p:nvSpPr>
+        <p:spPr>
+          <a:xfrm>
+            <a:off x="0" y="0"/>
+            <a:ext cx="3372840" cy="502560"/>
+          </a:xfrm>
+          <a:prstGeom prst="rect">
+            <a:avLst/>
+          </a:prstGeom>
+        </p:spPr>
+        <p:txBody>
+          <a:bodyPr lIns="0" tIns="0" rIns="0" bIns="0"/>
+          <a:lstStyle/>
+          <a:p>
+            <a:r>
+              <a:rPr lang="en-US" sz="1400" b="0" strike="noStrike" spc="-1">
+                <a:latin typeface="Times New Roman"/>
+              </a:rPr>
+              <a:t>&lt;header&gt;</a:t>
+            </a:r>
+          </a:p>
+        </p:txBody>
+      </p:sp>
+      <p:sp>
+        <p:nvSpPr>
+          <p:cNvPr id="70" name="PlaceHolder 4"/>
+          <p:cNvSpPr>
+            <a:spLocks noGrp="1"/>
+          </p:cNvSpPr>
+          <p:nvPr>
+            <p:ph type="dt"/>
+          </p:nvPr>
+        </p:nvSpPr>
+        <p:spPr>
+          <a:xfrm>
+            <a:off x="4399200" y="0"/>
+            <a:ext cx="3372840" cy="502560"/>
+          </a:xfrm>
+          <a:prstGeom prst="rect">
+            <a:avLst/>
+          </a:prstGeom>
+        </p:spPr>
+        <p:txBody>
+          <a:bodyPr lIns="0" tIns="0" rIns="0" bIns="0"/>
+          <a:lstStyle/>
+          <a:p>
+            <a:pPr algn="r"/>
+            <a:r>
+              <a:rPr lang="en-US" sz="1400" b="0" strike="noStrike" spc="-1">
+                <a:latin typeface="Times New Roman"/>
+              </a:rPr>
+              <a:t>&lt;date/time&gt;</a:t>
+            </a:r>
+          </a:p>
+        </p:txBody>
+      </p:sp>
+      <p:sp>
+        <p:nvSpPr>
+          <p:cNvPr id="71" name="PlaceHolder 5"/>
+          <p:cNvSpPr>
+            <a:spLocks noGrp="1"/>
+          </p:cNvSpPr>
+          <p:nvPr>
+            <p:ph type="ftr"/>
+          </p:nvPr>
+        </p:nvSpPr>
+        <p:spPr>
+          <a:xfrm>
+            <a:off x="0" y="9555480"/>
+            <a:ext cx="3372840" cy="502560"/>
+          </a:xfrm>
+          <a:prstGeom prst="rect">
+            <a:avLst/>
+          </a:prstGeom>
+        </p:spPr>
+        <p:txBody>
+          <a:bodyPr lIns="0" tIns="0" rIns="0" bIns="0" anchor="b"/>
+          <a:lstStyle/>
+          <a:p>
+            <a:r>
+              <a:rPr lang="en-US" sz="1400" b="0" strike="noStrike" spc="-1">
+                <a:latin typeface="Times New Roman"/>
+              </a:rPr>
+              <a:t>&lt;footer&gt;</a:t>
+            </a:r>
+          </a:p>
+        </p:txBody>
+      </p:sp>
+      <p:sp>
+        <p:nvSpPr>
+          <p:cNvPr id="72" name="PlaceHolder 6"/>
+          <p:cNvSpPr>
+            <a:spLocks noGrp="1"/>
+          </p:cNvSpPr>
+          <p:nvPr>
+            <p:ph type="sldNum"/>
+          </p:nvPr>
+        </p:nvSpPr>
+        <p:spPr>
+          <a:xfrm>
+            <a:off x="4399200" y="9555480"/>
+            <a:ext cx="3372840" cy="502560"/>
+          </a:xfrm>
+          <a:prstGeom prst="rect">
+            <a:avLst/>
+          </a:prstGeom>
+        </p:spPr>
+        <p:txBody>
+          <a:bodyPr lIns="0" tIns="0" rIns="0" bIns="0" anchor="b"/>
+          <a:lstStyle/>
+          <a:p>
+            <a:pPr algn="r"/>
+            <a:fld id="{BC23F714-C0EF-4B9E-9CA8-CE541D4E91D4}" type="slidenum">
+              <a:rPr lang="en-US" sz="1400" b="0" strike="noStrike" spc="-1">
+                <a:latin typeface="Times New Roman"/>
+              </a:rPr>
+              <a:t>‹#›</a:t>
+            </a:fld>
+            <a:endParaRPr lang="en-US" sz="1400" b="0" strike="noStrike" spc="-1">
+              <a:latin typeface="Times New Roman"/>
+            </a:endParaRPr>
+          </a:p>
+        </p:txBody>
+      </p:sp>
+    </p:spTree>
+  </p:cSld>
+  <p:clrMap bg1="lt1" tx1="dk1" bg2="lt2" tx2="dk2" accent1="accent1" accent2="accent2" accent3="accent3" accent4="accent4" accent5="accent5" accent6="accent6" hlink="hlink" folHlink="folHlink"/>
+  <p:notesStyle>
+    <a:lvl1pPr marL="0" algn="l" defTabSz="914400" rtl="0" eaLnBrk="1" latinLnBrk="0" hangingPunct="1">
+      <a:defRPr sz="1200" kern="1200">
+        <a:solidFill>
+          <a:schemeClr val="tx1"/>
+        </a:solidFill>
+        <a:latin typeface="+mn-lt"/>
+        <a:ea typeface="+mn-ea"/>
+        <a:cs typeface="+mn-cs"/>
+      </a:defRPr>
+    </a:lvl1pPr>
+    <a:lvl2pPr marL="457200" algn="l" defTabSz="914400" rtl="0" eaLnBrk="1" latinLnBrk="0" hangingPunct="1">
+      <a:defRPr sz="1200" kern="1200">
+        <a:solidFill>
+          <a:schemeClr val="tx1"/>
+        </a:solidFill>
+        <a:latin typeface="+mn-lt"/>
+        <a:ea typeface="+mn-ea"/>
+        <a:cs typeface="+mn-cs"/>
+      </a:defRPr>
+    </a:lvl2pPr>
+    <a:lvl3pPr marL="914400" algn="l" defTabSz="914400" rtl="0" eaLnBrk="1" latinLnBrk="0" hangingPunct="1">
+      <a:defRPr sz="1200" kern="1200">
+        <a:solidFill>
+          <a:schemeClr val="tx1"/>
+        </a:solidFill>
+        <a:latin typeface="+mn-lt"/>
+        <a:ea typeface="+mn-ea"/>
+        <a:cs typeface="+mn-cs"/>
+      </a:defRPr>
+    </a:lvl3pPr>
+    <a:lvl4pPr marL="1371600" algn="l" defTabSz="914400" rtl="0" eaLnBrk="1" latinLnBrk="0" hangingPunct="1">
+      <a:defRPr sz="1200" kern="1200">
+        <a:solidFill>
+          <a:schemeClr val="tx1"/>
+        </a:solidFill>
+        <a:latin typeface="+mn-lt"/>
+        <a:ea typeface="+mn-ea"/>
+        <a:cs typeface="+mn-cs"/>
+      </a:defRPr>
+    </a:lvl4pPr>
+    <a:lvl5pPr marL="1828800" algn="l" defTabSz="914400" rtl="0" eaLnBrk="1" latinLnBrk="0" hangingPunct="1">
+      <a:defRPr sz="1200" kern="1200">
+        <a:solidFill>
+          <a:schemeClr val="tx1"/>
+        </a:solidFill>
+        <a:latin typeface="+mn-lt"/>
+        <a:ea typeface="+mn-ea"/>
+        <a:cs typeface="+mn-cs"/>
+      </a:defRPr>
+    </a:lvl5pPr>
+    <a:lvl6pPr marL="2286000" algn="l" defTabSz="914400" rtl="0" eaLnBrk="1" latinLnBrk="0" hangingPunct="1">
+      <a:defRPr sz="1200" kern="1200">
+        <a:solidFill>
+          <a:schemeClr val="tx1"/>
+        </a:solidFill>
+        <a:latin typeface="+mn-lt"/>
+        <a:ea typeface="+mn-ea"/>
+        <a:cs typeface="+mn-cs"/>
+      </a:defRPr>
+    </a:lvl6pPr>
+    <a:lvl7pPr marL="2743200" algn="l" defTabSz="914400" rtl="0" eaLnBrk="1" latinLnBrk="0" hangingPunct="1">
+      <a:defRPr sz="1200" kern="1200">
+        <a:solidFill>
+          <a:schemeClr val="tx1"/>
+        </a:solidFill>
+        <a:latin typeface="+mn-lt"/>
+        <a:ea typeface="+mn-ea"/>
+        <a:cs typeface="+mn-cs"/>
+      </a:defRPr>
+    </a:lvl7pPr>
+    <a:lvl8pPr marL="3200400" algn="l" defTabSz="914400" rtl="0" eaLnBrk="1" latinLnBrk="0" hangingPunct="1">
+      <a:defRPr sz="1200" kern="1200">
+        <a:solidFill>
+          <a:schemeClr val="tx1"/>
+        </a:solidFill>
+        <a:latin typeface="+mn-lt"/>
+        <a:ea typeface="+mn-ea"/>
+        <a:cs typeface="+mn-cs"/>
+      </a:defRPr>
+    </a:lvl8pPr>
+    <a:lvl9pPr marL="3657600" algn="l" defTabSz="914400" rtl="0" eaLnBrk="1" latinLnBrk="0" hangingPunct="1">
+      <a:defRPr sz="1200" kern="1200">
+        <a:solidFill>
+          <a:schemeClr val="tx1"/>
+        </a:solidFill>
+        <a:latin typeface="+mn-lt"/>
+        <a:ea typeface="+mn-ea"/>
+        <a:cs typeface="+mn-cs"/>
+      </a:defRPr>
+    </a:lvl9pPr>
+  </p:notesStyle>
+</p:notesMaster>
+</file>
+
+<file path=ppt/notesSlides/notesSlide1.xml><?xml version="1.0" encoding="utf-8"?>
+<p:notes xmlns:a="http://schemas.openxmlformats.org/drawingml/2006/main" xmlns:r="http://schemas.openxmlformats.org/officeDocument/2006/relationships" xmlns:p="http://schemas.openxmlformats.org/presentationml/2006/main">
   <p:cSld>
     <p:spTree>
       <p:nvGrpSpPr>
@@ -34,9 +449,9 @@
       </p:grpSpPr>
       <p:sp>
         <p:nvSpPr>
-          <p:cNvPr id="67" name="PlaceHolder 1"/>
+          <p:cNvPr id="93" name="PlaceHolder 1"/>
           <p:cNvSpPr>
-            <a:spLocks noGrp="1"/>
+            <a:spLocks noGrp="1" noRot="1" noChangeAspect="1"/>
           </p:cNvSpPr>
           <p:nvPr>
             <p:ph type="sldImg"/>
@@ -44,243 +459,8 @@
         </p:nvSpPr>
         <p:spPr>
           <a:xfrm>
-            <a:off x="533520" y="764280"/>
-            <a:ext cx="6704640" cy="3771360"/>
-          </a:xfrm>
-          <a:prstGeom prst="rect">
-            <a:avLst/>
-          </a:prstGeom>
-        </p:spPr>
-        <p:txBody>
-          <a:bodyPr lIns="0" rIns="0" tIns="0" bIns="0" anchor="ctr"/>
-          <a:p>
-            <a:r>
-              <a:rPr b="0" lang="en-US" sz="7260" spc="-1" strike="noStrike">
-                <a:solidFill>
-                  <a:srgbClr val="000000"/>
-                </a:solidFill>
-                <a:latin typeface="Arial"/>
-              </a:rPr>
-              <a:t>Click to move the slide</a:t>
-            </a:r>
-            <a:endParaRPr b="0" lang="en-US" sz="7260" spc="-1" strike="noStrike">
-              <a:solidFill>
-                <a:srgbClr val="000000"/>
-              </a:solidFill>
-              <a:latin typeface="Arial"/>
-            </a:endParaRPr>
-          </a:p>
-        </p:txBody>
-      </p:sp>
-      <p:sp>
-        <p:nvSpPr>
-          <p:cNvPr id="68" name="PlaceHolder 2"/>
-          <p:cNvSpPr>
-            <a:spLocks noGrp="1"/>
-          </p:cNvSpPr>
-          <p:nvPr>
-            <p:ph type="body"/>
-          </p:nvPr>
-        </p:nvSpPr>
-        <p:spPr>
-          <a:xfrm>
-            <a:off x="777240" y="4777560"/>
-            <a:ext cx="6217560" cy="4525920"/>
-          </a:xfrm>
-          <a:prstGeom prst="rect">
-            <a:avLst/>
-          </a:prstGeom>
-        </p:spPr>
-        <p:txBody>
-          <a:bodyPr lIns="0" rIns="0" tIns="0" bIns="0"/>
-          <a:p>
-            <a:r>
-              <a:rPr b="0" lang="en-US" sz="2000" spc="-1" strike="noStrike">
-                <a:latin typeface="Arial"/>
-              </a:rPr>
-              <a:t>Click to edit the notes format</a:t>
-            </a:r>
-            <a:endParaRPr b="0" lang="en-US" sz="2000" spc="-1" strike="noStrike">
-              <a:latin typeface="Arial"/>
-            </a:endParaRPr>
-          </a:p>
-        </p:txBody>
-      </p:sp>
-      <p:sp>
-        <p:nvSpPr>
-          <p:cNvPr id="69" name="PlaceHolder 3"/>
-          <p:cNvSpPr>
-            <a:spLocks noGrp="1"/>
-          </p:cNvSpPr>
-          <p:nvPr>
-            <p:ph type="hdr"/>
-          </p:nvPr>
-        </p:nvSpPr>
-        <p:spPr>
-          <a:xfrm>
-            <a:off x="0" y="0"/>
-            <a:ext cx="3372840" cy="502560"/>
-          </a:xfrm>
-          <a:prstGeom prst="rect">
-            <a:avLst/>
-          </a:prstGeom>
-        </p:spPr>
-        <p:txBody>
-          <a:bodyPr lIns="0" rIns="0" tIns="0" bIns="0"/>
-          <a:p>
-            <a:r>
-              <a:rPr b="0" lang="en-US" sz="1400" spc="-1" strike="noStrike">
-                <a:latin typeface="Times New Roman"/>
-              </a:rPr>
-              <a:t>&lt;header&gt;</a:t>
-            </a:r>
-            <a:endParaRPr b="0" lang="en-US" sz="1400" spc="-1" strike="noStrike">
-              <a:latin typeface="Times New Roman"/>
-            </a:endParaRPr>
-          </a:p>
-        </p:txBody>
-      </p:sp>
-      <p:sp>
-        <p:nvSpPr>
-          <p:cNvPr id="70" name="PlaceHolder 4"/>
-          <p:cNvSpPr>
-            <a:spLocks noGrp="1"/>
-          </p:cNvSpPr>
-          <p:nvPr>
-            <p:ph type="dt"/>
-          </p:nvPr>
-        </p:nvSpPr>
-        <p:spPr>
-          <a:xfrm>
-            <a:off x="4399200" y="0"/>
-            <a:ext cx="3372840" cy="502560"/>
-          </a:xfrm>
-          <a:prstGeom prst="rect">
-            <a:avLst/>
-          </a:prstGeom>
-        </p:spPr>
-        <p:txBody>
-          <a:bodyPr lIns="0" rIns="0" tIns="0" bIns="0"/>
-          <a:p>
-            <a:pPr algn="r"/>
-            <a:r>
-              <a:rPr b="0" lang="en-US" sz="1400" spc="-1" strike="noStrike">
-                <a:latin typeface="Times New Roman"/>
-              </a:rPr>
-              <a:t>&lt;date/time&gt;</a:t>
-            </a:r>
-            <a:endParaRPr b="0" lang="en-US" sz="1400" spc="-1" strike="noStrike">
-              <a:latin typeface="Times New Roman"/>
-            </a:endParaRPr>
-          </a:p>
-        </p:txBody>
-      </p:sp>
-      <p:sp>
-        <p:nvSpPr>
-          <p:cNvPr id="71" name="PlaceHolder 5"/>
-          <p:cNvSpPr>
-            <a:spLocks noGrp="1"/>
-          </p:cNvSpPr>
-          <p:nvPr>
-            <p:ph type="ftr"/>
-          </p:nvPr>
-        </p:nvSpPr>
-        <p:spPr>
-          <a:xfrm>
-            <a:off x="0" y="9555480"/>
-            <a:ext cx="3372840" cy="502560"/>
-          </a:xfrm>
-          <a:prstGeom prst="rect">
-            <a:avLst/>
-          </a:prstGeom>
-        </p:spPr>
-        <p:txBody>
-          <a:bodyPr lIns="0" rIns="0" tIns="0" bIns="0" anchor="b"/>
-          <a:p>
-            <a:r>
-              <a:rPr b="0" lang="en-US" sz="1400" spc="-1" strike="noStrike">
-                <a:latin typeface="Times New Roman"/>
-              </a:rPr>
-              <a:t>&lt;footer&gt;</a:t>
-            </a:r>
-            <a:endParaRPr b="0" lang="en-US" sz="1400" spc="-1" strike="noStrike">
-              <a:latin typeface="Times New Roman"/>
-            </a:endParaRPr>
-          </a:p>
-        </p:txBody>
-      </p:sp>
-      <p:sp>
-        <p:nvSpPr>
-          <p:cNvPr id="72" name="PlaceHolder 6"/>
-          <p:cNvSpPr>
-            <a:spLocks noGrp="1"/>
-          </p:cNvSpPr>
-          <p:nvPr>
-            <p:ph type="sldNum"/>
-          </p:nvPr>
-        </p:nvSpPr>
-        <p:spPr>
-          <a:xfrm>
-            <a:off x="4399200" y="9555480"/>
-            <a:ext cx="3372840" cy="502560"/>
-          </a:xfrm>
-          <a:prstGeom prst="rect">
-            <a:avLst/>
-          </a:prstGeom>
-        </p:spPr>
-        <p:txBody>
-          <a:bodyPr lIns="0" rIns="0" tIns="0" bIns="0" anchor="b"/>
-          <a:p>
-            <a:pPr algn="r"/>
-            <a:fld id="{BC23F714-C0EF-4B9E-9CA8-CE541D4E91D4}" type="slidenum">
-              <a:rPr b="0" lang="en-US" sz="1400" spc="-1" strike="noStrike">
-                <a:latin typeface="Times New Roman"/>
-              </a:rPr>
-              <a:t>&lt;number&gt;</a:t>
-            </a:fld>
-            <a:endParaRPr b="0" lang="en-US" sz="1400" spc="-1" strike="noStrike">
-              <a:latin typeface="Times New Roman"/>
-            </a:endParaRPr>
-          </a:p>
-        </p:txBody>
-      </p:sp>
-    </p:spTree>
-  </p:cSld>
-  <p:clrMap bg1="lt1" bg2="lt2" tx1="dk1" tx2="dk2" accent1="accent1" accent2="accent2" accent3="accent3" accent4="accent4" accent5="accent5" accent6="accent6" hlink="hlink" folHlink="folHlink"/>
-</p:notesMaster>
-</file>
-
-<file path=ppt/notesSlides/notesSlide1.xml><?xml version="1.0" encoding="utf-8"?>
-<p:notes xmlns:a="http://schemas.openxmlformats.org/drawingml/2006/main" xmlns:p="http://schemas.openxmlformats.org/presentationml/2006/main" xmlns:r="http://schemas.openxmlformats.org/officeDocument/2006/relationships" xmlns:p14="http://schemas.microsoft.com/office/powerpoint/2010/main" xmlns:p15="http://schemas.microsoft.com/office/powerpoint/2012/main" xmlns:mc="http://schemas.openxmlformats.org/markup-compatibility/2006">
-  <p:cSld>
-    <p:spTree>
-      <p:nvGrpSpPr>
-        <p:cNvPr id="1" name=""/>
-        <p:cNvGrpSpPr/>
-        <p:nvPr/>
-      </p:nvGrpSpPr>
-      <p:grpSpPr>
-        <a:xfrm>
-          <a:off x="0" y="0"/>
-          <a:ext cx="0" cy="0"/>
-          <a:chOff x="0" y="0"/>
-          <a:chExt cx="0" cy="0"/>
-        </a:xfrm>
-      </p:grpSpPr>
-      <p:sp>
-        <p:nvSpPr>
-          <p:cNvPr id="93" name="PlaceHolder 1"/>
-          <p:cNvSpPr>
-            <a:spLocks noGrp="1"/>
-          </p:cNvSpPr>
-          <p:nvPr>
-            <p:ph type="sldImg"/>
-          </p:nvPr>
-        </p:nvSpPr>
-        <p:spPr>
-          <a:xfrm>
-            <a:off x="1414440" y="1162080"/>
-            <a:ext cx="4181040" cy="3136680"/>
+            <a:off x="1414463" y="1162050"/>
+            <a:ext cx="4181475" cy="3136900"/>
           </a:xfrm>
           <a:prstGeom prst="rect">
             <a:avLst/>
@@ -307,9 +487,10 @@
           </a:prstGeom>
         </p:spPr>
         <p:txBody>
-          <a:bodyPr lIns="93240" rIns="93240" tIns="46440" bIns="46440"/>
-          <a:p>
-            <a:endParaRPr b="0" lang="en-US" sz="2000" spc="-1" strike="noStrike">
+          <a:bodyPr lIns="93240" tIns="46440" rIns="93240" bIns="46440"/>
+          <a:lstStyle/>
+          <a:p>
+            <a:endParaRPr lang="en-US" sz="2000" b="0" strike="noStrike" spc="-1">
               <a:latin typeface="Arial"/>
             </a:endParaRPr>
           </a:p>
@@ -335,7 +516,8 @@
           </a:ln>
         </p:spPr>
         <p:txBody>
-          <a:bodyPr lIns="93240" rIns="93240" tIns="46440" bIns="46440" anchor="b"/>
+          <a:bodyPr lIns="93240" tIns="46440" rIns="93240" bIns="46440" anchor="b"/>
+          <a:lstStyle/>
           <a:p>
             <a:pPr algn="r">
               <a:lnSpc>
@@ -343,16 +525,16 @@
               </a:lnSpc>
             </a:pPr>
             <a:fld id="{52F5A493-6B3B-42B3-9042-60CE057CA683}" type="slidenum">
-              <a:rPr b="0" lang="en-US" sz="1200" spc="-1" strike="noStrike">
+              <a:rPr lang="en-US" sz="1200" b="0" strike="noStrike" spc="-1">
                 <a:solidFill>
                   <a:srgbClr val="000000"/>
                 </a:solidFill>
                 <a:latin typeface="+mn-lt"/>
                 <a:ea typeface="+mn-ea"/>
               </a:rPr>
-              <a:t>&lt;number&gt;</a:t>
+              <a:t>1</a:t>
             </a:fld>
-            <a:endParaRPr b="0" lang="en-US" sz="1200" spc="-1" strike="noStrike">
+            <a:endParaRPr lang="en-US" sz="1200" b="0" strike="noStrike" spc="-1">
               <a:latin typeface="Times New Roman"/>
             </a:endParaRPr>
           </a:p>
@@ -360,11 +542,14 @@
       </p:sp>
     </p:spTree>
   </p:cSld>
+  <p:clrMapOvr>
+    <a:masterClrMapping/>
+  </p:clrMapOvr>
 </p:notes>
 </file>
 
 <file path=ppt/slideLayouts/slideLayout1.xml><?xml version="1.0" encoding="utf-8"?>
-<p:sldLayout xmlns:a="http://schemas.openxmlformats.org/drawingml/2006/main" xmlns:p="http://schemas.openxmlformats.org/presentationml/2006/main" xmlns:r="http://schemas.openxmlformats.org/officeDocument/2006/relationships" xmlns:p14="http://schemas.microsoft.com/office/powerpoint/2010/main" xmlns:p15="http://schemas.microsoft.com/office/powerpoint/2012/main" xmlns:mc="http://schemas.openxmlformats.org/markup-compatibility/2006" type="blank" preserve="1">
+<p:sldLayout xmlns:a="http://schemas.openxmlformats.org/drawingml/2006/main" xmlns:r="http://schemas.openxmlformats.org/officeDocument/2006/relationships" xmlns:p="http://schemas.openxmlformats.org/presentationml/2006/main" type="blank" preserve="1">
   <p:cSld name="Blank Slide">
     <p:spTree>
       <p:nvGrpSpPr>
@@ -382,11 +567,14 @@
       </p:grpSpPr>
     </p:spTree>
   </p:cSld>
+  <p:clrMapOvr>
+    <a:masterClrMapping/>
+  </p:clrMapOvr>
 </p:sldLayout>
 </file>
 
 <file path=ppt/slideLayouts/slideLayout10.xml><?xml version="1.0" encoding="utf-8"?>
-<p:sldLayout xmlns:a="http://schemas.openxmlformats.org/drawingml/2006/main" xmlns:p="http://schemas.openxmlformats.org/presentationml/2006/main" xmlns:r="http://schemas.openxmlformats.org/officeDocument/2006/relationships" xmlns:p14="http://schemas.microsoft.com/office/powerpoint/2010/main" xmlns:p15="http://schemas.microsoft.com/office/powerpoint/2012/main" xmlns:mc="http://schemas.openxmlformats.org/markup-compatibility/2006" type="objOverTx" preserve="1">
+<p:sldLayout xmlns:a="http://schemas.openxmlformats.org/drawingml/2006/main" xmlns:r="http://schemas.openxmlformats.org/officeDocument/2006/relationships" xmlns:p="http://schemas.openxmlformats.org/presentationml/2006/main" type="objOverTx" preserve="1">
   <p:cSld name="Title, Content over Content">
     <p:spTree>
       <p:nvGrpSpPr>
@@ -422,9 +610,10 @@
           </a:prstGeom>
         </p:spPr>
         <p:txBody>
-          <a:bodyPr lIns="0" rIns="0" tIns="0" bIns="0" anchor="ctr"/>
-          <a:p>
-            <a:endParaRPr b="0" lang="en-US" sz="7260" spc="-1" strike="noStrike">
+          <a:bodyPr lIns="0" tIns="0" rIns="0" bIns="0" anchor="ctr"/>
+          <a:lstStyle/>
+          <a:p>
+            <a:endParaRPr lang="en-US" sz="7260" b="0" strike="noStrike" spc="-1">
               <a:solidFill>
                 <a:srgbClr val="000000"/>
               </a:solidFill>
@@ -453,11 +642,12 @@
           </a:prstGeom>
         </p:spPr>
         <p:txBody>
-          <a:bodyPr lIns="0" rIns="0" tIns="0" bIns="0">
+          <a:bodyPr lIns="0" tIns="0" rIns="0" bIns="0">
             <a:normAutofit/>
           </a:bodyPr>
-          <a:p>
-            <a:endParaRPr b="0" lang="en-US" sz="2800" spc="-1" strike="noStrike">
+          <a:lstStyle/>
+          <a:p>
+            <a:endParaRPr lang="en-US" sz="2800" b="0" strike="noStrike" spc="-1">
               <a:solidFill>
                 <a:srgbClr val="000000"/>
               </a:solidFill>
@@ -486,11 +676,12 @@
           </a:prstGeom>
         </p:spPr>
         <p:txBody>
-          <a:bodyPr lIns="0" rIns="0" tIns="0" bIns="0">
+          <a:bodyPr lIns="0" tIns="0" rIns="0" bIns="0">
             <a:normAutofit/>
           </a:bodyPr>
-          <a:p>
-            <a:endParaRPr b="0" lang="en-US" sz="2800" spc="-1" strike="noStrike">
+          <a:lstStyle/>
+          <a:p>
+            <a:endParaRPr lang="en-US" sz="2800" b="0" strike="noStrike" spc="-1">
               <a:solidFill>
                 <a:srgbClr val="000000"/>
               </a:solidFill>
@@ -501,11 +692,14 @@
       </p:sp>
     </p:spTree>
   </p:cSld>
+  <p:clrMapOvr>
+    <a:masterClrMapping/>
+  </p:clrMapOvr>
 </p:sldLayout>
 </file>
 
 <file path=ppt/slideLayouts/slideLayout11.xml><?xml version="1.0" encoding="utf-8"?>
-<p:sldLayout xmlns:a="http://schemas.openxmlformats.org/drawingml/2006/main" xmlns:p="http://schemas.openxmlformats.org/presentationml/2006/main" xmlns:r="http://schemas.openxmlformats.org/officeDocument/2006/relationships" xmlns:p14="http://schemas.microsoft.com/office/powerpoint/2010/main" xmlns:p15="http://schemas.microsoft.com/office/powerpoint/2012/main" xmlns:mc="http://schemas.openxmlformats.org/markup-compatibility/2006" type="fourObj" preserve="1">
+<p:sldLayout xmlns:a="http://schemas.openxmlformats.org/drawingml/2006/main" xmlns:r="http://schemas.openxmlformats.org/officeDocument/2006/relationships" xmlns:p="http://schemas.openxmlformats.org/presentationml/2006/main" type="fourObj" preserve="1">
   <p:cSld name="Title, 4 Content">
     <p:spTree>
       <p:nvGrpSpPr>
@@ -541,9 +735,10 @@
           </a:prstGeom>
         </p:spPr>
         <p:txBody>
-          <a:bodyPr lIns="0" rIns="0" tIns="0" bIns="0" anchor="ctr"/>
-          <a:p>
-            <a:endParaRPr b="0" lang="en-US" sz="7260" spc="-1" strike="noStrike">
+          <a:bodyPr lIns="0" tIns="0" rIns="0" bIns="0" anchor="ctr"/>
+          <a:lstStyle/>
+          <a:p>
+            <a:endParaRPr lang="en-US" sz="7260" b="0" strike="noStrike" spc="-1">
               <a:solidFill>
                 <a:srgbClr val="000000"/>
               </a:solidFill>
@@ -572,11 +767,12 @@
           </a:prstGeom>
         </p:spPr>
         <p:txBody>
-          <a:bodyPr lIns="0" rIns="0" tIns="0" bIns="0">
+          <a:bodyPr lIns="0" tIns="0" rIns="0" bIns="0">
             <a:normAutofit/>
           </a:bodyPr>
-          <a:p>
-            <a:endParaRPr b="0" lang="en-US" sz="2800" spc="-1" strike="noStrike">
+          <a:lstStyle/>
+          <a:p>
+            <a:endParaRPr lang="en-US" sz="2800" b="0" strike="noStrike" spc="-1">
               <a:solidFill>
                 <a:srgbClr val="000000"/>
               </a:solidFill>
@@ -605,11 +801,12 @@
           </a:prstGeom>
         </p:spPr>
         <p:txBody>
-          <a:bodyPr lIns="0" rIns="0" tIns="0" bIns="0">
+          <a:bodyPr lIns="0" tIns="0" rIns="0" bIns="0">
             <a:normAutofit/>
           </a:bodyPr>
-          <a:p>
-            <a:endParaRPr b="0" lang="en-US" sz="2800" spc="-1" strike="noStrike">
+          <a:lstStyle/>
+          <a:p>
+            <a:endParaRPr lang="en-US" sz="2800" b="0" strike="noStrike" spc="-1">
               <a:solidFill>
                 <a:srgbClr val="000000"/>
               </a:solidFill>
@@ -638,11 +835,12 @@
           </a:prstGeom>
         </p:spPr>
         <p:txBody>
-          <a:bodyPr lIns="0" rIns="0" tIns="0" bIns="0">
+          <a:bodyPr lIns="0" tIns="0" rIns="0" bIns="0">
             <a:normAutofit/>
           </a:bodyPr>
-          <a:p>
-            <a:endParaRPr b="0" lang="en-US" sz="2800" spc="-1" strike="noStrike">
+          <a:lstStyle/>
+          <a:p>
+            <a:endParaRPr lang="en-US" sz="2800" b="0" strike="noStrike" spc="-1">
               <a:solidFill>
                 <a:srgbClr val="000000"/>
               </a:solidFill>
@@ -671,11 +869,12 @@
           </a:prstGeom>
         </p:spPr>
         <p:txBody>
-          <a:bodyPr lIns="0" rIns="0" tIns="0" bIns="0">
+          <a:bodyPr lIns="0" tIns="0" rIns="0" bIns="0">
             <a:normAutofit/>
           </a:bodyPr>
-          <a:p>
-            <a:endParaRPr b="0" lang="en-US" sz="2800" spc="-1" strike="noStrike">
+          <a:lstStyle/>
+          <a:p>
+            <a:endParaRPr lang="en-US" sz="2800" b="0" strike="noStrike" spc="-1">
               <a:solidFill>
                 <a:srgbClr val="000000"/>
               </a:solidFill>
@@ -686,11 +885,14 @@
       </p:sp>
     </p:spTree>
   </p:cSld>
+  <p:clrMapOvr>
+    <a:masterClrMapping/>
+  </p:clrMapOvr>
 </p:sldLayout>
 </file>
 
 <file path=ppt/slideLayouts/slideLayout12.xml><?xml version="1.0" encoding="utf-8"?>
-<p:sldLayout xmlns:a="http://schemas.openxmlformats.org/drawingml/2006/main" xmlns:p="http://schemas.openxmlformats.org/presentationml/2006/main" xmlns:r="http://schemas.openxmlformats.org/officeDocument/2006/relationships" xmlns:p14="http://schemas.microsoft.com/office/powerpoint/2010/main" xmlns:p15="http://schemas.microsoft.com/office/powerpoint/2012/main" xmlns:mc="http://schemas.openxmlformats.org/markup-compatibility/2006" type="blank" preserve="1">
+<p:sldLayout xmlns:a="http://schemas.openxmlformats.org/drawingml/2006/main" xmlns:r="http://schemas.openxmlformats.org/officeDocument/2006/relationships" xmlns:p="http://schemas.openxmlformats.org/presentationml/2006/main" type="blank" preserve="1">
   <p:cSld name="Title, 6 Content">
     <p:spTree>
       <p:nvGrpSpPr>
@@ -726,9 +928,10 @@
           </a:prstGeom>
         </p:spPr>
         <p:txBody>
-          <a:bodyPr lIns="0" rIns="0" tIns="0" bIns="0" anchor="ctr"/>
-          <a:p>
-            <a:endParaRPr b="0" lang="en-US" sz="7260" spc="-1" strike="noStrike">
+          <a:bodyPr lIns="0" tIns="0" rIns="0" bIns="0" anchor="ctr"/>
+          <a:lstStyle/>
+          <a:p>
+            <a:endParaRPr lang="en-US" sz="7260" b="0" strike="noStrike" spc="-1">
               <a:solidFill>
                 <a:srgbClr val="000000"/>
               </a:solidFill>
@@ -757,11 +960,12 @@
           </a:prstGeom>
         </p:spPr>
         <p:txBody>
-          <a:bodyPr lIns="0" rIns="0" tIns="0" bIns="0">
+          <a:bodyPr lIns="0" tIns="0" rIns="0" bIns="0">
             <a:normAutofit/>
           </a:bodyPr>
-          <a:p>
-            <a:endParaRPr b="0" lang="en-US" sz="2800" spc="-1" strike="noStrike">
+          <a:lstStyle/>
+          <a:p>
+            <a:endParaRPr lang="en-US" sz="2800" b="0" strike="noStrike" spc="-1">
               <a:solidFill>
                 <a:srgbClr val="000000"/>
               </a:solidFill>
@@ -790,11 +994,12 @@
           </a:prstGeom>
         </p:spPr>
         <p:txBody>
-          <a:bodyPr lIns="0" rIns="0" tIns="0" bIns="0">
+          <a:bodyPr lIns="0" tIns="0" rIns="0" bIns="0">
             <a:normAutofit/>
           </a:bodyPr>
-          <a:p>
-            <a:endParaRPr b="0" lang="en-US" sz="2800" spc="-1" strike="noStrike">
+          <a:lstStyle/>
+          <a:p>
+            <a:endParaRPr lang="en-US" sz="2800" b="0" strike="noStrike" spc="-1">
               <a:solidFill>
                 <a:srgbClr val="000000"/>
               </a:solidFill>
@@ -823,11 +1028,12 @@
           </a:prstGeom>
         </p:spPr>
         <p:txBody>
-          <a:bodyPr lIns="0" rIns="0" tIns="0" bIns="0">
+          <a:bodyPr lIns="0" tIns="0" rIns="0" bIns="0">
             <a:normAutofit/>
           </a:bodyPr>
-          <a:p>
-            <a:endParaRPr b="0" lang="en-US" sz="2800" spc="-1" strike="noStrike">
+          <a:lstStyle/>
+          <a:p>
+            <a:endParaRPr lang="en-US" sz="2800" b="0" strike="noStrike" spc="-1">
               <a:solidFill>
                 <a:srgbClr val="000000"/>
               </a:solidFill>
@@ -856,11 +1062,12 @@
           </a:prstGeom>
         </p:spPr>
         <p:txBody>
-          <a:bodyPr lIns="0" rIns="0" tIns="0" bIns="0">
+          <a:bodyPr lIns="0" tIns="0" rIns="0" bIns="0">
             <a:normAutofit/>
           </a:bodyPr>
-          <a:p>
-            <a:endParaRPr b="0" lang="en-US" sz="2800" spc="-1" strike="noStrike">
+          <a:lstStyle/>
+          <a:p>
+            <a:endParaRPr lang="en-US" sz="2800" b="0" strike="noStrike" spc="-1">
               <a:solidFill>
                 <a:srgbClr val="000000"/>
               </a:solidFill>
@@ -889,11 +1096,12 @@
           </a:prstGeom>
         </p:spPr>
         <p:txBody>
-          <a:bodyPr lIns="0" rIns="0" tIns="0" bIns="0">
+          <a:bodyPr lIns="0" tIns="0" rIns="0" bIns="0">
             <a:normAutofit/>
           </a:bodyPr>
-          <a:p>
-            <a:endParaRPr b="0" lang="en-US" sz="2800" spc="-1" strike="noStrike">
+          <a:lstStyle/>
+          <a:p>
+            <a:endParaRPr lang="en-US" sz="2800" b="0" strike="noStrike" spc="-1">
               <a:solidFill>
                 <a:srgbClr val="000000"/>
               </a:solidFill>
@@ -922,11 +1130,12 @@
           </a:prstGeom>
         </p:spPr>
         <p:txBody>
-          <a:bodyPr lIns="0" rIns="0" tIns="0" bIns="0">
+          <a:bodyPr lIns="0" tIns="0" rIns="0" bIns="0">
             <a:normAutofit/>
           </a:bodyPr>
-          <a:p>
-            <a:endParaRPr b="0" lang="en-US" sz="2800" spc="-1" strike="noStrike">
+          <a:lstStyle/>
+          <a:p>
+            <a:endParaRPr lang="en-US" sz="2800" b="0" strike="noStrike" spc="-1">
               <a:solidFill>
                 <a:srgbClr val="000000"/>
               </a:solidFill>
@@ -937,11 +1146,14 @@
       </p:sp>
     </p:spTree>
   </p:cSld>
+  <p:clrMapOvr>
+    <a:masterClrMapping/>
+  </p:clrMapOvr>
 </p:sldLayout>
 </file>
 
 <file path=ppt/slideLayouts/slideLayout2.xml><?xml version="1.0" encoding="utf-8"?>
-<p:sldLayout xmlns:a="http://schemas.openxmlformats.org/drawingml/2006/main" xmlns:p="http://schemas.openxmlformats.org/presentationml/2006/main" xmlns:r="http://schemas.openxmlformats.org/officeDocument/2006/relationships" xmlns:p14="http://schemas.microsoft.com/office/powerpoint/2010/main" xmlns:p15="http://schemas.microsoft.com/office/powerpoint/2012/main" xmlns:mc="http://schemas.openxmlformats.org/markup-compatibility/2006" type="tx" preserve="1">
+<p:sldLayout xmlns:a="http://schemas.openxmlformats.org/drawingml/2006/main" xmlns:r="http://schemas.openxmlformats.org/officeDocument/2006/relationships" xmlns:p="http://schemas.openxmlformats.org/presentationml/2006/main" type="tx" preserve="1">
   <p:cSld name="Title Slide">
     <p:spTree>
       <p:nvGrpSpPr>
@@ -977,9 +1189,10 @@
           </a:prstGeom>
         </p:spPr>
         <p:txBody>
-          <a:bodyPr lIns="0" rIns="0" tIns="0" bIns="0" anchor="ctr"/>
-          <a:p>
-            <a:endParaRPr b="0" lang="en-US" sz="7260" spc="-1" strike="noStrike">
+          <a:bodyPr lIns="0" tIns="0" rIns="0" bIns="0" anchor="ctr"/>
+          <a:lstStyle/>
+          <a:p>
+            <a:endParaRPr lang="en-US" sz="7260" b="0" strike="noStrike" spc="-1">
               <a:solidFill>
                 <a:srgbClr val="000000"/>
               </a:solidFill>
@@ -1008,10 +1221,11 @@
           </a:prstGeom>
         </p:spPr>
         <p:txBody>
-          <a:bodyPr lIns="0" rIns="0" tIns="0" bIns="0" anchor="ctr"/>
+          <a:bodyPr lIns="0" tIns="0" rIns="0" bIns="0" anchor="ctr"/>
+          <a:lstStyle/>
           <a:p>
             <a:pPr algn="ctr"/>
-            <a:endParaRPr b="0" lang="en-US" sz="3200" spc="-1" strike="noStrike">
+            <a:endParaRPr lang="en-US" sz="3200" b="0" strike="noStrike" spc="-1">
               <a:latin typeface="Arial"/>
             </a:endParaRPr>
           </a:p>
@@ -1019,11 +1233,14 @@
       </p:sp>
     </p:spTree>
   </p:cSld>
+  <p:clrMapOvr>
+    <a:masterClrMapping/>
+  </p:clrMapOvr>
 </p:sldLayout>
 </file>
 
 <file path=ppt/slideLayouts/slideLayout3.xml><?xml version="1.0" encoding="utf-8"?>
-<p:sldLayout xmlns:a="http://schemas.openxmlformats.org/drawingml/2006/main" xmlns:p="http://schemas.openxmlformats.org/presentationml/2006/main" xmlns:r="http://schemas.openxmlformats.org/officeDocument/2006/relationships" xmlns:p14="http://schemas.microsoft.com/office/powerpoint/2010/main" xmlns:p15="http://schemas.microsoft.com/office/powerpoint/2012/main" xmlns:mc="http://schemas.openxmlformats.org/markup-compatibility/2006" type="obj" preserve="1">
+<p:sldLayout xmlns:a="http://schemas.openxmlformats.org/drawingml/2006/main" xmlns:r="http://schemas.openxmlformats.org/officeDocument/2006/relationships" xmlns:p="http://schemas.openxmlformats.org/presentationml/2006/main" type="obj" preserve="1">
   <p:cSld name="Title, Content">
     <p:spTree>
       <p:nvGrpSpPr>
@@ -1059,9 +1276,10 @@
           </a:prstGeom>
         </p:spPr>
         <p:txBody>
-          <a:bodyPr lIns="0" rIns="0" tIns="0" bIns="0" anchor="ctr"/>
-          <a:p>
-            <a:endParaRPr b="0" lang="en-US" sz="7260" spc="-1" strike="noStrike">
+          <a:bodyPr lIns="0" tIns="0" rIns="0" bIns="0" anchor="ctr"/>
+          <a:lstStyle/>
+          <a:p>
+            <a:endParaRPr lang="en-US" sz="7260" b="0" strike="noStrike" spc="-1">
               <a:solidFill>
                 <a:srgbClr val="000000"/>
               </a:solidFill>
@@ -1090,11 +1308,12 @@
           </a:prstGeom>
         </p:spPr>
         <p:txBody>
-          <a:bodyPr lIns="0" rIns="0" tIns="0" bIns="0">
+          <a:bodyPr lIns="0" tIns="0" rIns="0" bIns="0">
             <a:normAutofit/>
           </a:bodyPr>
-          <a:p>
-            <a:endParaRPr b="0" lang="en-US" sz="2800" spc="-1" strike="noStrike">
+          <a:lstStyle/>
+          <a:p>
+            <a:endParaRPr lang="en-US" sz="2800" b="0" strike="noStrike" spc="-1">
               <a:solidFill>
                 <a:srgbClr val="000000"/>
               </a:solidFill>
@@ -1105,11 +1324,14 @@
       </p:sp>
     </p:spTree>
   </p:cSld>
+  <p:clrMapOvr>
+    <a:masterClrMapping/>
+  </p:clrMapOvr>
 </p:sldLayout>
 </file>
 
 <file path=ppt/slideLayouts/slideLayout4.xml><?xml version="1.0" encoding="utf-8"?>
-<p:sldLayout xmlns:a="http://schemas.openxmlformats.org/drawingml/2006/main" xmlns:p="http://schemas.openxmlformats.org/presentationml/2006/main" xmlns:r="http://schemas.openxmlformats.org/officeDocument/2006/relationships" xmlns:p14="http://schemas.microsoft.com/office/powerpoint/2010/main" xmlns:p15="http://schemas.microsoft.com/office/powerpoint/2012/main" xmlns:mc="http://schemas.openxmlformats.org/markup-compatibility/2006" type="twoObj" preserve="1">
+<p:sldLayout xmlns:a="http://schemas.openxmlformats.org/drawingml/2006/main" xmlns:r="http://schemas.openxmlformats.org/officeDocument/2006/relationships" xmlns:p="http://schemas.openxmlformats.org/presentationml/2006/main" type="twoObj" preserve="1">
   <p:cSld name="Title, 2 Content">
     <p:spTree>
       <p:nvGrpSpPr>
@@ -1145,9 +1367,10 @@
           </a:prstGeom>
         </p:spPr>
         <p:txBody>
-          <a:bodyPr lIns="0" rIns="0" tIns="0" bIns="0" anchor="ctr"/>
-          <a:p>
-            <a:endParaRPr b="0" lang="en-US" sz="7260" spc="-1" strike="noStrike">
+          <a:bodyPr lIns="0" tIns="0" rIns="0" bIns="0" anchor="ctr"/>
+          <a:lstStyle/>
+          <a:p>
+            <a:endParaRPr lang="en-US" sz="7260" b="0" strike="noStrike" spc="-1">
               <a:solidFill>
                 <a:srgbClr val="000000"/>
               </a:solidFill>
@@ -1176,11 +1399,12 @@
           </a:prstGeom>
         </p:spPr>
         <p:txBody>
-          <a:bodyPr lIns="0" rIns="0" tIns="0" bIns="0">
+          <a:bodyPr lIns="0" tIns="0" rIns="0" bIns="0">
             <a:normAutofit/>
           </a:bodyPr>
-          <a:p>
-            <a:endParaRPr b="0" lang="en-US" sz="2800" spc="-1" strike="noStrike">
+          <a:lstStyle/>
+          <a:p>
+            <a:endParaRPr lang="en-US" sz="2800" b="0" strike="noStrike" spc="-1">
               <a:solidFill>
                 <a:srgbClr val="000000"/>
               </a:solidFill>
@@ -1209,11 +1433,12 @@
           </a:prstGeom>
         </p:spPr>
         <p:txBody>
-          <a:bodyPr lIns="0" rIns="0" tIns="0" bIns="0">
+          <a:bodyPr lIns="0" tIns="0" rIns="0" bIns="0">
             <a:normAutofit/>
           </a:bodyPr>
-          <a:p>
-            <a:endParaRPr b="0" lang="en-US" sz="2800" spc="-1" strike="noStrike">
+          <a:lstStyle/>
+          <a:p>
+            <a:endParaRPr lang="en-US" sz="2800" b="0" strike="noStrike" spc="-1">
               <a:solidFill>
                 <a:srgbClr val="000000"/>
               </a:solidFill>
@@ -1224,11 +1449,14 @@
       </p:sp>
     </p:spTree>
   </p:cSld>
+  <p:clrMapOvr>
+    <a:masterClrMapping/>
+  </p:clrMapOvr>
 </p:sldLayout>
 </file>
 
 <file path=ppt/slideLayouts/slideLayout5.xml><?xml version="1.0" encoding="utf-8"?>
-<p:sldLayout xmlns:a="http://schemas.openxmlformats.org/drawingml/2006/main" xmlns:p="http://schemas.openxmlformats.org/presentationml/2006/main" xmlns:r="http://schemas.openxmlformats.org/officeDocument/2006/relationships" xmlns:p14="http://schemas.microsoft.com/office/powerpoint/2010/main" xmlns:p15="http://schemas.microsoft.com/office/powerpoint/2012/main" xmlns:mc="http://schemas.openxmlformats.org/markup-compatibility/2006" type="titleOnly" preserve="1">
+<p:sldLayout xmlns:a="http://schemas.openxmlformats.org/drawingml/2006/main" xmlns:r="http://schemas.openxmlformats.org/officeDocument/2006/relationships" xmlns:p="http://schemas.openxmlformats.org/presentationml/2006/main" type="titleOnly" preserve="1">
   <p:cSld name="Title Only">
     <p:spTree>
       <p:nvGrpSpPr>
@@ -1264,9 +1492,10 @@
           </a:prstGeom>
         </p:spPr>
         <p:txBody>
-          <a:bodyPr lIns="0" rIns="0" tIns="0" bIns="0" anchor="ctr"/>
-          <a:p>
-            <a:endParaRPr b="0" lang="en-US" sz="7260" spc="-1" strike="noStrike">
+          <a:bodyPr lIns="0" tIns="0" rIns="0" bIns="0" anchor="ctr"/>
+          <a:lstStyle/>
+          <a:p>
+            <a:endParaRPr lang="en-US" sz="7260" b="0" strike="noStrike" spc="-1">
               <a:solidFill>
                 <a:srgbClr val="000000"/>
               </a:solidFill>
@@ -1277,11 +1506,14 @@
       </p:sp>
     </p:spTree>
   </p:cSld>
+  <p:clrMapOvr>
+    <a:masterClrMapping/>
+  </p:clrMapOvr>
 </p:sldLayout>
 </file>
 
 <file path=ppt/slideLayouts/slideLayout6.xml><?xml version="1.0" encoding="utf-8"?>
-<p:sldLayout xmlns:a="http://schemas.openxmlformats.org/drawingml/2006/main" xmlns:p="http://schemas.openxmlformats.org/presentationml/2006/main" xmlns:r="http://schemas.openxmlformats.org/officeDocument/2006/relationships" xmlns:p14="http://schemas.microsoft.com/office/powerpoint/2010/main" xmlns:p15="http://schemas.microsoft.com/office/powerpoint/2012/main" xmlns:mc="http://schemas.openxmlformats.org/markup-compatibility/2006" type="objOnly" preserve="1">
+<p:sldLayout xmlns:a="http://schemas.openxmlformats.org/drawingml/2006/main" xmlns:r="http://schemas.openxmlformats.org/officeDocument/2006/relationships" xmlns:p="http://schemas.openxmlformats.org/presentationml/2006/main" type="objOnly" preserve="1">
   <p:cSld name="Centered Text">
     <p:spTree>
       <p:nvGrpSpPr>
@@ -1317,10 +1549,11 @@
           </a:prstGeom>
         </p:spPr>
         <p:txBody>
-          <a:bodyPr lIns="0" rIns="0" tIns="0" bIns="0" anchor="ctr"/>
+          <a:bodyPr lIns="0" tIns="0" rIns="0" bIns="0" anchor="ctr"/>
+          <a:lstStyle/>
           <a:p>
             <a:pPr algn="ctr"/>
-            <a:endParaRPr b="0" lang="en-US" sz="3200" spc="-1" strike="noStrike">
+            <a:endParaRPr lang="en-US" sz="3200" b="0" strike="noStrike" spc="-1">
               <a:latin typeface="Arial"/>
             </a:endParaRPr>
           </a:p>
@@ -1328,11 +1561,14 @@
       </p:sp>
     </p:spTree>
   </p:cSld>
+  <p:clrMapOvr>
+    <a:masterClrMapping/>
+  </p:clrMapOvr>
 </p:sldLayout>
 </file>
 
 <file path=ppt/slideLayouts/slideLayout7.xml><?xml version="1.0" encoding="utf-8"?>
-<p:sldLayout xmlns:a="http://schemas.openxmlformats.org/drawingml/2006/main" xmlns:p="http://schemas.openxmlformats.org/presentationml/2006/main" xmlns:r="http://schemas.openxmlformats.org/officeDocument/2006/relationships" xmlns:p14="http://schemas.microsoft.com/office/powerpoint/2010/main" xmlns:p15="http://schemas.microsoft.com/office/powerpoint/2012/main" xmlns:mc="http://schemas.openxmlformats.org/markup-compatibility/2006" type="twoObjAndObj" preserve="1">
+<p:sldLayout xmlns:a="http://schemas.openxmlformats.org/drawingml/2006/main" xmlns:r="http://schemas.openxmlformats.org/officeDocument/2006/relationships" xmlns:p="http://schemas.openxmlformats.org/presentationml/2006/main" type="twoObjAndObj" preserve="1">
   <p:cSld name="Title, 2 Content and Content">
     <p:spTree>
       <p:nvGrpSpPr>
@@ -1368,9 +1604,10 @@
           </a:prstGeom>
         </p:spPr>
         <p:txBody>
-          <a:bodyPr lIns="0" rIns="0" tIns="0" bIns="0" anchor="ctr"/>
-          <a:p>
-            <a:endParaRPr b="0" lang="en-US" sz="7260" spc="-1" strike="noStrike">
+          <a:bodyPr lIns="0" tIns="0" rIns="0" bIns="0" anchor="ctr"/>
+          <a:lstStyle/>
+          <a:p>
+            <a:endParaRPr lang="en-US" sz="7260" b="0" strike="noStrike" spc="-1">
               <a:solidFill>
                 <a:srgbClr val="000000"/>
               </a:solidFill>
@@ -1399,11 +1636,12 @@
           </a:prstGeom>
         </p:spPr>
         <p:txBody>
-          <a:bodyPr lIns="0" rIns="0" tIns="0" bIns="0">
+          <a:bodyPr lIns="0" tIns="0" rIns="0" bIns="0">
             <a:normAutofit/>
           </a:bodyPr>
-          <a:p>
-            <a:endParaRPr b="0" lang="en-US" sz="2800" spc="-1" strike="noStrike">
+          <a:lstStyle/>
+          <a:p>
+            <a:endParaRPr lang="en-US" sz="2800" b="0" strike="noStrike" spc="-1">
               <a:solidFill>
                 <a:srgbClr val="000000"/>
               </a:solidFill>
@@ -1432,11 +1670,12 @@
           </a:prstGeom>
         </p:spPr>
         <p:txBody>
-          <a:bodyPr lIns="0" rIns="0" tIns="0" bIns="0">
+          <a:bodyPr lIns="0" tIns="0" rIns="0" bIns="0">
             <a:normAutofit/>
           </a:bodyPr>
-          <a:p>
-            <a:endParaRPr b="0" lang="en-US" sz="2800" spc="-1" strike="noStrike">
+          <a:lstStyle/>
+          <a:p>
+            <a:endParaRPr lang="en-US" sz="2800" b="0" strike="noStrike" spc="-1">
               <a:solidFill>
                 <a:srgbClr val="000000"/>
               </a:solidFill>
@@ -1465,11 +1704,12 @@
           </a:prstGeom>
         </p:spPr>
         <p:txBody>
-          <a:bodyPr lIns="0" rIns="0" tIns="0" bIns="0">
+          <a:bodyPr lIns="0" tIns="0" rIns="0" bIns="0">
             <a:normAutofit/>
           </a:bodyPr>
-          <a:p>
-            <a:endParaRPr b="0" lang="en-US" sz="2800" spc="-1" strike="noStrike">
+          <a:lstStyle/>
+          <a:p>
+            <a:endParaRPr lang="en-US" sz="2800" b="0" strike="noStrike" spc="-1">
               <a:solidFill>
                 <a:srgbClr val="000000"/>
               </a:solidFill>
@@ -1480,11 +1720,14 @@
       </p:sp>
     </p:spTree>
   </p:cSld>
+  <p:clrMapOvr>
+    <a:masterClrMapping/>
+  </p:clrMapOvr>
 </p:sldLayout>
 </file>
 
 <file path=ppt/slideLayouts/slideLayout8.xml><?xml version="1.0" encoding="utf-8"?>
-<p:sldLayout xmlns:a="http://schemas.openxmlformats.org/drawingml/2006/main" xmlns:p="http://schemas.openxmlformats.org/presentationml/2006/main" xmlns:r="http://schemas.openxmlformats.org/officeDocument/2006/relationships" xmlns:p14="http://schemas.microsoft.com/office/powerpoint/2010/main" xmlns:p15="http://schemas.microsoft.com/office/powerpoint/2012/main" xmlns:mc="http://schemas.openxmlformats.org/markup-compatibility/2006" type="objAndTwoObj" preserve="1">
+<p:sldLayout xmlns:a="http://schemas.openxmlformats.org/drawingml/2006/main" xmlns:r="http://schemas.openxmlformats.org/officeDocument/2006/relationships" xmlns:p="http://schemas.openxmlformats.org/presentationml/2006/main" type="objAndTwoObj" preserve="1">
   <p:cSld name="Title Content and 2 Content">
     <p:spTree>
       <p:nvGrpSpPr>
@@ -1520,9 +1763,10 @@
           </a:prstGeom>
         </p:spPr>
         <p:txBody>
-          <a:bodyPr lIns="0" rIns="0" tIns="0" bIns="0" anchor="ctr"/>
-          <a:p>
-            <a:endParaRPr b="0" lang="en-US" sz="7260" spc="-1" strike="noStrike">
+          <a:bodyPr lIns="0" tIns="0" rIns="0" bIns="0" anchor="ctr"/>
+          <a:lstStyle/>
+          <a:p>
+            <a:endParaRPr lang="en-US" sz="7260" b="0" strike="noStrike" spc="-1">
               <a:solidFill>
                 <a:srgbClr val="000000"/>
               </a:solidFill>
@@ -1551,11 +1795,12 @@
           </a:prstGeom>
         </p:spPr>
         <p:txBody>
-          <a:bodyPr lIns="0" rIns="0" tIns="0" bIns="0">
+          <a:bodyPr lIns="0" tIns="0" rIns="0" bIns="0">
             <a:normAutofit/>
           </a:bodyPr>
-          <a:p>
-            <a:endParaRPr b="0" lang="en-US" sz="2800" spc="-1" strike="noStrike">
+          <a:lstStyle/>
+          <a:p>
+            <a:endParaRPr lang="en-US" sz="2800" b="0" strike="noStrike" spc="-1">
               <a:solidFill>
                 <a:srgbClr val="000000"/>
               </a:solidFill>
@@ -1584,11 +1829,12 @@
           </a:prstGeom>
         </p:spPr>
         <p:txBody>
-          <a:bodyPr lIns="0" rIns="0" tIns="0" bIns="0">
+          <a:bodyPr lIns="0" tIns="0" rIns="0" bIns="0">
             <a:normAutofit/>
           </a:bodyPr>
-          <a:p>
-            <a:endParaRPr b="0" lang="en-US" sz="2800" spc="-1" strike="noStrike">
+          <a:lstStyle/>
+          <a:p>
+            <a:endParaRPr lang="en-US" sz="2800" b="0" strike="noStrike" spc="-1">
               <a:solidFill>
                 <a:srgbClr val="000000"/>
               </a:solidFill>
@@ -1617,11 +1863,12 @@
           </a:prstGeom>
         </p:spPr>
         <p:txBody>
-          <a:bodyPr lIns="0" rIns="0" tIns="0" bIns="0">
+          <a:bodyPr lIns="0" tIns="0" rIns="0" bIns="0">
             <a:normAutofit/>
           </a:bodyPr>
-          <a:p>
-            <a:endParaRPr b="0" lang="en-US" sz="2800" spc="-1" strike="noStrike">
+          <a:lstStyle/>
+          <a:p>
+            <a:endParaRPr lang="en-US" sz="2800" b="0" strike="noStrike" spc="-1">
               <a:solidFill>
                 <a:srgbClr val="000000"/>
               </a:solidFill>
@@ -1632,11 +1879,14 @@
       </p:sp>
     </p:spTree>
   </p:cSld>
+  <p:clrMapOvr>
+    <a:masterClrMapping/>
+  </p:clrMapOvr>
 </p:sldLayout>
 </file>
 
 <file path=ppt/slideLayouts/slideLayout9.xml><?xml version="1.0" encoding="utf-8"?>
-<p:sldLayout xmlns:a="http://schemas.openxmlformats.org/drawingml/2006/main" xmlns:p="http://schemas.openxmlformats.org/presentationml/2006/main" xmlns:r="http://schemas.openxmlformats.org/officeDocument/2006/relationships" xmlns:p14="http://schemas.microsoft.com/office/powerpoint/2010/main" xmlns:p15="http://schemas.microsoft.com/office/powerpoint/2012/main" xmlns:mc="http://schemas.openxmlformats.org/markup-compatibility/2006" type="twoObjOverTx" preserve="1">
+<p:sldLayout xmlns:a="http://schemas.openxmlformats.org/drawingml/2006/main" xmlns:r="http://schemas.openxmlformats.org/officeDocument/2006/relationships" xmlns:p="http://schemas.openxmlformats.org/presentationml/2006/main" type="twoObjOverTx" preserve="1">
   <p:cSld name="Title, 2 Content over Content">
     <p:spTree>
       <p:nvGrpSpPr>
@@ -1672,9 +1922,10 @@
           </a:prstGeom>
         </p:spPr>
         <p:txBody>
-          <a:bodyPr lIns="0" rIns="0" tIns="0" bIns="0" anchor="ctr"/>
-          <a:p>
-            <a:endParaRPr b="0" lang="en-US" sz="7260" spc="-1" strike="noStrike">
+          <a:bodyPr lIns="0" tIns="0" rIns="0" bIns="0" anchor="ctr"/>
+          <a:lstStyle/>
+          <a:p>
+            <a:endParaRPr lang="en-US" sz="7260" b="0" strike="noStrike" spc="-1">
               <a:solidFill>
                 <a:srgbClr val="000000"/>
               </a:solidFill>
@@ -1703,11 +1954,12 @@
           </a:prstGeom>
         </p:spPr>
         <p:txBody>
-          <a:bodyPr lIns="0" rIns="0" tIns="0" bIns="0">
+          <a:bodyPr lIns="0" tIns="0" rIns="0" bIns="0">
             <a:normAutofit/>
           </a:bodyPr>
-          <a:p>
-            <a:endParaRPr b="0" lang="en-US" sz="2800" spc="-1" strike="noStrike">
+          <a:lstStyle/>
+          <a:p>
+            <a:endParaRPr lang="en-US" sz="2800" b="0" strike="noStrike" spc="-1">
               <a:solidFill>
                 <a:srgbClr val="000000"/>
               </a:solidFill>
@@ -1736,11 +1988,12 @@
           </a:prstGeom>
         </p:spPr>
         <p:txBody>
-          <a:bodyPr lIns="0" rIns="0" tIns="0" bIns="0">
+          <a:bodyPr lIns="0" tIns="0" rIns="0" bIns="0">
             <a:normAutofit/>
           </a:bodyPr>
-          <a:p>
-            <a:endParaRPr b="0" lang="en-US" sz="2800" spc="-1" strike="noStrike">
+          <a:lstStyle/>
+          <a:p>
+            <a:endParaRPr lang="en-US" sz="2800" b="0" strike="noStrike" spc="-1">
               <a:solidFill>
                 <a:srgbClr val="000000"/>
               </a:solidFill>
@@ -1769,11 +2022,12 @@
           </a:prstGeom>
         </p:spPr>
         <p:txBody>
-          <a:bodyPr lIns="0" rIns="0" tIns="0" bIns="0">
+          <a:bodyPr lIns="0" tIns="0" rIns="0" bIns="0">
             <a:normAutofit/>
           </a:bodyPr>
-          <a:p>
-            <a:endParaRPr b="0" lang="en-US" sz="2800" spc="-1" strike="noStrike">
+          <a:lstStyle/>
+          <a:p>
+            <a:endParaRPr lang="en-US" sz="2800" b="0" strike="noStrike" spc="-1">
               <a:solidFill>
                 <a:srgbClr val="000000"/>
               </a:solidFill>
@@ -1784,17 +2038,21 @@
       </p:sp>
     </p:spTree>
   </p:cSld>
+  <p:clrMapOvr>
+    <a:masterClrMapping/>
+  </p:clrMapOvr>
 </p:sldLayout>
 </file>
 
 <file path=ppt/slideMasters/slideMaster1.xml><?xml version="1.0" encoding="utf-8"?>
-<p:sldMaster xmlns:a="http://schemas.openxmlformats.org/drawingml/2006/main" xmlns:p="http://schemas.openxmlformats.org/presentationml/2006/main" xmlns:r="http://schemas.openxmlformats.org/officeDocument/2006/relationships" xmlns:p14="http://schemas.microsoft.com/office/powerpoint/2010/main" xmlns:p15="http://schemas.microsoft.com/office/powerpoint/2012/main" xmlns:mc="http://schemas.openxmlformats.org/markup-compatibility/2006">
+<p:sldMaster xmlns:a="http://schemas.openxmlformats.org/drawingml/2006/main" xmlns:r="http://schemas.openxmlformats.org/officeDocument/2006/relationships" xmlns:p="http://schemas.openxmlformats.org/presentationml/2006/main">
   <p:cSld>
     <p:bg>
       <p:bgPr>
         <a:solidFill>
-          <a:srgbClr val="ffffff"/>
+          <a:srgbClr val="FFFFFF"/>
         </a:solidFill>
+        <a:effectLst/>
       </p:bgPr>
     </p:bg>
     <p:spTree>
@@ -1813,7 +2071,7 @@
       </p:grpSpPr>
       <p:sp>
         <p:nvSpPr>
-          <p:cNvPr id="0" name="CustomShape 1"/>
+          <p:cNvPr id="31" name="CustomShape 1"/>
           <p:cNvSpPr/>
           <p:nvPr/>
         </p:nvSpPr>
@@ -1849,7 +2107,7 @@
       </p:sp>
       <p:sp>
         <p:nvSpPr>
-          <p:cNvPr id="1" name="CustomShape 2"/>
+          <p:cNvPr id="32" name="CustomShape 2"/>
           <p:cNvSpPr/>
           <p:nvPr/>
         </p:nvSpPr>
@@ -1953,7 +2211,8 @@
           <a:fontRef idx="minor"/>
         </p:style>
         <p:txBody>
-          <a:bodyPr lIns="274320" rIns="274320" tIns="45000" bIns="45000"/>
+          <a:bodyPr lIns="274320" tIns="45000" rIns="274320" bIns="45000"/>
+          <a:lstStyle/>
           <a:p>
             <a:pPr>
               <a:lnSpc>
@@ -1964,7 +2223,7 @@
               </a:spcBef>
             </a:pPr>
             <a:r>
-              <a:rPr b="0" lang="en-US" sz="9600" spc="-1" strike="noStrike">
+              <a:rPr lang="en-US" sz="9600" b="0" strike="noStrike" spc="-1">
                 <a:solidFill>
                   <a:srgbClr val="808080"/>
                 </a:solidFill>
@@ -1972,7 +2231,7 @@
               </a:rPr>
               <a:t>Printing:</a:t>
             </a:r>
-            <a:endParaRPr b="0" lang="en-US" sz="9600" spc="-1" strike="noStrike">
+            <a:endParaRPr lang="en-US" sz="9600" b="0" strike="noStrike" spc="-1">
               <a:latin typeface="Arial"/>
             </a:endParaRPr>
           </a:p>
@@ -1986,7 +2245,7 @@
               </a:spcBef>
             </a:pPr>
             <a:r>
-              <a:rPr b="0" lang="en-US" sz="6600" spc="-1" strike="noStrike">
+              <a:rPr lang="en-US" sz="6600" b="0" strike="noStrike" spc="-1">
                 <a:solidFill>
                   <a:srgbClr val="808080"/>
                 </a:solidFill>
@@ -1994,7 +2253,7 @@
               </a:rPr>
               <a:t>This poster is 48” wide by 36” high. It’s designed to be printed on a large-format printer.</a:t>
             </a:r>
-            <a:endParaRPr b="0" lang="en-US" sz="6600" spc="-1" strike="noStrike">
+            <a:endParaRPr lang="en-US" sz="6600" b="0" strike="noStrike" spc="-1">
               <a:latin typeface="Arial"/>
             </a:endParaRPr>
           </a:p>
@@ -2007,7 +2266,7 @@
                 <a:spcPts val="300"/>
               </a:spcBef>
             </a:pPr>
-            <a:endParaRPr b="0" lang="en-US" sz="6600" spc="-1" strike="noStrike">
+            <a:endParaRPr lang="en-US" sz="6600" b="0" strike="noStrike" spc="-1">
               <a:latin typeface="Arial"/>
             </a:endParaRPr>
           </a:p>
@@ -2021,7 +2280,7 @@
               </a:spcBef>
             </a:pPr>
             <a:r>
-              <a:rPr b="0" lang="en-US" sz="8800" spc="-1" strike="noStrike">
+              <a:rPr lang="en-US" sz="8800" b="0" strike="noStrike" spc="-1">
                 <a:solidFill>
                   <a:srgbClr val="808080"/>
                 </a:solidFill>
@@ -2029,7 +2288,7 @@
               </a:rPr>
               <a:t>Customizing the Content:</a:t>
             </a:r>
-            <a:endParaRPr b="0" lang="en-US" sz="8800" spc="-1" strike="noStrike">
+            <a:endParaRPr lang="en-US" sz="8800" b="0" strike="noStrike" spc="-1">
               <a:latin typeface="Arial"/>
             </a:endParaRPr>
           </a:p>
@@ -2043,7 +2302,7 @@
               </a:spcBef>
             </a:pPr>
             <a:r>
-              <a:rPr b="0" lang="en-US" sz="6600" spc="-1" strike="noStrike">
+              <a:rPr lang="en-US" sz="6600" b="0" strike="noStrike" spc="-1">
                 <a:solidFill>
                   <a:srgbClr val="808080"/>
                 </a:solidFill>
@@ -2051,7 +2310,7 @@
               </a:rPr>
               <a:t>The placeholders in this poster are formatted for you. Type in the placeholders to add text, or click an icon to add a table, chart, SmartArt graphic, picture or multimedia file.</a:t>
             </a:r>
-            <a:endParaRPr b="0" lang="en-US" sz="6600" spc="-1" strike="noStrike">
+            <a:endParaRPr lang="en-US" sz="6600" b="0" strike="noStrike" spc="-1">
               <a:latin typeface="Arial"/>
             </a:endParaRPr>
           </a:p>
@@ -2065,7 +2324,7 @@
               </a:spcBef>
             </a:pPr>
             <a:r>
-              <a:rPr b="0" lang="en-US" sz="6600" spc="-1" strike="noStrike">
+              <a:rPr lang="en-US" sz="6600" b="0" strike="noStrike" spc="-1">
                 <a:solidFill>
                   <a:srgbClr val="808080"/>
                 </a:solidFill>
@@ -2073,7 +2332,7 @@
               </a:rPr>
               <a:t>To add or remove bullet points from text, click the Bullets button on the Home tab.</a:t>
             </a:r>
-            <a:endParaRPr b="0" lang="en-US" sz="6600" spc="-1" strike="noStrike">
+            <a:endParaRPr lang="en-US" sz="6600" b="0" strike="noStrike" spc="-1">
               <a:latin typeface="Arial"/>
             </a:endParaRPr>
           </a:p>
@@ -2087,7 +2346,7 @@
               </a:spcBef>
             </a:pPr>
             <a:r>
-              <a:rPr b="0" lang="en-US" sz="6600" spc="-1" strike="noStrike">
+              <a:rPr lang="en-US" sz="6600" b="0" strike="noStrike" spc="-1">
                 <a:solidFill>
                   <a:srgbClr val="808080"/>
                 </a:solidFill>
@@ -2095,7 +2354,7 @@
               </a:rPr>
               <a:t>If you need more placeholders for titles, content or body text, make a copy of what you need and drag it into place. PowerPoint’s Smart Guides will help you align it with everything else.</a:t>
             </a:r>
-            <a:endParaRPr b="0" lang="en-US" sz="6600" spc="-1" strike="noStrike">
+            <a:endParaRPr lang="en-US" sz="6600" b="0" strike="noStrike" spc="-1">
               <a:latin typeface="Arial"/>
             </a:endParaRPr>
           </a:p>
@@ -2109,7 +2368,7 @@
               </a:spcBef>
             </a:pPr>
             <a:r>
-              <a:rPr b="0" lang="en-US" sz="6600" spc="-1" strike="noStrike">
+              <a:rPr lang="en-US" sz="6600" b="0" strike="noStrike" spc="-1">
                 <a:solidFill>
                   <a:srgbClr val="808080"/>
                 </a:solidFill>
@@ -2117,7 +2376,7 @@
               </a:rPr>
               <a:t>Want to use your own pictures instead of ours? No problem! Just click a picture, press the Delete key, then click the icon to add your picture.</a:t>
             </a:r>
-            <a:endParaRPr b="0" lang="en-US" sz="6600" spc="-1" strike="noStrike">
+            <a:endParaRPr lang="en-US" sz="6600" b="0" strike="noStrike" spc="-1">
               <a:latin typeface="Arial"/>
             </a:endParaRPr>
           </a:p>
@@ -2144,6 +2403,7 @@
         </p:spPr>
         <p:txBody>
           <a:bodyPr anchor="b"/>
+          <a:lstStyle/>
           <a:p>
             <a:pPr>
               <a:lnSpc>
@@ -2151,15 +2411,15 @@
               </a:lnSpc>
             </a:pPr>
             <a:r>
-              <a:rPr b="0" lang="en-US" sz="11500" spc="-1" strike="noStrike">
-                <a:solidFill>
-                  <a:srgbClr val="ffffff"/>
+              <a:rPr lang="en-US" sz="11500" b="0" strike="noStrike" spc="-1">
+                <a:solidFill>
+                  <a:srgbClr val="FFFFFF"/>
                 </a:solidFill>
                 <a:latin typeface="Arial"/>
               </a:rPr>
               <a:t>Click to edit Master title style</a:t>
             </a:r>
-            <a:endParaRPr b="0" lang="en-US" sz="11500" spc="-1" strike="noStrike">
+            <a:endParaRPr lang="en-US" sz="11500" b="0" strike="noStrike" spc="-1">
               <a:solidFill>
                 <a:srgbClr val="000000"/>
               </a:solidFill>
@@ -2189,6 +2449,7 @@
         </p:spPr>
         <p:txBody>
           <a:bodyPr anchor="ctr"/>
+          <a:lstStyle/>
           <a:p>
             <a:pPr>
               <a:lnSpc>
@@ -2196,15 +2457,15 @@
               </a:lnSpc>
             </a:pPr>
             <a:r>
-              <a:rPr b="0" lang="en-US" sz="3600" spc="-1" strike="noStrike">
-                <a:solidFill>
-                  <a:srgbClr val="bfbfbf"/>
+              <a:rPr lang="en-US" sz="3600" b="0" strike="noStrike" spc="-1">
+                <a:solidFill>
+                  <a:srgbClr val="BFBFBF"/>
                 </a:solidFill>
                 <a:latin typeface="Arial"/>
               </a:rPr>
               <a:t>Click to edit Master text styles</a:t>
             </a:r>
-            <a:endParaRPr b="0" lang="en-US" sz="3600" spc="-1" strike="noStrike">
+            <a:endParaRPr lang="en-US" sz="3600" b="0" strike="noStrike" spc="-1">
               <a:solidFill>
                 <a:srgbClr val="000000"/>
               </a:solidFill>
@@ -2234,6 +2495,7 @@
         </p:spPr>
         <p:txBody>
           <a:bodyPr lIns="365760" anchor="ctr"/>
+          <a:lstStyle/>
           <a:p>
             <a:pPr algn="ctr">
               <a:lnSpc>
@@ -2241,15 +2503,15 @@
               </a:lnSpc>
             </a:pPr>
             <a:r>
-              <a:rPr b="0" lang="en-US" sz="5400" spc="-1" strike="noStrike">
-                <a:solidFill>
-                  <a:srgbClr val="ffffff"/>
+              <a:rPr lang="en-US" sz="5400" b="0" strike="noStrike" spc="-1">
+                <a:solidFill>
+                  <a:srgbClr val="FFFFFF"/>
                 </a:solidFill>
                 <a:latin typeface="Arial"/>
               </a:rPr>
               <a:t>Heading</a:t>
             </a:r>
-            <a:endParaRPr b="0" lang="en-US" sz="5400" spc="-1" strike="noStrike">
+            <a:endParaRPr lang="en-US" sz="5400" b="0" strike="noStrike" spc="-1">
               <a:solidFill>
                 <a:srgbClr val="000000"/>
               </a:solidFill>
@@ -2279,6 +2541,7 @@
         </p:spPr>
         <p:txBody>
           <a:bodyPr lIns="365760" rIns="365760" anchor="ctr"/>
+          <a:lstStyle/>
           <a:p>
             <a:pPr>
               <a:lnSpc>
@@ -2289,7 +2552,7 @@
               </a:spcBef>
             </a:pPr>
             <a:r>
-              <a:rPr b="0" lang="en-US" sz="4400" spc="-1" strike="noStrike">
+              <a:rPr lang="en-US" sz="4400" b="0" strike="noStrike" spc="-1">
                 <a:solidFill>
                   <a:srgbClr val="000000"/>
                 </a:solidFill>
@@ -2297,12 +2560,6 @@
               </a:rPr>
               <a:t>Type your question or a statement of the problem here</a:t>
             </a:r>
-            <a:endParaRPr b="0" lang="en-US" sz="4400" spc="-1" strike="noStrike">
-              <a:solidFill>
-                <a:srgbClr val="000000"/>
-              </a:solidFill>
-              <a:latin typeface="Arial"/>
-            </a:endParaRPr>
           </a:p>
         </p:txBody>
       </p:sp>
@@ -2327,6 +2584,7 @@
         </p:spPr>
         <p:txBody>
           <a:bodyPr lIns="365760" anchor="ctr"/>
+          <a:lstStyle/>
           <a:p>
             <a:pPr algn="ctr">
               <a:lnSpc>
@@ -2334,15 +2592,15 @@
               </a:lnSpc>
             </a:pPr>
             <a:r>
-              <a:rPr b="0" lang="en-US" sz="5400" spc="-1" strike="noStrike">
-                <a:solidFill>
-                  <a:srgbClr val="ffffff"/>
+              <a:rPr lang="en-US" sz="5400" b="0" strike="noStrike" spc="-1">
+                <a:solidFill>
+                  <a:srgbClr val="FFFFFF"/>
                 </a:solidFill>
                 <a:latin typeface="Arial"/>
               </a:rPr>
               <a:t>Heading</a:t>
             </a:r>
-            <a:endParaRPr b="0" lang="en-US" sz="5400" spc="-1" strike="noStrike">
+            <a:endParaRPr lang="en-US" sz="5400" b="0" strike="noStrike" spc="-1">
               <a:solidFill>
                 <a:srgbClr val="000000"/>
               </a:solidFill>
@@ -2372,6 +2630,7 @@
         </p:spPr>
         <p:txBody>
           <a:bodyPr tIns="182880"/>
+          <a:lstStyle/>
           <a:p>
             <a:pPr marL="457200" indent="-456840">
               <a:lnSpc>
@@ -2381,13 +2640,13 @@
                 <a:spcPts val="1199"/>
               </a:spcBef>
               <a:buClr>
-                <a:srgbClr val="a6a6a6"/>
+                <a:srgbClr val="A6A6A6"/>
               </a:buClr>
               <a:buFont typeface="Arial"/>
               <a:buChar char="•"/>
             </a:pPr>
             <a:r>
-              <a:rPr b="0" lang="en-US" sz="3200" spc="-1" strike="noStrike">
+              <a:rPr lang="en-US" sz="3200" b="0" strike="noStrike" spc="-1">
                 <a:solidFill>
                   <a:srgbClr val="000000"/>
                 </a:solidFill>
@@ -2395,15 +2654,9 @@
               </a:rPr>
               <a:t>Use this placeholder to add text or other content</a:t>
             </a:r>
-            <a:endParaRPr b="0" lang="en-US" sz="3200" spc="-1" strike="noStrike">
-              <a:solidFill>
-                <a:srgbClr val="000000"/>
-              </a:solidFill>
-              <a:latin typeface="Arial"/>
-            </a:endParaRPr>
-          </a:p>
-          <a:p>
-            <a:pPr lvl="1" marL="1097280" indent="-456840">
+          </a:p>
+          <a:p>
+            <a:pPr marL="1097280" lvl="1" indent="-456840">
               <a:lnSpc>
                 <a:spcPct val="100000"/>
               </a:lnSpc>
@@ -2411,13 +2664,13 @@
                 <a:spcPts val="1199"/>
               </a:spcBef>
               <a:buClr>
-                <a:srgbClr val="a6a6a6"/>
+                <a:srgbClr val="A6A6A6"/>
               </a:buClr>
               <a:buFont typeface="Arial"/>
               <a:buChar char="•"/>
             </a:pPr>
             <a:r>
-              <a:rPr b="0" lang="en-US" sz="2800" spc="-1" strike="noStrike">
+              <a:rPr lang="en-US" sz="2800" b="0" strike="noStrike" spc="-1">
                 <a:solidFill>
                   <a:srgbClr val="000000"/>
                 </a:solidFill>
@@ -2425,15 +2678,9 @@
               </a:rPr>
               <a:t>Second level</a:t>
             </a:r>
-            <a:endParaRPr b="0" lang="en-US" sz="2800" spc="-1" strike="noStrike">
-              <a:solidFill>
-                <a:srgbClr val="000000"/>
-              </a:solidFill>
-              <a:latin typeface="Arial"/>
-            </a:endParaRPr>
-          </a:p>
-          <a:p>
-            <a:pPr lvl="2" marL="1097280" indent="-456840">
+          </a:p>
+          <a:p>
+            <a:pPr marL="1097280" lvl="2" indent="-456840">
               <a:lnSpc>
                 <a:spcPct val="100000"/>
               </a:lnSpc>
@@ -2441,13 +2688,13 @@
                 <a:spcPts val="1199"/>
               </a:spcBef>
               <a:buClr>
-                <a:srgbClr val="a6a6a6"/>
+                <a:srgbClr val="A6A6A6"/>
               </a:buClr>
               <a:buFont typeface="Arial"/>
               <a:buChar char="•"/>
             </a:pPr>
             <a:r>
-              <a:rPr b="0" lang="en-US" sz="2800" spc="-1" strike="noStrike">
+              <a:rPr lang="en-US" sz="2800" b="0" strike="noStrike" spc="-1">
                 <a:solidFill>
                   <a:srgbClr val="000000"/>
                 </a:solidFill>
@@ -2455,15 +2702,9 @@
               </a:rPr>
               <a:t>Third level</a:t>
             </a:r>
-            <a:endParaRPr b="0" lang="en-US" sz="2800" spc="-1" strike="noStrike">
-              <a:solidFill>
-                <a:srgbClr val="000000"/>
-              </a:solidFill>
-              <a:latin typeface="Arial"/>
-            </a:endParaRPr>
-          </a:p>
-          <a:p>
-            <a:pPr lvl="3" marL="1097280" indent="-456840">
+          </a:p>
+          <a:p>
+            <a:pPr marL="1097280" lvl="3" indent="-456840">
               <a:lnSpc>
                 <a:spcPct val="100000"/>
               </a:lnSpc>
@@ -2471,13 +2712,13 @@
                 <a:spcPts val="1199"/>
               </a:spcBef>
               <a:buClr>
-                <a:srgbClr val="a6a6a6"/>
+                <a:srgbClr val="A6A6A6"/>
               </a:buClr>
               <a:buFont typeface="Arial"/>
               <a:buChar char="•"/>
             </a:pPr>
             <a:r>
-              <a:rPr b="0" lang="en-US" sz="2800" spc="-1" strike="noStrike">
+              <a:rPr lang="en-US" sz="2800" b="0" strike="noStrike" spc="-1">
                 <a:solidFill>
                   <a:srgbClr val="000000"/>
                 </a:solidFill>
@@ -2485,12 +2726,6 @@
               </a:rPr>
               <a:t>Fourth level</a:t>
             </a:r>
-            <a:endParaRPr b="0" lang="en-US" sz="2800" spc="-1" strike="noStrike">
-              <a:solidFill>
-                <a:srgbClr val="000000"/>
-              </a:solidFill>
-              <a:latin typeface="Arial"/>
-            </a:endParaRPr>
           </a:p>
         </p:txBody>
       </p:sp>
@@ -2515,6 +2750,7 @@
         </p:spPr>
         <p:txBody>
           <a:bodyPr lIns="365760" anchor="ctr"/>
+          <a:lstStyle/>
           <a:p>
             <a:pPr algn="ctr">
               <a:lnSpc>
@@ -2522,15 +2758,15 @@
               </a:lnSpc>
             </a:pPr>
             <a:r>
-              <a:rPr b="0" lang="en-US" sz="5400" spc="-1" strike="noStrike">
-                <a:solidFill>
-                  <a:srgbClr val="ffffff"/>
+              <a:rPr lang="en-US" sz="5400" b="0" strike="noStrike" spc="-1">
+                <a:solidFill>
+                  <a:srgbClr val="FFFFFF"/>
                 </a:solidFill>
                 <a:latin typeface="Arial"/>
               </a:rPr>
               <a:t>Heading</a:t>
             </a:r>
-            <a:endParaRPr b="0" lang="en-US" sz="5400" spc="-1" strike="noStrike">
+            <a:endParaRPr lang="en-US" sz="5400" b="0" strike="noStrike" spc="-1">
               <a:solidFill>
                 <a:srgbClr val="000000"/>
               </a:solidFill>
@@ -2560,6 +2796,7 @@
         </p:spPr>
         <p:txBody>
           <a:bodyPr tIns="182880"/>
+          <a:lstStyle/>
           <a:p>
             <a:pPr marL="457200" indent="-456840">
               <a:lnSpc>
@@ -2569,13 +2806,13 @@
                 <a:spcPts val="1199"/>
               </a:spcBef>
               <a:buClr>
-                <a:srgbClr val="a6a6a6"/>
+                <a:srgbClr val="A6A6A6"/>
               </a:buClr>
               <a:buFont typeface="Arial"/>
               <a:buChar char="•"/>
             </a:pPr>
             <a:r>
-              <a:rPr b="0" lang="en-US" sz="3200" spc="-1" strike="noStrike">
+              <a:rPr lang="en-US" sz="3200" b="0" strike="noStrike" spc="-1">
                 <a:solidFill>
                   <a:srgbClr val="000000"/>
                 </a:solidFill>
@@ -2583,15 +2820,9 @@
               </a:rPr>
               <a:t>Use this placeholder to add text or other content</a:t>
             </a:r>
-            <a:endParaRPr b="0" lang="en-US" sz="3200" spc="-1" strike="noStrike">
-              <a:solidFill>
-                <a:srgbClr val="000000"/>
-              </a:solidFill>
-              <a:latin typeface="Arial"/>
-            </a:endParaRPr>
-          </a:p>
-          <a:p>
-            <a:pPr lvl="1" marL="1097280" indent="-456840">
+          </a:p>
+          <a:p>
+            <a:pPr marL="1097280" lvl="1" indent="-456840">
               <a:lnSpc>
                 <a:spcPct val="100000"/>
               </a:lnSpc>
@@ -2599,13 +2830,13 @@
                 <a:spcPts val="1199"/>
               </a:spcBef>
               <a:buClr>
-                <a:srgbClr val="a6a6a6"/>
+                <a:srgbClr val="A6A6A6"/>
               </a:buClr>
               <a:buFont typeface="Arial"/>
               <a:buChar char="•"/>
             </a:pPr>
             <a:r>
-              <a:rPr b="0" lang="en-US" sz="2800" spc="-1" strike="noStrike">
+              <a:rPr lang="en-US" sz="2800" b="0" strike="noStrike" spc="-1">
                 <a:solidFill>
                   <a:srgbClr val="000000"/>
                 </a:solidFill>
@@ -2613,15 +2844,9 @@
               </a:rPr>
               <a:t>Second level</a:t>
             </a:r>
-            <a:endParaRPr b="0" lang="en-US" sz="2800" spc="-1" strike="noStrike">
-              <a:solidFill>
-                <a:srgbClr val="000000"/>
-              </a:solidFill>
-              <a:latin typeface="Arial"/>
-            </a:endParaRPr>
-          </a:p>
-          <a:p>
-            <a:pPr lvl="2" marL="1097280" indent="-456840">
+          </a:p>
+          <a:p>
+            <a:pPr marL="1097280" lvl="2" indent="-456840">
               <a:lnSpc>
                 <a:spcPct val="100000"/>
               </a:lnSpc>
@@ -2629,13 +2854,13 @@
                 <a:spcPts val="1199"/>
               </a:spcBef>
               <a:buClr>
-                <a:srgbClr val="a6a6a6"/>
+                <a:srgbClr val="A6A6A6"/>
               </a:buClr>
               <a:buFont typeface="Arial"/>
               <a:buChar char="•"/>
             </a:pPr>
             <a:r>
-              <a:rPr b="0" lang="en-US" sz="2800" spc="-1" strike="noStrike">
+              <a:rPr lang="en-US" sz="2800" b="0" strike="noStrike" spc="-1">
                 <a:solidFill>
                   <a:srgbClr val="000000"/>
                 </a:solidFill>
@@ -2643,15 +2868,9 @@
               </a:rPr>
               <a:t>Third level</a:t>
             </a:r>
-            <a:endParaRPr b="0" lang="en-US" sz="2800" spc="-1" strike="noStrike">
-              <a:solidFill>
-                <a:srgbClr val="000000"/>
-              </a:solidFill>
-              <a:latin typeface="Arial"/>
-            </a:endParaRPr>
-          </a:p>
-          <a:p>
-            <a:pPr lvl="3" marL="1097280" indent="-456840">
+          </a:p>
+          <a:p>
+            <a:pPr marL="1097280" lvl="3" indent="-456840">
               <a:lnSpc>
                 <a:spcPct val="100000"/>
               </a:lnSpc>
@@ -2659,13 +2878,13 @@
                 <a:spcPts val="1199"/>
               </a:spcBef>
               <a:buClr>
-                <a:srgbClr val="a6a6a6"/>
+                <a:srgbClr val="A6A6A6"/>
               </a:buClr>
               <a:buFont typeface="Arial"/>
               <a:buChar char="•"/>
             </a:pPr>
             <a:r>
-              <a:rPr b="0" lang="en-US" sz="2800" spc="-1" strike="noStrike">
+              <a:rPr lang="en-US" sz="2800" b="0" strike="noStrike" spc="-1">
                 <a:solidFill>
                   <a:srgbClr val="000000"/>
                 </a:solidFill>
@@ -2673,15 +2892,9 @@
               </a:rPr>
               <a:t>Fourth level</a:t>
             </a:r>
-            <a:endParaRPr b="0" lang="en-US" sz="2800" spc="-1" strike="noStrike">
-              <a:solidFill>
-                <a:srgbClr val="000000"/>
-              </a:solidFill>
-              <a:latin typeface="Arial"/>
-            </a:endParaRPr>
-          </a:p>
-          <a:p>
-            <a:pPr lvl="4" marL="1097280" indent="-456840">
+          </a:p>
+          <a:p>
+            <a:pPr marL="1097280" lvl="4" indent="-456840">
               <a:lnSpc>
                 <a:spcPct val="100000"/>
               </a:lnSpc>
@@ -2689,13 +2902,13 @@
                 <a:spcPts val="1199"/>
               </a:spcBef>
               <a:buClr>
-                <a:srgbClr val="a6a6a6"/>
+                <a:srgbClr val="A6A6A6"/>
               </a:buClr>
               <a:buFont typeface="Arial"/>
               <a:buChar char="•"/>
             </a:pPr>
             <a:r>
-              <a:rPr b="0" lang="en-US" sz="2800" spc="-1" strike="noStrike">
+              <a:rPr lang="en-US" sz="2800" b="0" strike="noStrike" spc="-1">
                 <a:solidFill>
                   <a:srgbClr val="000000"/>
                 </a:solidFill>
@@ -2703,15 +2916,9 @@
               </a:rPr>
               <a:t>Fifth level</a:t>
             </a:r>
-            <a:endParaRPr b="0" lang="en-US" sz="2800" spc="-1" strike="noStrike">
-              <a:solidFill>
-                <a:srgbClr val="000000"/>
-              </a:solidFill>
-              <a:latin typeface="Arial"/>
-            </a:endParaRPr>
-          </a:p>
-          <a:p>
-            <a:pPr lvl="5" marL="1097280" indent="-456840">
+          </a:p>
+          <a:p>
+            <a:pPr marL="1097280" lvl="5" indent="-456840">
               <a:lnSpc>
                 <a:spcPct val="100000"/>
               </a:lnSpc>
@@ -2719,13 +2926,13 @@
                 <a:spcPts val="1199"/>
               </a:spcBef>
               <a:buClr>
-                <a:srgbClr val="a6a6a6"/>
+                <a:srgbClr val="A6A6A6"/>
               </a:buClr>
               <a:buFont typeface="Arial"/>
               <a:buChar char="•"/>
             </a:pPr>
             <a:r>
-              <a:rPr b="0" lang="en-US" sz="2800" spc="-1" strike="noStrike">
+              <a:rPr lang="en-US" sz="2800" b="0" strike="noStrike" spc="-1">
                 <a:solidFill>
                   <a:srgbClr val="000000"/>
                 </a:solidFill>
@@ -2733,15 +2940,9 @@
               </a:rPr>
               <a:t>Six</a:t>
             </a:r>
-            <a:endParaRPr b="0" lang="en-US" sz="2800" spc="-1" strike="noStrike">
-              <a:solidFill>
-                <a:srgbClr val="000000"/>
-              </a:solidFill>
-              <a:latin typeface="Arial"/>
-            </a:endParaRPr>
-          </a:p>
-          <a:p>
-            <a:pPr lvl="6" marL="1097280" indent="-456840">
+          </a:p>
+          <a:p>
+            <a:pPr marL="1097280" lvl="6" indent="-456840">
               <a:lnSpc>
                 <a:spcPct val="100000"/>
               </a:lnSpc>
@@ -2749,13 +2950,13 @@
                 <a:spcPts val="1199"/>
               </a:spcBef>
               <a:buClr>
-                <a:srgbClr val="a6a6a6"/>
+                <a:srgbClr val="A6A6A6"/>
               </a:buClr>
               <a:buFont typeface="Arial"/>
               <a:buChar char="•"/>
             </a:pPr>
             <a:r>
-              <a:rPr b="0" lang="en-US" sz="2800" spc="-1" strike="noStrike">
+              <a:rPr lang="en-US" sz="2800" b="0" strike="noStrike" spc="-1">
                 <a:solidFill>
                   <a:srgbClr val="000000"/>
                 </a:solidFill>
@@ -2763,15 +2964,9 @@
               </a:rPr>
               <a:t>Seven</a:t>
             </a:r>
-            <a:endParaRPr b="0" lang="en-US" sz="2800" spc="-1" strike="noStrike">
-              <a:solidFill>
-                <a:srgbClr val="000000"/>
-              </a:solidFill>
-              <a:latin typeface="Arial"/>
-            </a:endParaRPr>
-          </a:p>
-          <a:p>
-            <a:pPr lvl="7" marL="1097280" indent="-456840">
+          </a:p>
+          <a:p>
+            <a:pPr marL="1097280" lvl="7" indent="-456840">
               <a:lnSpc>
                 <a:spcPct val="100000"/>
               </a:lnSpc>
@@ -2779,13 +2974,13 @@
                 <a:spcPts val="1199"/>
               </a:spcBef>
               <a:buClr>
-                <a:srgbClr val="a6a6a6"/>
+                <a:srgbClr val="A6A6A6"/>
               </a:buClr>
               <a:buFont typeface="Arial"/>
               <a:buChar char="•"/>
             </a:pPr>
             <a:r>
-              <a:rPr b="0" lang="en-US" sz="2800" spc="-1" strike="noStrike">
+              <a:rPr lang="en-US" sz="2800" b="0" strike="noStrike" spc="-1">
                 <a:solidFill>
                   <a:srgbClr val="000000"/>
                 </a:solidFill>
@@ -2793,15 +2988,9 @@
               </a:rPr>
               <a:t>Eight</a:t>
             </a:r>
-            <a:endParaRPr b="0" lang="en-US" sz="2800" spc="-1" strike="noStrike">
-              <a:solidFill>
-                <a:srgbClr val="000000"/>
-              </a:solidFill>
-              <a:latin typeface="Arial"/>
-            </a:endParaRPr>
-          </a:p>
-          <a:p>
-            <a:pPr lvl="8" marL="1097280" indent="-456840">
+          </a:p>
+          <a:p>
+            <a:pPr marL="1097280" lvl="8" indent="-456840">
               <a:lnSpc>
                 <a:spcPct val="100000"/>
               </a:lnSpc>
@@ -2809,13 +2998,13 @@
                 <a:spcPts val="1199"/>
               </a:spcBef>
               <a:buClr>
-                <a:srgbClr val="a6a6a6"/>
+                <a:srgbClr val="A6A6A6"/>
               </a:buClr>
               <a:buFont typeface="Arial"/>
               <a:buChar char="•"/>
             </a:pPr>
             <a:r>
-              <a:rPr b="0" lang="en-US" sz="2800" spc="-1" strike="noStrike">
+              <a:rPr lang="en-US" sz="2800" b="0" strike="noStrike" spc="-1">
                 <a:solidFill>
                   <a:srgbClr val="000000"/>
                 </a:solidFill>
@@ -2823,12 +3012,6 @@
               </a:rPr>
               <a:t>Nine</a:t>
             </a:r>
-            <a:endParaRPr b="0" lang="en-US" sz="2800" spc="-1" strike="noStrike">
-              <a:solidFill>
-                <a:srgbClr val="000000"/>
-              </a:solidFill>
-              <a:latin typeface="Arial"/>
-            </a:endParaRPr>
           </a:p>
         </p:txBody>
       </p:sp>
@@ -2853,6 +3036,7 @@
         </p:spPr>
         <p:txBody>
           <a:bodyPr lIns="365760" anchor="ctr"/>
+          <a:lstStyle/>
           <a:p>
             <a:pPr algn="ctr">
               <a:lnSpc>
@@ -2860,15 +3044,15 @@
               </a:lnSpc>
             </a:pPr>
             <a:r>
-              <a:rPr b="0" lang="en-US" sz="5400" spc="-1" strike="noStrike">
-                <a:solidFill>
-                  <a:srgbClr val="ffffff"/>
+              <a:rPr lang="en-US" sz="5400" b="0" strike="noStrike" spc="-1">
+                <a:solidFill>
+                  <a:srgbClr val="FFFFFF"/>
                 </a:solidFill>
                 <a:latin typeface="Arial"/>
               </a:rPr>
               <a:t>Heading</a:t>
             </a:r>
-            <a:endParaRPr b="0" lang="en-US" sz="5400" spc="-1" strike="noStrike">
+            <a:endParaRPr lang="en-US" sz="5400" b="0" strike="noStrike" spc="-1">
               <a:solidFill>
                 <a:srgbClr val="000000"/>
               </a:solidFill>
@@ -2898,6 +3082,7 @@
         </p:spPr>
         <p:txBody>
           <a:bodyPr tIns="182880"/>
+          <a:lstStyle/>
           <a:p>
             <a:pPr marL="457200" indent="-456840">
               <a:lnSpc>
@@ -2907,13 +3092,13 @@
                 <a:spcPts val="1199"/>
               </a:spcBef>
               <a:buClr>
-                <a:srgbClr val="a6a6a6"/>
+                <a:srgbClr val="A6A6A6"/>
               </a:buClr>
               <a:buFont typeface="Arial"/>
               <a:buChar char="•"/>
             </a:pPr>
             <a:r>
-              <a:rPr b="0" lang="en-US" sz="3200" spc="-1" strike="noStrike">
+              <a:rPr lang="en-US" sz="3200" b="0" strike="noStrike" spc="-1">
                 <a:solidFill>
                   <a:srgbClr val="000000"/>
                 </a:solidFill>
@@ -2921,15 +3106,9 @@
               </a:rPr>
               <a:t>Use this placeholder to add text or other content</a:t>
             </a:r>
-            <a:endParaRPr b="0" lang="en-US" sz="3200" spc="-1" strike="noStrike">
-              <a:solidFill>
-                <a:srgbClr val="000000"/>
-              </a:solidFill>
-              <a:latin typeface="Arial"/>
-            </a:endParaRPr>
-          </a:p>
-          <a:p>
-            <a:pPr lvl="1" marL="1097280" indent="-456840">
+          </a:p>
+          <a:p>
+            <a:pPr marL="1097280" lvl="1" indent="-456840">
               <a:lnSpc>
                 <a:spcPct val="100000"/>
               </a:lnSpc>
@@ -2937,13 +3116,13 @@
                 <a:spcPts val="1199"/>
               </a:spcBef>
               <a:buClr>
-                <a:srgbClr val="a6a6a6"/>
+                <a:srgbClr val="A6A6A6"/>
               </a:buClr>
               <a:buFont typeface="Arial"/>
               <a:buChar char="•"/>
             </a:pPr>
             <a:r>
-              <a:rPr b="0" lang="en-US" sz="2800" spc="-1" strike="noStrike">
+              <a:rPr lang="en-US" sz="2800" b="0" strike="noStrike" spc="-1">
                 <a:solidFill>
                   <a:srgbClr val="000000"/>
                 </a:solidFill>
@@ -2951,15 +3130,9 @@
               </a:rPr>
               <a:t>Second level</a:t>
             </a:r>
-            <a:endParaRPr b="0" lang="en-US" sz="2800" spc="-1" strike="noStrike">
-              <a:solidFill>
-                <a:srgbClr val="000000"/>
-              </a:solidFill>
-              <a:latin typeface="Arial"/>
-            </a:endParaRPr>
-          </a:p>
-          <a:p>
-            <a:pPr lvl="2" marL="1097280" indent="-456840">
+          </a:p>
+          <a:p>
+            <a:pPr marL="1097280" lvl="2" indent="-456840">
               <a:lnSpc>
                 <a:spcPct val="100000"/>
               </a:lnSpc>
@@ -2967,13 +3140,13 @@
                 <a:spcPts val="1199"/>
               </a:spcBef>
               <a:buClr>
-                <a:srgbClr val="a6a6a6"/>
+                <a:srgbClr val="A6A6A6"/>
               </a:buClr>
               <a:buFont typeface="Arial"/>
               <a:buChar char="•"/>
             </a:pPr>
             <a:r>
-              <a:rPr b="0" lang="en-US" sz="2800" spc="-1" strike="noStrike">
+              <a:rPr lang="en-US" sz="2800" b="0" strike="noStrike" spc="-1">
                 <a:solidFill>
                   <a:srgbClr val="000000"/>
                 </a:solidFill>
@@ -2981,15 +3154,9 @@
               </a:rPr>
               <a:t>Third level</a:t>
             </a:r>
-            <a:endParaRPr b="0" lang="en-US" sz="2800" spc="-1" strike="noStrike">
-              <a:solidFill>
-                <a:srgbClr val="000000"/>
-              </a:solidFill>
-              <a:latin typeface="Arial"/>
-            </a:endParaRPr>
-          </a:p>
-          <a:p>
-            <a:pPr lvl="3" marL="1097280" indent="-456840">
+          </a:p>
+          <a:p>
+            <a:pPr marL="1097280" lvl="3" indent="-456840">
               <a:lnSpc>
                 <a:spcPct val="100000"/>
               </a:lnSpc>
@@ -2997,13 +3164,13 @@
                 <a:spcPts val="1199"/>
               </a:spcBef>
               <a:buClr>
-                <a:srgbClr val="a6a6a6"/>
+                <a:srgbClr val="A6A6A6"/>
               </a:buClr>
               <a:buFont typeface="Arial"/>
               <a:buChar char="•"/>
             </a:pPr>
             <a:r>
-              <a:rPr b="0" lang="en-US" sz="2800" spc="-1" strike="noStrike">
+              <a:rPr lang="en-US" sz="2800" b="0" strike="noStrike" spc="-1">
                 <a:solidFill>
                   <a:srgbClr val="000000"/>
                 </a:solidFill>
@@ -3011,15 +3178,9 @@
               </a:rPr>
               <a:t>Fourth level</a:t>
             </a:r>
-            <a:endParaRPr b="0" lang="en-US" sz="2800" spc="-1" strike="noStrike">
-              <a:solidFill>
-                <a:srgbClr val="000000"/>
-              </a:solidFill>
-              <a:latin typeface="Arial"/>
-            </a:endParaRPr>
-          </a:p>
-          <a:p>
-            <a:pPr lvl="4" marL="1097280" indent="-456840">
+          </a:p>
+          <a:p>
+            <a:pPr marL="1097280" lvl="4" indent="-456840">
               <a:lnSpc>
                 <a:spcPct val="100000"/>
               </a:lnSpc>
@@ -3027,13 +3188,13 @@
                 <a:spcPts val="1199"/>
               </a:spcBef>
               <a:buClr>
-                <a:srgbClr val="a6a6a6"/>
+                <a:srgbClr val="A6A6A6"/>
               </a:buClr>
               <a:buFont typeface="Arial"/>
               <a:buChar char="•"/>
             </a:pPr>
             <a:r>
-              <a:rPr b="0" lang="en-US" sz="2800" spc="-1" strike="noStrike">
+              <a:rPr lang="en-US" sz="2800" b="0" strike="noStrike" spc="-1">
                 <a:solidFill>
                   <a:srgbClr val="000000"/>
                 </a:solidFill>
@@ -3041,15 +3202,9 @@
               </a:rPr>
               <a:t>Fifth level</a:t>
             </a:r>
-            <a:endParaRPr b="0" lang="en-US" sz="2800" spc="-1" strike="noStrike">
-              <a:solidFill>
-                <a:srgbClr val="000000"/>
-              </a:solidFill>
-              <a:latin typeface="Arial"/>
-            </a:endParaRPr>
-          </a:p>
-          <a:p>
-            <a:pPr lvl="5" marL="1097280" indent="-456840">
+          </a:p>
+          <a:p>
+            <a:pPr marL="1097280" lvl="5" indent="-456840">
               <a:lnSpc>
                 <a:spcPct val="100000"/>
               </a:lnSpc>
@@ -3057,13 +3212,13 @@
                 <a:spcPts val="1199"/>
               </a:spcBef>
               <a:buClr>
-                <a:srgbClr val="a6a6a6"/>
+                <a:srgbClr val="A6A6A6"/>
               </a:buClr>
               <a:buFont typeface="Arial"/>
               <a:buChar char="•"/>
             </a:pPr>
             <a:r>
-              <a:rPr b="0" lang="en-US" sz="2800" spc="-1" strike="noStrike">
+              <a:rPr lang="en-US" sz="2800" b="0" strike="noStrike" spc="-1">
                 <a:solidFill>
                   <a:srgbClr val="000000"/>
                 </a:solidFill>
@@ -3071,15 +3226,9 @@
               </a:rPr>
               <a:t>Six</a:t>
             </a:r>
-            <a:endParaRPr b="0" lang="en-US" sz="2800" spc="-1" strike="noStrike">
-              <a:solidFill>
-                <a:srgbClr val="000000"/>
-              </a:solidFill>
-              <a:latin typeface="Arial"/>
-            </a:endParaRPr>
-          </a:p>
-          <a:p>
-            <a:pPr lvl="6" marL="1097280" indent="-456840">
+          </a:p>
+          <a:p>
+            <a:pPr marL="1097280" lvl="6" indent="-456840">
               <a:lnSpc>
                 <a:spcPct val="100000"/>
               </a:lnSpc>
@@ -3087,13 +3236,13 @@
                 <a:spcPts val="1199"/>
               </a:spcBef>
               <a:buClr>
-                <a:srgbClr val="a6a6a6"/>
+                <a:srgbClr val="A6A6A6"/>
               </a:buClr>
               <a:buFont typeface="Arial"/>
               <a:buChar char="•"/>
             </a:pPr>
             <a:r>
-              <a:rPr b="0" lang="en-US" sz="2800" spc="-1" strike="noStrike">
+              <a:rPr lang="en-US" sz="2800" b="0" strike="noStrike" spc="-1">
                 <a:solidFill>
                   <a:srgbClr val="000000"/>
                 </a:solidFill>
@@ -3101,15 +3250,9 @@
               </a:rPr>
               <a:t>Seven</a:t>
             </a:r>
-            <a:endParaRPr b="0" lang="en-US" sz="2800" spc="-1" strike="noStrike">
-              <a:solidFill>
-                <a:srgbClr val="000000"/>
-              </a:solidFill>
-              <a:latin typeface="Arial"/>
-            </a:endParaRPr>
-          </a:p>
-          <a:p>
-            <a:pPr lvl="7" marL="1097280" indent="-456840">
+          </a:p>
+          <a:p>
+            <a:pPr marL="1097280" lvl="7" indent="-456840">
               <a:lnSpc>
                 <a:spcPct val="100000"/>
               </a:lnSpc>
@@ -3117,13 +3260,13 @@
                 <a:spcPts val="1199"/>
               </a:spcBef>
               <a:buClr>
-                <a:srgbClr val="a6a6a6"/>
+                <a:srgbClr val="A6A6A6"/>
               </a:buClr>
               <a:buFont typeface="Arial"/>
               <a:buChar char="•"/>
             </a:pPr>
             <a:r>
-              <a:rPr b="0" lang="en-US" sz="2800" spc="-1" strike="noStrike">
+              <a:rPr lang="en-US" sz="2800" b="0" strike="noStrike" spc="-1">
                 <a:solidFill>
                   <a:srgbClr val="000000"/>
                 </a:solidFill>
@@ -3131,15 +3274,9 @@
               </a:rPr>
               <a:t>Eight</a:t>
             </a:r>
-            <a:endParaRPr b="0" lang="en-US" sz="2800" spc="-1" strike="noStrike">
-              <a:solidFill>
-                <a:srgbClr val="000000"/>
-              </a:solidFill>
-              <a:latin typeface="Arial"/>
-            </a:endParaRPr>
-          </a:p>
-          <a:p>
-            <a:pPr lvl="8" marL="1097280" indent="-456840">
+          </a:p>
+          <a:p>
+            <a:pPr marL="1097280" lvl="8" indent="-456840">
               <a:lnSpc>
                 <a:spcPct val="100000"/>
               </a:lnSpc>
@@ -3147,13 +3284,13 @@
                 <a:spcPts val="1199"/>
               </a:spcBef>
               <a:buClr>
-                <a:srgbClr val="a6a6a6"/>
+                <a:srgbClr val="A6A6A6"/>
               </a:buClr>
               <a:buFont typeface="Arial"/>
               <a:buChar char="•"/>
             </a:pPr>
             <a:r>
-              <a:rPr b="0" lang="en-US" sz="2800" spc="-1" strike="noStrike">
+              <a:rPr lang="en-US" sz="2800" b="0" strike="noStrike" spc="-1">
                 <a:solidFill>
                   <a:srgbClr val="000000"/>
                 </a:solidFill>
@@ -3161,12 +3298,6 @@
               </a:rPr>
               <a:t>Nine</a:t>
             </a:r>
-            <a:endParaRPr b="0" lang="en-US" sz="2800" spc="-1" strike="noStrike">
-              <a:solidFill>
-                <a:srgbClr val="000000"/>
-              </a:solidFill>
-              <a:latin typeface="Arial"/>
-            </a:endParaRPr>
           </a:p>
         </p:txBody>
       </p:sp>
@@ -3191,6 +3322,7 @@
         </p:spPr>
         <p:txBody>
           <a:bodyPr lIns="365760" anchor="ctr"/>
+          <a:lstStyle/>
           <a:p>
             <a:pPr algn="ctr">
               <a:lnSpc>
@@ -3198,15 +3330,15 @@
               </a:lnSpc>
             </a:pPr>
             <a:r>
-              <a:rPr b="0" lang="en-US" sz="5400" spc="-1" strike="noStrike">
-                <a:solidFill>
-                  <a:srgbClr val="ffffff"/>
+              <a:rPr lang="en-US" sz="5400" b="0" strike="noStrike" spc="-1">
+                <a:solidFill>
+                  <a:srgbClr val="FFFFFF"/>
                 </a:solidFill>
                 <a:latin typeface="Arial"/>
               </a:rPr>
               <a:t>Heading</a:t>
             </a:r>
-            <a:endParaRPr b="0" lang="en-US" sz="5400" spc="-1" strike="noStrike">
+            <a:endParaRPr lang="en-US" sz="5400" b="0" strike="noStrike" spc="-1">
               <a:solidFill>
                 <a:srgbClr val="000000"/>
               </a:solidFill>
@@ -3236,6 +3368,7 @@
         </p:spPr>
         <p:txBody>
           <a:bodyPr tIns="182880"/>
+          <a:lstStyle/>
           <a:p>
             <a:pPr marL="457200" indent="-456840">
               <a:lnSpc>
@@ -3245,13 +3378,13 @@
                 <a:spcPts val="1199"/>
               </a:spcBef>
               <a:buClr>
-                <a:srgbClr val="a6a6a6"/>
+                <a:srgbClr val="A6A6A6"/>
               </a:buClr>
               <a:buFont typeface="Arial"/>
               <a:buChar char="•"/>
             </a:pPr>
             <a:r>
-              <a:rPr b="0" lang="en-US" sz="3200" spc="-1" strike="noStrike">
+              <a:rPr lang="en-US" sz="3200" b="0" strike="noStrike" spc="-1">
                 <a:solidFill>
                   <a:srgbClr val="000000"/>
                 </a:solidFill>
@@ -3259,15 +3392,9 @@
               </a:rPr>
               <a:t>Use this placeholder to add text or other content</a:t>
             </a:r>
-            <a:endParaRPr b="0" lang="en-US" sz="3200" spc="-1" strike="noStrike">
-              <a:solidFill>
-                <a:srgbClr val="000000"/>
-              </a:solidFill>
-              <a:latin typeface="Arial"/>
-            </a:endParaRPr>
-          </a:p>
-          <a:p>
-            <a:pPr lvl="1" marL="1097280" indent="-456840">
+          </a:p>
+          <a:p>
+            <a:pPr marL="1097280" lvl="1" indent="-456840">
               <a:lnSpc>
                 <a:spcPct val="100000"/>
               </a:lnSpc>
@@ -3275,13 +3402,13 @@
                 <a:spcPts val="1199"/>
               </a:spcBef>
               <a:buClr>
-                <a:srgbClr val="a6a6a6"/>
+                <a:srgbClr val="A6A6A6"/>
               </a:buClr>
               <a:buFont typeface="Arial"/>
               <a:buChar char="•"/>
             </a:pPr>
             <a:r>
-              <a:rPr b="0" lang="en-US" sz="2800" spc="-1" strike="noStrike">
+              <a:rPr lang="en-US" sz="2800" b="0" strike="noStrike" spc="-1">
                 <a:solidFill>
                   <a:srgbClr val="000000"/>
                 </a:solidFill>
@@ -3289,15 +3416,9 @@
               </a:rPr>
               <a:t>Second level</a:t>
             </a:r>
-            <a:endParaRPr b="0" lang="en-US" sz="2800" spc="-1" strike="noStrike">
-              <a:solidFill>
-                <a:srgbClr val="000000"/>
-              </a:solidFill>
-              <a:latin typeface="Arial"/>
-            </a:endParaRPr>
-          </a:p>
-          <a:p>
-            <a:pPr lvl="2" marL="1097280" indent="-456840">
+          </a:p>
+          <a:p>
+            <a:pPr marL="1097280" lvl="2" indent="-456840">
               <a:lnSpc>
                 <a:spcPct val="100000"/>
               </a:lnSpc>
@@ -3305,13 +3426,13 @@
                 <a:spcPts val="1199"/>
               </a:spcBef>
               <a:buClr>
-                <a:srgbClr val="a6a6a6"/>
+                <a:srgbClr val="A6A6A6"/>
               </a:buClr>
               <a:buFont typeface="Arial"/>
               <a:buChar char="•"/>
             </a:pPr>
             <a:r>
-              <a:rPr b="0" lang="en-US" sz="2800" spc="-1" strike="noStrike">
+              <a:rPr lang="en-US" sz="2800" b="0" strike="noStrike" spc="-1">
                 <a:solidFill>
                   <a:srgbClr val="000000"/>
                 </a:solidFill>
@@ -3319,15 +3440,9 @@
               </a:rPr>
               <a:t>Third level</a:t>
             </a:r>
-            <a:endParaRPr b="0" lang="en-US" sz="2800" spc="-1" strike="noStrike">
-              <a:solidFill>
-                <a:srgbClr val="000000"/>
-              </a:solidFill>
-              <a:latin typeface="Arial"/>
-            </a:endParaRPr>
-          </a:p>
-          <a:p>
-            <a:pPr lvl="3" marL="1097280" indent="-456840">
+          </a:p>
+          <a:p>
+            <a:pPr marL="1097280" lvl="3" indent="-456840">
               <a:lnSpc>
                 <a:spcPct val="100000"/>
               </a:lnSpc>
@@ -3335,13 +3450,13 @@
                 <a:spcPts val="1199"/>
               </a:spcBef>
               <a:buClr>
-                <a:srgbClr val="a6a6a6"/>
+                <a:srgbClr val="A6A6A6"/>
               </a:buClr>
               <a:buFont typeface="Arial"/>
               <a:buChar char="•"/>
             </a:pPr>
             <a:r>
-              <a:rPr b="0" lang="en-US" sz="2800" spc="-1" strike="noStrike">
+              <a:rPr lang="en-US" sz="2800" b="0" strike="noStrike" spc="-1">
                 <a:solidFill>
                   <a:srgbClr val="000000"/>
                 </a:solidFill>
@@ -3349,15 +3464,9 @@
               </a:rPr>
               <a:t>Fourth level</a:t>
             </a:r>
-            <a:endParaRPr b="0" lang="en-US" sz="2800" spc="-1" strike="noStrike">
-              <a:solidFill>
-                <a:srgbClr val="000000"/>
-              </a:solidFill>
-              <a:latin typeface="Arial"/>
-            </a:endParaRPr>
-          </a:p>
-          <a:p>
-            <a:pPr lvl="4" marL="1097280" indent="-456840">
+          </a:p>
+          <a:p>
+            <a:pPr marL="1097280" lvl="4" indent="-456840">
               <a:lnSpc>
                 <a:spcPct val="100000"/>
               </a:lnSpc>
@@ -3365,13 +3474,13 @@
                 <a:spcPts val="1199"/>
               </a:spcBef>
               <a:buClr>
-                <a:srgbClr val="a6a6a6"/>
+                <a:srgbClr val="A6A6A6"/>
               </a:buClr>
               <a:buFont typeface="Arial"/>
               <a:buChar char="•"/>
             </a:pPr>
             <a:r>
-              <a:rPr b="0" lang="en-US" sz="2800" spc="-1" strike="noStrike">
+              <a:rPr lang="en-US" sz="2800" b="0" strike="noStrike" spc="-1">
                 <a:solidFill>
                   <a:srgbClr val="000000"/>
                 </a:solidFill>
@@ -3379,15 +3488,9 @@
               </a:rPr>
               <a:t>Fifth level</a:t>
             </a:r>
-            <a:endParaRPr b="0" lang="en-US" sz="2800" spc="-1" strike="noStrike">
-              <a:solidFill>
-                <a:srgbClr val="000000"/>
-              </a:solidFill>
-              <a:latin typeface="Arial"/>
-            </a:endParaRPr>
-          </a:p>
-          <a:p>
-            <a:pPr lvl="5" marL="1097280" indent="-456840">
+          </a:p>
+          <a:p>
+            <a:pPr marL="1097280" lvl="5" indent="-456840">
               <a:lnSpc>
                 <a:spcPct val="100000"/>
               </a:lnSpc>
@@ -3395,13 +3498,13 @@
                 <a:spcPts val="1199"/>
               </a:spcBef>
               <a:buClr>
-                <a:srgbClr val="a6a6a6"/>
+                <a:srgbClr val="A6A6A6"/>
               </a:buClr>
               <a:buFont typeface="Arial"/>
               <a:buChar char="•"/>
             </a:pPr>
             <a:r>
-              <a:rPr b="0" lang="en-US" sz="2800" spc="-1" strike="noStrike">
+              <a:rPr lang="en-US" sz="2800" b="0" strike="noStrike" spc="-1">
                 <a:solidFill>
                   <a:srgbClr val="000000"/>
                 </a:solidFill>
@@ -3409,15 +3512,9 @@
               </a:rPr>
               <a:t>Six</a:t>
             </a:r>
-            <a:endParaRPr b="0" lang="en-US" sz="2800" spc="-1" strike="noStrike">
-              <a:solidFill>
-                <a:srgbClr val="000000"/>
-              </a:solidFill>
-              <a:latin typeface="Arial"/>
-            </a:endParaRPr>
-          </a:p>
-          <a:p>
-            <a:pPr lvl="6" marL="1097280" indent="-456840">
+          </a:p>
+          <a:p>
+            <a:pPr marL="1097280" lvl="6" indent="-456840">
               <a:lnSpc>
                 <a:spcPct val="100000"/>
               </a:lnSpc>
@@ -3425,13 +3522,13 @@
                 <a:spcPts val="1199"/>
               </a:spcBef>
               <a:buClr>
-                <a:srgbClr val="a6a6a6"/>
+                <a:srgbClr val="A6A6A6"/>
               </a:buClr>
               <a:buFont typeface="Arial"/>
               <a:buChar char="•"/>
             </a:pPr>
             <a:r>
-              <a:rPr b="0" lang="en-US" sz="2800" spc="-1" strike="noStrike">
+              <a:rPr lang="en-US" sz="2800" b="0" strike="noStrike" spc="-1">
                 <a:solidFill>
                   <a:srgbClr val="000000"/>
                 </a:solidFill>
@@ -3439,15 +3536,9 @@
               </a:rPr>
               <a:t>Seven</a:t>
             </a:r>
-            <a:endParaRPr b="0" lang="en-US" sz="2800" spc="-1" strike="noStrike">
-              <a:solidFill>
-                <a:srgbClr val="000000"/>
-              </a:solidFill>
-              <a:latin typeface="Arial"/>
-            </a:endParaRPr>
-          </a:p>
-          <a:p>
-            <a:pPr lvl="7" marL="1097280" indent="-456840">
+          </a:p>
+          <a:p>
+            <a:pPr marL="1097280" lvl="7" indent="-456840">
               <a:lnSpc>
                 <a:spcPct val="100000"/>
               </a:lnSpc>
@@ -3455,13 +3546,13 @@
                 <a:spcPts val="1199"/>
               </a:spcBef>
               <a:buClr>
-                <a:srgbClr val="a6a6a6"/>
+                <a:srgbClr val="A6A6A6"/>
               </a:buClr>
               <a:buFont typeface="Arial"/>
               <a:buChar char="•"/>
             </a:pPr>
             <a:r>
-              <a:rPr b="0" lang="en-US" sz="2800" spc="-1" strike="noStrike">
+              <a:rPr lang="en-US" sz="2800" b="0" strike="noStrike" spc="-1">
                 <a:solidFill>
                   <a:srgbClr val="000000"/>
                 </a:solidFill>
@@ -3469,15 +3560,9 @@
               </a:rPr>
               <a:t>Eight</a:t>
             </a:r>
-            <a:endParaRPr b="0" lang="en-US" sz="2800" spc="-1" strike="noStrike">
-              <a:solidFill>
-                <a:srgbClr val="000000"/>
-              </a:solidFill>
-              <a:latin typeface="Arial"/>
-            </a:endParaRPr>
-          </a:p>
-          <a:p>
-            <a:pPr lvl="8" marL="1097280" indent="-456840">
+          </a:p>
+          <a:p>
+            <a:pPr marL="1097280" lvl="8" indent="-456840">
               <a:lnSpc>
                 <a:spcPct val="100000"/>
               </a:lnSpc>
@@ -3485,13 +3570,13 @@
                 <a:spcPts val="1199"/>
               </a:spcBef>
               <a:buClr>
-                <a:srgbClr val="a6a6a6"/>
+                <a:srgbClr val="A6A6A6"/>
               </a:buClr>
               <a:buFont typeface="Arial"/>
               <a:buChar char="•"/>
             </a:pPr>
             <a:r>
-              <a:rPr b="0" lang="en-US" sz="2800" spc="-1" strike="noStrike">
+              <a:rPr lang="en-US" sz="2800" b="0" strike="noStrike" spc="-1">
                 <a:solidFill>
                   <a:srgbClr val="000000"/>
                 </a:solidFill>
@@ -3499,12 +3584,6 @@
               </a:rPr>
               <a:t>Nine</a:t>
             </a:r>
-            <a:endParaRPr b="0" lang="en-US" sz="2800" spc="-1" strike="noStrike">
-              <a:solidFill>
-                <a:srgbClr val="000000"/>
-              </a:solidFill>
-              <a:latin typeface="Arial"/>
-            </a:endParaRPr>
           </a:p>
         </p:txBody>
       </p:sp>
@@ -3529,6 +3608,7 @@
         </p:spPr>
         <p:txBody>
           <a:bodyPr lIns="365760" anchor="ctr"/>
+          <a:lstStyle/>
           <a:p>
             <a:pPr algn="ctr">
               <a:lnSpc>
@@ -3536,15 +3616,15 @@
               </a:lnSpc>
             </a:pPr>
             <a:r>
-              <a:rPr b="0" lang="en-US" sz="5400" spc="-1" strike="noStrike">
-                <a:solidFill>
-                  <a:srgbClr val="ffffff"/>
+              <a:rPr lang="en-US" sz="5400" b="0" strike="noStrike" spc="-1">
+                <a:solidFill>
+                  <a:srgbClr val="FFFFFF"/>
                 </a:solidFill>
                 <a:latin typeface="Arial"/>
               </a:rPr>
               <a:t>Heading</a:t>
             </a:r>
-            <a:endParaRPr b="0" lang="en-US" sz="5400" spc="-1" strike="noStrike">
+            <a:endParaRPr lang="en-US" sz="5400" b="0" strike="noStrike" spc="-1">
               <a:solidFill>
                 <a:srgbClr val="000000"/>
               </a:solidFill>
@@ -3574,6 +3654,7 @@
         </p:spPr>
         <p:txBody>
           <a:bodyPr tIns="182880"/>
+          <a:lstStyle/>
           <a:p>
             <a:pPr marL="457200" indent="-456840">
               <a:lnSpc>
@@ -3583,13 +3664,13 @@
                 <a:spcPts val="1199"/>
               </a:spcBef>
               <a:buClr>
-                <a:srgbClr val="a6a6a6"/>
+                <a:srgbClr val="A6A6A6"/>
               </a:buClr>
               <a:buFont typeface="Arial"/>
               <a:buChar char="•"/>
             </a:pPr>
             <a:r>
-              <a:rPr b="0" lang="en-US" sz="3200" spc="-1" strike="noStrike">
+              <a:rPr lang="en-US" sz="3200" b="0" strike="noStrike" spc="-1">
                 <a:solidFill>
                   <a:srgbClr val="000000"/>
                 </a:solidFill>
@@ -3597,15 +3678,9 @@
               </a:rPr>
               <a:t>Use this placeholder to add text or other content</a:t>
             </a:r>
-            <a:endParaRPr b="0" lang="en-US" sz="3200" spc="-1" strike="noStrike">
-              <a:solidFill>
-                <a:srgbClr val="000000"/>
-              </a:solidFill>
-              <a:latin typeface="Arial"/>
-            </a:endParaRPr>
-          </a:p>
-          <a:p>
-            <a:pPr lvl="1" marL="1097280" indent="-456840">
+          </a:p>
+          <a:p>
+            <a:pPr marL="1097280" lvl="1" indent="-456840">
               <a:lnSpc>
                 <a:spcPct val="100000"/>
               </a:lnSpc>
@@ -3613,13 +3688,13 @@
                 <a:spcPts val="1199"/>
               </a:spcBef>
               <a:buClr>
-                <a:srgbClr val="a6a6a6"/>
+                <a:srgbClr val="A6A6A6"/>
               </a:buClr>
               <a:buFont typeface="Arial"/>
               <a:buChar char="•"/>
             </a:pPr>
             <a:r>
-              <a:rPr b="0" lang="en-US" sz="2800" spc="-1" strike="noStrike">
+              <a:rPr lang="en-US" sz="2800" b="0" strike="noStrike" spc="-1">
                 <a:solidFill>
                   <a:srgbClr val="000000"/>
                 </a:solidFill>
@@ -3627,15 +3702,9 @@
               </a:rPr>
               <a:t>Second level</a:t>
             </a:r>
-            <a:endParaRPr b="0" lang="en-US" sz="2800" spc="-1" strike="noStrike">
-              <a:solidFill>
-                <a:srgbClr val="000000"/>
-              </a:solidFill>
-              <a:latin typeface="Arial"/>
-            </a:endParaRPr>
-          </a:p>
-          <a:p>
-            <a:pPr lvl="2" marL="1097280" indent="-456840">
+          </a:p>
+          <a:p>
+            <a:pPr marL="1097280" lvl="2" indent="-456840">
               <a:lnSpc>
                 <a:spcPct val="100000"/>
               </a:lnSpc>
@@ -3643,13 +3712,13 @@
                 <a:spcPts val="1199"/>
               </a:spcBef>
               <a:buClr>
-                <a:srgbClr val="a6a6a6"/>
+                <a:srgbClr val="A6A6A6"/>
               </a:buClr>
               <a:buFont typeface="Arial"/>
               <a:buChar char="•"/>
             </a:pPr>
             <a:r>
-              <a:rPr b="0" lang="en-US" sz="2800" spc="-1" strike="noStrike">
+              <a:rPr lang="en-US" sz="2800" b="0" strike="noStrike" spc="-1">
                 <a:solidFill>
                   <a:srgbClr val="000000"/>
                 </a:solidFill>
@@ -3657,15 +3726,9 @@
               </a:rPr>
               <a:t>Third level</a:t>
             </a:r>
-            <a:endParaRPr b="0" lang="en-US" sz="2800" spc="-1" strike="noStrike">
-              <a:solidFill>
-                <a:srgbClr val="000000"/>
-              </a:solidFill>
-              <a:latin typeface="Arial"/>
-            </a:endParaRPr>
-          </a:p>
-          <a:p>
-            <a:pPr lvl="3" marL="1097280" indent="-456840">
+          </a:p>
+          <a:p>
+            <a:pPr marL="1097280" lvl="3" indent="-456840">
               <a:lnSpc>
                 <a:spcPct val="100000"/>
               </a:lnSpc>
@@ -3673,13 +3736,13 @@
                 <a:spcPts val="1199"/>
               </a:spcBef>
               <a:buClr>
-                <a:srgbClr val="a6a6a6"/>
+                <a:srgbClr val="A6A6A6"/>
               </a:buClr>
               <a:buFont typeface="Arial"/>
               <a:buChar char="•"/>
             </a:pPr>
             <a:r>
-              <a:rPr b="0" lang="en-US" sz="2800" spc="-1" strike="noStrike">
+              <a:rPr lang="en-US" sz="2800" b="0" strike="noStrike" spc="-1">
                 <a:solidFill>
                   <a:srgbClr val="000000"/>
                 </a:solidFill>
@@ -3687,15 +3750,9 @@
               </a:rPr>
               <a:t>Fourth level</a:t>
             </a:r>
-            <a:endParaRPr b="0" lang="en-US" sz="2800" spc="-1" strike="noStrike">
-              <a:solidFill>
-                <a:srgbClr val="000000"/>
-              </a:solidFill>
-              <a:latin typeface="Arial"/>
-            </a:endParaRPr>
-          </a:p>
-          <a:p>
-            <a:pPr lvl="4" marL="1097280" indent="-456840">
+          </a:p>
+          <a:p>
+            <a:pPr marL="1097280" lvl="4" indent="-456840">
               <a:lnSpc>
                 <a:spcPct val="100000"/>
               </a:lnSpc>
@@ -3703,13 +3760,13 @@
                 <a:spcPts val="1199"/>
               </a:spcBef>
               <a:buClr>
-                <a:srgbClr val="a6a6a6"/>
+                <a:srgbClr val="A6A6A6"/>
               </a:buClr>
               <a:buFont typeface="Arial"/>
               <a:buChar char="•"/>
             </a:pPr>
             <a:r>
-              <a:rPr b="0" lang="en-US" sz="2800" spc="-1" strike="noStrike">
+              <a:rPr lang="en-US" sz="2800" b="0" strike="noStrike" spc="-1">
                 <a:solidFill>
                   <a:srgbClr val="000000"/>
                 </a:solidFill>
@@ -3717,15 +3774,9 @@
               </a:rPr>
               <a:t>Fifth level</a:t>
             </a:r>
-            <a:endParaRPr b="0" lang="en-US" sz="2800" spc="-1" strike="noStrike">
-              <a:solidFill>
-                <a:srgbClr val="000000"/>
-              </a:solidFill>
-              <a:latin typeface="Arial"/>
-            </a:endParaRPr>
-          </a:p>
-          <a:p>
-            <a:pPr lvl="5" marL="1097280" indent="-456840">
+          </a:p>
+          <a:p>
+            <a:pPr marL="1097280" lvl="5" indent="-456840">
               <a:lnSpc>
                 <a:spcPct val="100000"/>
               </a:lnSpc>
@@ -3733,13 +3784,13 @@
                 <a:spcPts val="1199"/>
               </a:spcBef>
               <a:buClr>
-                <a:srgbClr val="a6a6a6"/>
+                <a:srgbClr val="A6A6A6"/>
               </a:buClr>
               <a:buFont typeface="Arial"/>
               <a:buChar char="•"/>
             </a:pPr>
             <a:r>
-              <a:rPr b="0" lang="en-US" sz="2800" spc="-1" strike="noStrike">
+              <a:rPr lang="en-US" sz="2800" b="0" strike="noStrike" spc="-1">
                 <a:solidFill>
                   <a:srgbClr val="000000"/>
                 </a:solidFill>
@@ -3747,15 +3798,9 @@
               </a:rPr>
               <a:t>Six</a:t>
             </a:r>
-            <a:endParaRPr b="0" lang="en-US" sz="2800" spc="-1" strike="noStrike">
-              <a:solidFill>
-                <a:srgbClr val="000000"/>
-              </a:solidFill>
-              <a:latin typeface="Arial"/>
-            </a:endParaRPr>
-          </a:p>
-          <a:p>
-            <a:pPr lvl="6" marL="1097280" indent="-456840">
+          </a:p>
+          <a:p>
+            <a:pPr marL="1097280" lvl="6" indent="-456840">
               <a:lnSpc>
                 <a:spcPct val="100000"/>
               </a:lnSpc>
@@ -3763,13 +3808,13 @@
                 <a:spcPts val="1199"/>
               </a:spcBef>
               <a:buClr>
-                <a:srgbClr val="a6a6a6"/>
+                <a:srgbClr val="A6A6A6"/>
               </a:buClr>
               <a:buFont typeface="Arial"/>
               <a:buChar char="•"/>
             </a:pPr>
             <a:r>
-              <a:rPr b="0" lang="en-US" sz="2800" spc="-1" strike="noStrike">
+              <a:rPr lang="en-US" sz="2800" b="0" strike="noStrike" spc="-1">
                 <a:solidFill>
                   <a:srgbClr val="000000"/>
                 </a:solidFill>
@@ -3777,15 +3822,9 @@
               </a:rPr>
               <a:t>Seven</a:t>
             </a:r>
-            <a:endParaRPr b="0" lang="en-US" sz="2800" spc="-1" strike="noStrike">
-              <a:solidFill>
-                <a:srgbClr val="000000"/>
-              </a:solidFill>
-              <a:latin typeface="Arial"/>
-            </a:endParaRPr>
-          </a:p>
-          <a:p>
-            <a:pPr lvl="7" marL="1097280" indent="-456840">
+          </a:p>
+          <a:p>
+            <a:pPr marL="1097280" lvl="7" indent="-456840">
               <a:lnSpc>
                 <a:spcPct val="100000"/>
               </a:lnSpc>
@@ -3793,13 +3832,13 @@
                 <a:spcPts val="1199"/>
               </a:spcBef>
               <a:buClr>
-                <a:srgbClr val="a6a6a6"/>
+                <a:srgbClr val="A6A6A6"/>
               </a:buClr>
               <a:buFont typeface="Arial"/>
               <a:buChar char="•"/>
             </a:pPr>
             <a:r>
-              <a:rPr b="0" lang="en-US" sz="2800" spc="-1" strike="noStrike">
+              <a:rPr lang="en-US" sz="2800" b="0" strike="noStrike" spc="-1">
                 <a:solidFill>
                   <a:srgbClr val="000000"/>
                 </a:solidFill>
@@ -3807,15 +3846,9 @@
               </a:rPr>
               <a:t>Eight</a:t>
             </a:r>
-            <a:endParaRPr b="0" lang="en-US" sz="2800" spc="-1" strike="noStrike">
-              <a:solidFill>
-                <a:srgbClr val="000000"/>
-              </a:solidFill>
-              <a:latin typeface="Arial"/>
-            </a:endParaRPr>
-          </a:p>
-          <a:p>
-            <a:pPr lvl="8" marL="1097280" indent="-456840">
+          </a:p>
+          <a:p>
+            <a:pPr marL="1097280" lvl="8" indent="-456840">
               <a:lnSpc>
                 <a:spcPct val="100000"/>
               </a:lnSpc>
@@ -3823,13 +3856,13 @@
                 <a:spcPts val="1199"/>
               </a:spcBef>
               <a:buClr>
-                <a:srgbClr val="a6a6a6"/>
+                <a:srgbClr val="A6A6A6"/>
               </a:buClr>
               <a:buFont typeface="Arial"/>
               <a:buChar char="•"/>
             </a:pPr>
             <a:r>
-              <a:rPr b="0" lang="en-US" sz="2800" spc="-1" strike="noStrike">
+              <a:rPr lang="en-US" sz="2800" b="0" strike="noStrike" spc="-1">
                 <a:solidFill>
                   <a:srgbClr val="000000"/>
                 </a:solidFill>
@@ -3837,12 +3870,6 @@
               </a:rPr>
               <a:t>Nine</a:t>
             </a:r>
-            <a:endParaRPr b="0" lang="en-US" sz="2800" spc="-1" strike="noStrike">
-              <a:solidFill>
-                <a:srgbClr val="000000"/>
-              </a:solidFill>
-              <a:latin typeface="Arial"/>
-            </a:endParaRPr>
           </a:p>
         </p:txBody>
       </p:sp>
@@ -3867,6 +3894,7 @@
         </p:spPr>
         <p:txBody>
           <a:bodyPr lIns="365760" anchor="ctr"/>
+          <a:lstStyle/>
           <a:p>
             <a:pPr algn="ctr">
               <a:lnSpc>
@@ -3874,15 +3902,15 @@
               </a:lnSpc>
             </a:pPr>
             <a:r>
-              <a:rPr b="0" lang="en-US" sz="5400" spc="-1" strike="noStrike">
-                <a:solidFill>
-                  <a:srgbClr val="ffffff"/>
+              <a:rPr lang="en-US" sz="5400" b="0" strike="noStrike" spc="-1">
+                <a:solidFill>
+                  <a:srgbClr val="FFFFFF"/>
                 </a:solidFill>
                 <a:latin typeface="Arial"/>
               </a:rPr>
               <a:t>Heading</a:t>
             </a:r>
-            <a:endParaRPr b="0" lang="en-US" sz="5400" spc="-1" strike="noStrike">
+            <a:endParaRPr lang="en-US" sz="5400" b="0" strike="noStrike" spc="-1">
               <a:solidFill>
                 <a:srgbClr val="000000"/>
               </a:solidFill>
@@ -3912,6 +3940,7 @@
         </p:spPr>
         <p:txBody>
           <a:bodyPr tIns="182880"/>
+          <a:lstStyle/>
           <a:p>
             <a:pPr marL="457200" indent="-456840">
               <a:lnSpc>
@@ -3921,13 +3950,13 @@
                 <a:spcPts val="1199"/>
               </a:spcBef>
               <a:buClr>
-                <a:srgbClr val="a6a6a6"/>
+                <a:srgbClr val="A6A6A6"/>
               </a:buClr>
               <a:buFont typeface="Arial"/>
               <a:buChar char="•"/>
             </a:pPr>
             <a:r>
-              <a:rPr b="0" lang="en-US" sz="3200" spc="-1" strike="noStrike">
+              <a:rPr lang="en-US" sz="3200" b="0" strike="noStrike" spc="-1">
                 <a:solidFill>
                   <a:srgbClr val="000000"/>
                 </a:solidFill>
@@ -3935,15 +3964,9 @@
               </a:rPr>
               <a:t>Use this placeholder to add text or other content</a:t>
             </a:r>
-            <a:endParaRPr b="0" lang="en-US" sz="3200" spc="-1" strike="noStrike">
-              <a:solidFill>
-                <a:srgbClr val="000000"/>
-              </a:solidFill>
-              <a:latin typeface="Arial"/>
-            </a:endParaRPr>
-          </a:p>
-          <a:p>
-            <a:pPr lvl="1" marL="1097280" indent="-456840">
+          </a:p>
+          <a:p>
+            <a:pPr marL="1097280" lvl="1" indent="-456840">
               <a:lnSpc>
                 <a:spcPct val="100000"/>
               </a:lnSpc>
@@ -3951,13 +3974,13 @@
                 <a:spcPts val="1199"/>
               </a:spcBef>
               <a:buClr>
-                <a:srgbClr val="a6a6a6"/>
+                <a:srgbClr val="A6A6A6"/>
               </a:buClr>
               <a:buFont typeface="Arial"/>
               <a:buChar char="•"/>
             </a:pPr>
             <a:r>
-              <a:rPr b="0" lang="en-US" sz="2800" spc="-1" strike="noStrike">
+              <a:rPr lang="en-US" sz="2800" b="0" strike="noStrike" spc="-1">
                 <a:solidFill>
                   <a:srgbClr val="000000"/>
                 </a:solidFill>
@@ -3965,15 +3988,9 @@
               </a:rPr>
               <a:t>Second level</a:t>
             </a:r>
-            <a:endParaRPr b="0" lang="en-US" sz="2800" spc="-1" strike="noStrike">
-              <a:solidFill>
-                <a:srgbClr val="000000"/>
-              </a:solidFill>
-              <a:latin typeface="Arial"/>
-            </a:endParaRPr>
-          </a:p>
-          <a:p>
-            <a:pPr lvl="2" marL="1097280" indent="-456840">
+          </a:p>
+          <a:p>
+            <a:pPr marL="1097280" lvl="2" indent="-456840">
               <a:lnSpc>
                 <a:spcPct val="100000"/>
               </a:lnSpc>
@@ -3981,13 +3998,13 @@
                 <a:spcPts val="1199"/>
               </a:spcBef>
               <a:buClr>
-                <a:srgbClr val="a6a6a6"/>
+                <a:srgbClr val="A6A6A6"/>
               </a:buClr>
               <a:buFont typeface="Arial"/>
               <a:buChar char="•"/>
             </a:pPr>
             <a:r>
-              <a:rPr b="0" lang="en-US" sz="2800" spc="-1" strike="noStrike">
+              <a:rPr lang="en-US" sz="2800" b="0" strike="noStrike" spc="-1">
                 <a:solidFill>
                   <a:srgbClr val="000000"/>
                 </a:solidFill>
@@ -3995,15 +4012,9 @@
               </a:rPr>
               <a:t>Third level</a:t>
             </a:r>
-            <a:endParaRPr b="0" lang="en-US" sz="2800" spc="-1" strike="noStrike">
-              <a:solidFill>
-                <a:srgbClr val="000000"/>
-              </a:solidFill>
-              <a:latin typeface="Arial"/>
-            </a:endParaRPr>
-          </a:p>
-          <a:p>
-            <a:pPr lvl="3" marL="1097280" indent="-456840">
+          </a:p>
+          <a:p>
+            <a:pPr marL="1097280" lvl="3" indent="-456840">
               <a:lnSpc>
                 <a:spcPct val="100000"/>
               </a:lnSpc>
@@ -4011,13 +4022,13 @@
                 <a:spcPts val="1199"/>
               </a:spcBef>
               <a:buClr>
-                <a:srgbClr val="a6a6a6"/>
+                <a:srgbClr val="A6A6A6"/>
               </a:buClr>
               <a:buFont typeface="Arial"/>
               <a:buChar char="•"/>
             </a:pPr>
             <a:r>
-              <a:rPr b="0" lang="en-US" sz="2800" spc="-1" strike="noStrike">
+              <a:rPr lang="en-US" sz="2800" b="0" strike="noStrike" spc="-1">
                 <a:solidFill>
                   <a:srgbClr val="000000"/>
                 </a:solidFill>
@@ -4025,15 +4036,9 @@
               </a:rPr>
               <a:t>Fourth level</a:t>
             </a:r>
-            <a:endParaRPr b="0" lang="en-US" sz="2800" spc="-1" strike="noStrike">
-              <a:solidFill>
-                <a:srgbClr val="000000"/>
-              </a:solidFill>
-              <a:latin typeface="Arial"/>
-            </a:endParaRPr>
-          </a:p>
-          <a:p>
-            <a:pPr lvl="4" marL="1097280" indent="-456840">
+          </a:p>
+          <a:p>
+            <a:pPr marL="1097280" lvl="4" indent="-456840">
               <a:lnSpc>
                 <a:spcPct val="100000"/>
               </a:lnSpc>
@@ -4041,13 +4046,13 @@
                 <a:spcPts val="1199"/>
               </a:spcBef>
               <a:buClr>
-                <a:srgbClr val="a6a6a6"/>
+                <a:srgbClr val="A6A6A6"/>
               </a:buClr>
               <a:buFont typeface="Arial"/>
               <a:buChar char="•"/>
             </a:pPr>
             <a:r>
-              <a:rPr b="0" lang="en-US" sz="2800" spc="-1" strike="noStrike">
+              <a:rPr lang="en-US" sz="2800" b="0" strike="noStrike" spc="-1">
                 <a:solidFill>
                   <a:srgbClr val="000000"/>
                 </a:solidFill>
@@ -4055,15 +4060,9 @@
               </a:rPr>
               <a:t>Fifth level</a:t>
             </a:r>
-            <a:endParaRPr b="0" lang="en-US" sz="2800" spc="-1" strike="noStrike">
-              <a:solidFill>
-                <a:srgbClr val="000000"/>
-              </a:solidFill>
-              <a:latin typeface="Arial"/>
-            </a:endParaRPr>
-          </a:p>
-          <a:p>
-            <a:pPr lvl="5" marL="1097280" indent="-456840">
+          </a:p>
+          <a:p>
+            <a:pPr marL="1097280" lvl="5" indent="-456840">
               <a:lnSpc>
                 <a:spcPct val="100000"/>
               </a:lnSpc>
@@ -4071,13 +4070,13 @@
                 <a:spcPts val="1199"/>
               </a:spcBef>
               <a:buClr>
-                <a:srgbClr val="a6a6a6"/>
+                <a:srgbClr val="A6A6A6"/>
               </a:buClr>
               <a:buFont typeface="Arial"/>
               <a:buChar char="•"/>
             </a:pPr>
             <a:r>
-              <a:rPr b="0" lang="en-US" sz="2800" spc="-1" strike="noStrike">
+              <a:rPr lang="en-US" sz="2800" b="0" strike="noStrike" spc="-1">
                 <a:solidFill>
                   <a:srgbClr val="000000"/>
                 </a:solidFill>
@@ -4085,15 +4084,9 @@
               </a:rPr>
               <a:t>Six</a:t>
             </a:r>
-            <a:endParaRPr b="0" lang="en-US" sz="2800" spc="-1" strike="noStrike">
-              <a:solidFill>
-                <a:srgbClr val="000000"/>
-              </a:solidFill>
-              <a:latin typeface="Arial"/>
-            </a:endParaRPr>
-          </a:p>
-          <a:p>
-            <a:pPr lvl="6" marL="1097280" indent="-456840">
+          </a:p>
+          <a:p>
+            <a:pPr marL="1097280" lvl="6" indent="-456840">
               <a:lnSpc>
                 <a:spcPct val="100000"/>
               </a:lnSpc>
@@ -4101,13 +4094,13 @@
                 <a:spcPts val="1199"/>
               </a:spcBef>
               <a:buClr>
-                <a:srgbClr val="a6a6a6"/>
+                <a:srgbClr val="A6A6A6"/>
               </a:buClr>
               <a:buFont typeface="Arial"/>
               <a:buChar char="•"/>
             </a:pPr>
             <a:r>
-              <a:rPr b="0" lang="en-US" sz="2800" spc="-1" strike="noStrike">
+              <a:rPr lang="en-US" sz="2800" b="0" strike="noStrike" spc="-1">
                 <a:solidFill>
                   <a:srgbClr val="000000"/>
                 </a:solidFill>
@@ -4115,15 +4108,9 @@
               </a:rPr>
               <a:t>Seven</a:t>
             </a:r>
-            <a:endParaRPr b="0" lang="en-US" sz="2800" spc="-1" strike="noStrike">
-              <a:solidFill>
-                <a:srgbClr val="000000"/>
-              </a:solidFill>
-              <a:latin typeface="Arial"/>
-            </a:endParaRPr>
-          </a:p>
-          <a:p>
-            <a:pPr lvl="7" marL="1097280" indent="-456840">
+          </a:p>
+          <a:p>
+            <a:pPr marL="1097280" lvl="7" indent="-456840">
               <a:lnSpc>
                 <a:spcPct val="100000"/>
               </a:lnSpc>
@@ -4131,13 +4118,13 @@
                 <a:spcPts val="1199"/>
               </a:spcBef>
               <a:buClr>
-                <a:srgbClr val="a6a6a6"/>
+                <a:srgbClr val="A6A6A6"/>
               </a:buClr>
               <a:buFont typeface="Arial"/>
               <a:buChar char="•"/>
             </a:pPr>
             <a:r>
-              <a:rPr b="0" lang="en-US" sz="2800" spc="-1" strike="noStrike">
+              <a:rPr lang="en-US" sz="2800" b="0" strike="noStrike" spc="-1">
                 <a:solidFill>
                   <a:srgbClr val="000000"/>
                 </a:solidFill>
@@ -4145,15 +4132,9 @@
               </a:rPr>
               <a:t>Eight</a:t>
             </a:r>
-            <a:endParaRPr b="0" lang="en-US" sz="2800" spc="-1" strike="noStrike">
-              <a:solidFill>
-                <a:srgbClr val="000000"/>
-              </a:solidFill>
-              <a:latin typeface="Arial"/>
-            </a:endParaRPr>
-          </a:p>
-          <a:p>
-            <a:pPr lvl="8" marL="1097280" indent="-456840">
+          </a:p>
+          <a:p>
+            <a:pPr marL="1097280" lvl="8" indent="-456840">
               <a:lnSpc>
                 <a:spcPct val="100000"/>
               </a:lnSpc>
@@ -4161,13 +4142,13 @@
                 <a:spcPts val="1199"/>
               </a:spcBef>
               <a:buClr>
-                <a:srgbClr val="a6a6a6"/>
+                <a:srgbClr val="A6A6A6"/>
               </a:buClr>
               <a:buFont typeface="Arial"/>
               <a:buChar char="•"/>
             </a:pPr>
             <a:r>
-              <a:rPr b="0" lang="en-US" sz="2800" spc="-1" strike="noStrike">
+              <a:rPr lang="en-US" sz="2800" b="0" strike="noStrike" spc="-1">
                 <a:solidFill>
                   <a:srgbClr val="000000"/>
                 </a:solidFill>
@@ -4175,12 +4156,6 @@
               </a:rPr>
               <a:t>Nine</a:t>
             </a:r>
-            <a:endParaRPr b="0" lang="en-US" sz="2800" spc="-1" strike="noStrike">
-              <a:solidFill>
-                <a:srgbClr val="000000"/>
-              </a:solidFill>
-              <a:latin typeface="Arial"/>
-            </a:endParaRPr>
           </a:p>
         </p:txBody>
       </p:sp>
@@ -4205,6 +4180,7 @@
         </p:spPr>
         <p:txBody>
           <a:bodyPr lIns="365760" anchor="ctr"/>
+          <a:lstStyle/>
           <a:p>
             <a:pPr algn="ctr">
               <a:lnSpc>
@@ -4212,15 +4188,15 @@
               </a:lnSpc>
             </a:pPr>
             <a:r>
-              <a:rPr b="0" lang="en-US" sz="5400" spc="-1" strike="noStrike">
-                <a:solidFill>
-                  <a:srgbClr val="ffffff"/>
+              <a:rPr lang="en-US" sz="5400" b="0" strike="noStrike" spc="-1">
+                <a:solidFill>
+                  <a:srgbClr val="FFFFFF"/>
                 </a:solidFill>
                 <a:latin typeface="Arial"/>
               </a:rPr>
               <a:t>Heading</a:t>
             </a:r>
-            <a:endParaRPr b="0" lang="en-US" sz="5400" spc="-1" strike="noStrike">
+            <a:endParaRPr lang="en-US" sz="5400" b="0" strike="noStrike" spc="-1">
               <a:solidFill>
                 <a:srgbClr val="000000"/>
               </a:solidFill>
@@ -4250,6 +4226,7 @@
         </p:spPr>
         <p:txBody>
           <a:bodyPr tIns="182880"/>
+          <a:lstStyle/>
           <a:p>
             <a:pPr marL="457200" indent="-456840">
               <a:lnSpc>
@@ -4259,13 +4236,13 @@
                 <a:spcPts val="1199"/>
               </a:spcBef>
               <a:buClr>
-                <a:srgbClr val="a6a6a6"/>
+                <a:srgbClr val="A6A6A6"/>
               </a:buClr>
               <a:buFont typeface="Arial"/>
               <a:buChar char="•"/>
             </a:pPr>
             <a:r>
-              <a:rPr b="0" lang="en-US" sz="3200" spc="-1" strike="noStrike">
+              <a:rPr lang="en-US" sz="3200" b="0" strike="noStrike" spc="-1">
                 <a:solidFill>
                   <a:srgbClr val="000000"/>
                 </a:solidFill>
@@ -4273,15 +4250,9 @@
               </a:rPr>
               <a:t>Use this placeholder to add text or other content</a:t>
             </a:r>
-            <a:endParaRPr b="0" lang="en-US" sz="3200" spc="-1" strike="noStrike">
-              <a:solidFill>
-                <a:srgbClr val="000000"/>
-              </a:solidFill>
-              <a:latin typeface="Arial"/>
-            </a:endParaRPr>
-          </a:p>
-          <a:p>
-            <a:pPr lvl="1" marL="1097280" indent="-456840">
+          </a:p>
+          <a:p>
+            <a:pPr marL="1097280" lvl="1" indent="-456840">
               <a:lnSpc>
                 <a:spcPct val="100000"/>
               </a:lnSpc>
@@ -4289,13 +4260,13 @@
                 <a:spcPts val="1199"/>
               </a:spcBef>
               <a:buClr>
-                <a:srgbClr val="a6a6a6"/>
+                <a:srgbClr val="A6A6A6"/>
               </a:buClr>
               <a:buFont typeface="Arial"/>
               <a:buChar char="•"/>
             </a:pPr>
             <a:r>
-              <a:rPr b="0" lang="en-US" sz="2800" spc="-1" strike="noStrike">
+              <a:rPr lang="en-US" sz="2800" b="0" strike="noStrike" spc="-1">
                 <a:solidFill>
                   <a:srgbClr val="000000"/>
                 </a:solidFill>
@@ -4303,15 +4274,9 @@
               </a:rPr>
               <a:t>Second level</a:t>
             </a:r>
-            <a:endParaRPr b="0" lang="en-US" sz="2800" spc="-1" strike="noStrike">
-              <a:solidFill>
-                <a:srgbClr val="000000"/>
-              </a:solidFill>
-              <a:latin typeface="Arial"/>
-            </a:endParaRPr>
-          </a:p>
-          <a:p>
-            <a:pPr lvl="2" marL="1097280" indent="-456840">
+          </a:p>
+          <a:p>
+            <a:pPr marL="1097280" lvl="2" indent="-456840">
               <a:lnSpc>
                 <a:spcPct val="100000"/>
               </a:lnSpc>
@@ -4319,13 +4284,13 @@
                 <a:spcPts val="1199"/>
               </a:spcBef>
               <a:buClr>
-                <a:srgbClr val="a6a6a6"/>
+                <a:srgbClr val="A6A6A6"/>
               </a:buClr>
               <a:buFont typeface="Arial"/>
               <a:buChar char="•"/>
             </a:pPr>
             <a:r>
-              <a:rPr b="0" lang="en-US" sz="2800" spc="-1" strike="noStrike">
+              <a:rPr lang="en-US" sz="2800" b="0" strike="noStrike" spc="-1">
                 <a:solidFill>
                   <a:srgbClr val="000000"/>
                 </a:solidFill>
@@ -4333,15 +4298,9 @@
               </a:rPr>
               <a:t>Third level</a:t>
             </a:r>
-            <a:endParaRPr b="0" lang="en-US" sz="2800" spc="-1" strike="noStrike">
-              <a:solidFill>
-                <a:srgbClr val="000000"/>
-              </a:solidFill>
-              <a:latin typeface="Arial"/>
-            </a:endParaRPr>
-          </a:p>
-          <a:p>
-            <a:pPr lvl="3" marL="1097280" indent="-456840">
+          </a:p>
+          <a:p>
+            <a:pPr marL="1097280" lvl="3" indent="-456840">
               <a:lnSpc>
                 <a:spcPct val="100000"/>
               </a:lnSpc>
@@ -4349,13 +4308,13 @@
                 <a:spcPts val="1199"/>
               </a:spcBef>
               <a:buClr>
-                <a:srgbClr val="a6a6a6"/>
+                <a:srgbClr val="A6A6A6"/>
               </a:buClr>
               <a:buFont typeface="Arial"/>
               <a:buChar char="•"/>
             </a:pPr>
             <a:r>
-              <a:rPr b="0" lang="en-US" sz="2800" spc="-1" strike="noStrike">
+              <a:rPr lang="en-US" sz="2800" b="0" strike="noStrike" spc="-1">
                 <a:solidFill>
                   <a:srgbClr val="000000"/>
                 </a:solidFill>
@@ -4363,15 +4322,9 @@
               </a:rPr>
               <a:t>Fourth level</a:t>
             </a:r>
-            <a:endParaRPr b="0" lang="en-US" sz="2800" spc="-1" strike="noStrike">
-              <a:solidFill>
-                <a:srgbClr val="000000"/>
-              </a:solidFill>
-              <a:latin typeface="Arial"/>
-            </a:endParaRPr>
-          </a:p>
-          <a:p>
-            <a:pPr lvl="4" marL="1097280" indent="-456840">
+          </a:p>
+          <a:p>
+            <a:pPr marL="1097280" lvl="4" indent="-456840">
               <a:lnSpc>
                 <a:spcPct val="100000"/>
               </a:lnSpc>
@@ -4379,13 +4332,13 @@
                 <a:spcPts val="1199"/>
               </a:spcBef>
               <a:buClr>
-                <a:srgbClr val="a6a6a6"/>
+                <a:srgbClr val="A6A6A6"/>
               </a:buClr>
               <a:buFont typeface="Arial"/>
               <a:buChar char="•"/>
             </a:pPr>
             <a:r>
-              <a:rPr b="0" lang="en-US" sz="2800" spc="-1" strike="noStrike">
+              <a:rPr lang="en-US" sz="2800" b="0" strike="noStrike" spc="-1">
                 <a:solidFill>
                   <a:srgbClr val="000000"/>
                 </a:solidFill>
@@ -4393,15 +4346,9 @@
               </a:rPr>
               <a:t>Fifth level</a:t>
             </a:r>
-            <a:endParaRPr b="0" lang="en-US" sz="2800" spc="-1" strike="noStrike">
-              <a:solidFill>
-                <a:srgbClr val="000000"/>
-              </a:solidFill>
-              <a:latin typeface="Arial"/>
-            </a:endParaRPr>
-          </a:p>
-          <a:p>
-            <a:pPr lvl="5" marL="1097280" indent="-456840">
+          </a:p>
+          <a:p>
+            <a:pPr marL="1097280" lvl="5" indent="-456840">
               <a:lnSpc>
                 <a:spcPct val="100000"/>
               </a:lnSpc>
@@ -4409,13 +4356,13 @@
                 <a:spcPts val="1199"/>
               </a:spcBef>
               <a:buClr>
-                <a:srgbClr val="a6a6a6"/>
+                <a:srgbClr val="A6A6A6"/>
               </a:buClr>
               <a:buFont typeface="Arial"/>
               <a:buChar char="•"/>
             </a:pPr>
             <a:r>
-              <a:rPr b="0" lang="en-US" sz="2800" spc="-1" strike="noStrike">
+              <a:rPr lang="en-US" sz="2800" b="0" strike="noStrike" spc="-1">
                 <a:solidFill>
                   <a:srgbClr val="000000"/>
                 </a:solidFill>
@@ -4423,15 +4370,9 @@
               </a:rPr>
               <a:t>Six</a:t>
             </a:r>
-            <a:endParaRPr b="0" lang="en-US" sz="2800" spc="-1" strike="noStrike">
-              <a:solidFill>
-                <a:srgbClr val="000000"/>
-              </a:solidFill>
-              <a:latin typeface="Arial"/>
-            </a:endParaRPr>
-          </a:p>
-          <a:p>
-            <a:pPr lvl="6" marL="1097280" indent="-456840">
+          </a:p>
+          <a:p>
+            <a:pPr marL="1097280" lvl="6" indent="-456840">
               <a:lnSpc>
                 <a:spcPct val="100000"/>
               </a:lnSpc>
@@ -4439,13 +4380,13 @@
                 <a:spcPts val="1199"/>
               </a:spcBef>
               <a:buClr>
-                <a:srgbClr val="a6a6a6"/>
+                <a:srgbClr val="A6A6A6"/>
               </a:buClr>
               <a:buFont typeface="Arial"/>
               <a:buChar char="•"/>
             </a:pPr>
             <a:r>
-              <a:rPr b="0" lang="en-US" sz="2800" spc="-1" strike="noStrike">
+              <a:rPr lang="en-US" sz="2800" b="0" strike="noStrike" spc="-1">
                 <a:solidFill>
                   <a:srgbClr val="000000"/>
                 </a:solidFill>
@@ -4453,15 +4394,9 @@
               </a:rPr>
               <a:t>Seven</a:t>
             </a:r>
-            <a:endParaRPr b="0" lang="en-US" sz="2800" spc="-1" strike="noStrike">
-              <a:solidFill>
-                <a:srgbClr val="000000"/>
-              </a:solidFill>
-              <a:latin typeface="Arial"/>
-            </a:endParaRPr>
-          </a:p>
-          <a:p>
-            <a:pPr lvl="7" marL="1097280" indent="-456840">
+          </a:p>
+          <a:p>
+            <a:pPr marL="1097280" lvl="7" indent="-456840">
               <a:lnSpc>
                 <a:spcPct val="100000"/>
               </a:lnSpc>
@@ -4469,13 +4404,13 @@
                 <a:spcPts val="1199"/>
               </a:spcBef>
               <a:buClr>
-                <a:srgbClr val="a6a6a6"/>
+                <a:srgbClr val="A6A6A6"/>
               </a:buClr>
               <a:buFont typeface="Arial"/>
               <a:buChar char="•"/>
             </a:pPr>
             <a:r>
-              <a:rPr b="0" lang="en-US" sz="2800" spc="-1" strike="noStrike">
+              <a:rPr lang="en-US" sz="2800" b="0" strike="noStrike" spc="-1">
                 <a:solidFill>
                   <a:srgbClr val="000000"/>
                 </a:solidFill>
@@ -4483,15 +4418,9 @@
               </a:rPr>
               <a:t>Eight</a:t>
             </a:r>
-            <a:endParaRPr b="0" lang="en-US" sz="2800" spc="-1" strike="noStrike">
-              <a:solidFill>
-                <a:srgbClr val="000000"/>
-              </a:solidFill>
-              <a:latin typeface="Arial"/>
-            </a:endParaRPr>
-          </a:p>
-          <a:p>
-            <a:pPr lvl="8" marL="1097280" indent="-456840">
+          </a:p>
+          <a:p>
+            <a:pPr marL="1097280" lvl="8" indent="-456840">
               <a:lnSpc>
                 <a:spcPct val="100000"/>
               </a:lnSpc>
@@ -4499,13 +4428,13 @@
                 <a:spcPts val="1199"/>
               </a:spcBef>
               <a:buClr>
-                <a:srgbClr val="a6a6a6"/>
+                <a:srgbClr val="A6A6A6"/>
               </a:buClr>
               <a:buFont typeface="Arial"/>
               <a:buChar char="•"/>
             </a:pPr>
             <a:r>
-              <a:rPr b="0" lang="en-US" sz="2800" spc="-1" strike="noStrike">
+              <a:rPr lang="en-US" sz="2800" b="0" strike="noStrike" spc="-1">
                 <a:solidFill>
                   <a:srgbClr val="000000"/>
                 </a:solidFill>
@@ -4513,12 +4442,6 @@
               </a:rPr>
               <a:t>Nine</a:t>
             </a:r>
-            <a:endParaRPr b="0" lang="en-US" sz="2800" spc="-1" strike="noStrike">
-              <a:solidFill>
-                <a:srgbClr val="000000"/>
-              </a:solidFill>
-              <a:latin typeface="Arial"/>
-            </a:endParaRPr>
           </a:p>
         </p:txBody>
       </p:sp>
@@ -4543,6 +4466,7 @@
         </p:spPr>
         <p:txBody>
           <a:bodyPr tIns="182880"/>
+          <a:lstStyle/>
           <a:p>
             <a:pPr marL="457200" indent="-456840">
               <a:lnSpc>
@@ -4552,13 +4476,13 @@
                 <a:spcPts val="1199"/>
               </a:spcBef>
               <a:buClr>
-                <a:srgbClr val="a6a6a6"/>
+                <a:srgbClr val="A6A6A6"/>
               </a:buClr>
               <a:buFont typeface="Arial"/>
               <a:buChar char="•"/>
             </a:pPr>
             <a:r>
-              <a:rPr b="0" lang="en-US" sz="3200" spc="-1" strike="noStrike">
+              <a:rPr lang="en-US" sz="3200" b="0" strike="noStrike" spc="-1">
                 <a:solidFill>
                   <a:srgbClr val="000000"/>
                 </a:solidFill>
@@ -4566,15 +4490,9 @@
               </a:rPr>
               <a:t>Use this placeholder to add text or other content</a:t>
             </a:r>
-            <a:endParaRPr b="0" lang="en-US" sz="3200" spc="-1" strike="noStrike">
-              <a:solidFill>
-                <a:srgbClr val="000000"/>
-              </a:solidFill>
-              <a:latin typeface="Arial"/>
-            </a:endParaRPr>
-          </a:p>
-          <a:p>
-            <a:pPr lvl="1" marL="1097280" indent="-456840">
+          </a:p>
+          <a:p>
+            <a:pPr marL="1097280" lvl="1" indent="-456840">
               <a:lnSpc>
                 <a:spcPct val="100000"/>
               </a:lnSpc>
@@ -4582,13 +4500,13 @@
                 <a:spcPts val="1199"/>
               </a:spcBef>
               <a:buClr>
-                <a:srgbClr val="a6a6a6"/>
+                <a:srgbClr val="A6A6A6"/>
               </a:buClr>
               <a:buFont typeface="Arial"/>
               <a:buChar char="•"/>
             </a:pPr>
             <a:r>
-              <a:rPr b="0" lang="en-US" sz="2800" spc="-1" strike="noStrike">
+              <a:rPr lang="en-US" sz="2800" b="0" strike="noStrike" spc="-1">
                 <a:solidFill>
                   <a:srgbClr val="000000"/>
                 </a:solidFill>
@@ -4596,15 +4514,9 @@
               </a:rPr>
               <a:t>Second level</a:t>
             </a:r>
-            <a:endParaRPr b="0" lang="en-US" sz="2800" spc="-1" strike="noStrike">
-              <a:solidFill>
-                <a:srgbClr val="000000"/>
-              </a:solidFill>
-              <a:latin typeface="Arial"/>
-            </a:endParaRPr>
-          </a:p>
-          <a:p>
-            <a:pPr lvl="2" marL="1097280" indent="-456840">
+          </a:p>
+          <a:p>
+            <a:pPr marL="1097280" lvl="2" indent="-456840">
               <a:lnSpc>
                 <a:spcPct val="100000"/>
               </a:lnSpc>
@@ -4612,13 +4524,13 @@
                 <a:spcPts val="1199"/>
               </a:spcBef>
               <a:buClr>
-                <a:srgbClr val="a6a6a6"/>
+                <a:srgbClr val="A6A6A6"/>
               </a:buClr>
               <a:buFont typeface="Arial"/>
               <a:buChar char="•"/>
             </a:pPr>
             <a:r>
-              <a:rPr b="0" lang="en-US" sz="2800" spc="-1" strike="noStrike">
+              <a:rPr lang="en-US" sz="2800" b="0" strike="noStrike" spc="-1">
                 <a:solidFill>
                   <a:srgbClr val="000000"/>
                 </a:solidFill>
@@ -4626,15 +4538,9 @@
               </a:rPr>
               <a:t>Third level</a:t>
             </a:r>
-            <a:endParaRPr b="0" lang="en-US" sz="2800" spc="-1" strike="noStrike">
-              <a:solidFill>
-                <a:srgbClr val="000000"/>
-              </a:solidFill>
-              <a:latin typeface="Arial"/>
-            </a:endParaRPr>
-          </a:p>
-          <a:p>
-            <a:pPr lvl="3" marL="1097280" indent="-456840">
+          </a:p>
+          <a:p>
+            <a:pPr marL="1097280" lvl="3" indent="-456840">
               <a:lnSpc>
                 <a:spcPct val="100000"/>
               </a:lnSpc>
@@ -4642,13 +4548,13 @@
                 <a:spcPts val="1199"/>
               </a:spcBef>
               <a:buClr>
-                <a:srgbClr val="a6a6a6"/>
+                <a:srgbClr val="A6A6A6"/>
               </a:buClr>
               <a:buFont typeface="Arial"/>
               <a:buChar char="•"/>
             </a:pPr>
             <a:r>
-              <a:rPr b="0" lang="en-US" sz="2800" spc="-1" strike="noStrike">
+              <a:rPr lang="en-US" sz="2800" b="0" strike="noStrike" spc="-1">
                 <a:solidFill>
                   <a:srgbClr val="000000"/>
                 </a:solidFill>
@@ -4656,12 +4562,6 @@
               </a:rPr>
               <a:t>Fourth level</a:t>
             </a:r>
-            <a:endParaRPr b="0" lang="en-US" sz="2800" spc="-1" strike="noStrike">
-              <a:solidFill>
-                <a:srgbClr val="000000"/>
-              </a:solidFill>
-              <a:latin typeface="Arial"/>
-            </a:endParaRPr>
           </a:p>
         </p:txBody>
       </p:sp>
@@ -4686,6 +4586,7 @@
         </p:spPr>
         <p:txBody>
           <a:bodyPr lIns="365760" anchor="ctr"/>
+          <a:lstStyle/>
           <a:p>
             <a:pPr algn="ctr">
               <a:lnSpc>
@@ -4693,15 +4594,15 @@
               </a:lnSpc>
             </a:pPr>
             <a:r>
-              <a:rPr b="0" lang="en-US" sz="5400" spc="-1" strike="noStrike">
-                <a:solidFill>
-                  <a:srgbClr val="ffffff"/>
+              <a:rPr lang="en-US" sz="5400" b="0" strike="noStrike" spc="-1">
+                <a:solidFill>
+                  <a:srgbClr val="FFFFFF"/>
                 </a:solidFill>
                 <a:latin typeface="Arial"/>
               </a:rPr>
               <a:t>Heading</a:t>
             </a:r>
-            <a:endParaRPr b="0" lang="en-US" sz="5400" spc="-1" strike="noStrike">
+            <a:endParaRPr lang="en-US" sz="5400" b="0" strike="noStrike" spc="-1">
               <a:solidFill>
                 <a:srgbClr val="000000"/>
               </a:solidFill>
@@ -4731,6 +4632,7 @@
         </p:spPr>
         <p:txBody>
           <a:bodyPr tIns="182880"/>
+          <a:lstStyle/>
           <a:p>
             <a:pPr marL="457200" indent="-456840">
               <a:lnSpc>
@@ -4740,13 +4642,13 @@
                 <a:spcPts val="1199"/>
               </a:spcBef>
               <a:buClr>
-                <a:srgbClr val="a6a6a6"/>
+                <a:srgbClr val="A6A6A6"/>
               </a:buClr>
               <a:buFont typeface="Arial"/>
               <a:buChar char="•"/>
             </a:pPr>
             <a:r>
-              <a:rPr b="0" lang="en-US" sz="3200" spc="-1" strike="noStrike">
+              <a:rPr lang="en-US" sz="3200" b="0" strike="noStrike" spc="-1">
                 <a:solidFill>
                   <a:srgbClr val="000000"/>
                 </a:solidFill>
@@ -4754,15 +4656,9 @@
               </a:rPr>
               <a:t>Use this placeholder to add text or other content</a:t>
             </a:r>
-            <a:endParaRPr b="0" lang="en-US" sz="3200" spc="-1" strike="noStrike">
-              <a:solidFill>
-                <a:srgbClr val="000000"/>
-              </a:solidFill>
-              <a:latin typeface="Arial"/>
-            </a:endParaRPr>
-          </a:p>
-          <a:p>
-            <a:pPr lvl="1" marL="1097280" indent="-456840">
+          </a:p>
+          <a:p>
+            <a:pPr marL="1097280" lvl="1" indent="-456840">
               <a:lnSpc>
                 <a:spcPct val="100000"/>
               </a:lnSpc>
@@ -4770,13 +4666,13 @@
                 <a:spcPts val="1199"/>
               </a:spcBef>
               <a:buClr>
-                <a:srgbClr val="a6a6a6"/>
+                <a:srgbClr val="A6A6A6"/>
               </a:buClr>
               <a:buFont typeface="Arial"/>
               <a:buChar char="•"/>
             </a:pPr>
             <a:r>
-              <a:rPr b="0" lang="en-US" sz="2800" spc="-1" strike="noStrike">
+              <a:rPr lang="en-US" sz="2800" b="0" strike="noStrike" spc="-1">
                 <a:solidFill>
                   <a:srgbClr val="000000"/>
                 </a:solidFill>
@@ -4784,15 +4680,9 @@
               </a:rPr>
               <a:t>Second level</a:t>
             </a:r>
-            <a:endParaRPr b="0" lang="en-US" sz="2800" spc="-1" strike="noStrike">
-              <a:solidFill>
-                <a:srgbClr val="000000"/>
-              </a:solidFill>
-              <a:latin typeface="Arial"/>
-            </a:endParaRPr>
-          </a:p>
-          <a:p>
-            <a:pPr lvl="2" marL="1097280" indent="-456840">
+          </a:p>
+          <a:p>
+            <a:pPr marL="1097280" lvl="2" indent="-456840">
               <a:lnSpc>
                 <a:spcPct val="100000"/>
               </a:lnSpc>
@@ -4800,13 +4690,13 @@
                 <a:spcPts val="1199"/>
               </a:spcBef>
               <a:buClr>
-                <a:srgbClr val="a6a6a6"/>
+                <a:srgbClr val="A6A6A6"/>
               </a:buClr>
               <a:buFont typeface="Arial"/>
               <a:buChar char="•"/>
             </a:pPr>
             <a:r>
-              <a:rPr b="0" lang="en-US" sz="2800" spc="-1" strike="noStrike">
+              <a:rPr lang="en-US" sz="2800" b="0" strike="noStrike" spc="-1">
                 <a:solidFill>
                   <a:srgbClr val="000000"/>
                 </a:solidFill>
@@ -4814,15 +4704,9 @@
               </a:rPr>
               <a:t>Third level</a:t>
             </a:r>
-            <a:endParaRPr b="0" lang="en-US" sz="2800" spc="-1" strike="noStrike">
-              <a:solidFill>
-                <a:srgbClr val="000000"/>
-              </a:solidFill>
-              <a:latin typeface="Arial"/>
-            </a:endParaRPr>
-          </a:p>
-          <a:p>
-            <a:pPr lvl="3" marL="1097280" indent="-456840">
+          </a:p>
+          <a:p>
+            <a:pPr marL="1097280" lvl="3" indent="-456840">
               <a:lnSpc>
                 <a:spcPct val="100000"/>
               </a:lnSpc>
@@ -4830,13 +4714,13 @@
                 <a:spcPts val="1199"/>
               </a:spcBef>
               <a:buClr>
-                <a:srgbClr val="a6a6a6"/>
+                <a:srgbClr val="A6A6A6"/>
               </a:buClr>
               <a:buFont typeface="Arial"/>
               <a:buChar char="•"/>
             </a:pPr>
             <a:r>
-              <a:rPr b="0" lang="en-US" sz="2800" spc="-1" strike="noStrike">
+              <a:rPr lang="en-US" sz="2800" b="0" strike="noStrike" spc="-1">
                 <a:solidFill>
                   <a:srgbClr val="000000"/>
                 </a:solidFill>
@@ -4844,12 +4728,6 @@
               </a:rPr>
               <a:t>Fourth level</a:t>
             </a:r>
-            <a:endParaRPr b="0" lang="en-US" sz="2800" spc="-1" strike="noStrike">
-              <a:solidFill>
-                <a:srgbClr val="000000"/>
-              </a:solidFill>
-              <a:latin typeface="Arial"/>
-            </a:endParaRPr>
           </a:p>
         </p:txBody>
       </p:sp>
@@ -4874,6 +4752,7 @@
         </p:spPr>
         <p:txBody>
           <a:bodyPr lIns="365760" anchor="ctr"/>
+          <a:lstStyle/>
           <a:p>
             <a:pPr algn="ctr">
               <a:lnSpc>
@@ -4881,15 +4760,15 @@
               </a:lnSpc>
             </a:pPr>
             <a:r>
-              <a:rPr b="0" lang="en-US" sz="5400" spc="-1" strike="noStrike">
-                <a:solidFill>
-                  <a:srgbClr val="ffffff"/>
+              <a:rPr lang="en-US" sz="5400" b="0" strike="noStrike" spc="-1">
+                <a:solidFill>
+                  <a:srgbClr val="FFFFFF"/>
                 </a:solidFill>
                 <a:latin typeface="Arial"/>
               </a:rPr>
               <a:t>Heading</a:t>
             </a:r>
-            <a:endParaRPr b="0" lang="en-US" sz="5400" spc="-1" strike="noStrike">
+            <a:endParaRPr lang="en-US" sz="5400" b="0" strike="noStrike" spc="-1">
               <a:solidFill>
                 <a:srgbClr val="000000"/>
               </a:solidFill>
@@ -4919,6 +4798,7 @@
         </p:spPr>
         <p:txBody>
           <a:bodyPr tIns="182880"/>
+          <a:lstStyle/>
           <a:p>
             <a:pPr marL="457200" indent="-456840">
               <a:lnSpc>
@@ -4928,13 +4808,13 @@
                 <a:spcPts val="1199"/>
               </a:spcBef>
               <a:buClr>
-                <a:srgbClr val="a6a6a6"/>
+                <a:srgbClr val="A6A6A6"/>
               </a:buClr>
               <a:buFont typeface="Arial"/>
               <a:buChar char="•"/>
             </a:pPr>
             <a:r>
-              <a:rPr b="0" lang="en-US" sz="3200" spc="-1" strike="noStrike">
+              <a:rPr lang="en-US" sz="3200" b="0" strike="noStrike" spc="-1">
                 <a:solidFill>
                   <a:srgbClr val="000000"/>
                 </a:solidFill>
@@ -4942,15 +4822,9 @@
               </a:rPr>
               <a:t>Use this placeholder to add text or other content</a:t>
             </a:r>
-            <a:endParaRPr b="0" lang="en-US" sz="3200" spc="-1" strike="noStrike">
-              <a:solidFill>
-                <a:srgbClr val="000000"/>
-              </a:solidFill>
-              <a:latin typeface="Arial"/>
-            </a:endParaRPr>
-          </a:p>
-          <a:p>
-            <a:pPr lvl="1" marL="1097280" indent="-456840">
+          </a:p>
+          <a:p>
+            <a:pPr marL="1097280" lvl="1" indent="-456840">
               <a:lnSpc>
                 <a:spcPct val="100000"/>
               </a:lnSpc>
@@ -4958,13 +4832,13 @@
                 <a:spcPts val="1199"/>
               </a:spcBef>
               <a:buClr>
-                <a:srgbClr val="a6a6a6"/>
+                <a:srgbClr val="A6A6A6"/>
               </a:buClr>
               <a:buFont typeface="Arial"/>
               <a:buChar char="•"/>
             </a:pPr>
             <a:r>
-              <a:rPr b="0" lang="en-US" sz="2800" spc="-1" strike="noStrike">
+              <a:rPr lang="en-US" sz="2800" b="0" strike="noStrike" spc="-1">
                 <a:solidFill>
                   <a:srgbClr val="000000"/>
                 </a:solidFill>
@@ -4972,15 +4846,9 @@
               </a:rPr>
               <a:t>Second level</a:t>
             </a:r>
-            <a:endParaRPr b="0" lang="en-US" sz="2800" spc="-1" strike="noStrike">
-              <a:solidFill>
-                <a:srgbClr val="000000"/>
-              </a:solidFill>
-              <a:latin typeface="Arial"/>
-            </a:endParaRPr>
-          </a:p>
-          <a:p>
-            <a:pPr lvl="2" marL="1097280" indent="-456840">
+          </a:p>
+          <a:p>
+            <a:pPr marL="1097280" lvl="2" indent="-456840">
               <a:lnSpc>
                 <a:spcPct val="100000"/>
               </a:lnSpc>
@@ -4988,13 +4856,13 @@
                 <a:spcPts val="1199"/>
               </a:spcBef>
               <a:buClr>
-                <a:srgbClr val="a6a6a6"/>
+                <a:srgbClr val="A6A6A6"/>
               </a:buClr>
               <a:buFont typeface="Arial"/>
               <a:buChar char="•"/>
             </a:pPr>
             <a:r>
-              <a:rPr b="0" lang="en-US" sz="2800" spc="-1" strike="noStrike">
+              <a:rPr lang="en-US" sz="2800" b="0" strike="noStrike" spc="-1">
                 <a:solidFill>
                   <a:srgbClr val="000000"/>
                 </a:solidFill>
@@ -5002,15 +4870,9 @@
               </a:rPr>
               <a:t>Third level</a:t>
             </a:r>
-            <a:endParaRPr b="0" lang="en-US" sz="2800" spc="-1" strike="noStrike">
-              <a:solidFill>
-                <a:srgbClr val="000000"/>
-              </a:solidFill>
-              <a:latin typeface="Arial"/>
-            </a:endParaRPr>
-          </a:p>
-          <a:p>
-            <a:pPr lvl="3" marL="1097280" indent="-456840">
+          </a:p>
+          <a:p>
+            <a:pPr marL="1097280" lvl="3" indent="-456840">
               <a:lnSpc>
                 <a:spcPct val="100000"/>
               </a:lnSpc>
@@ -5018,13 +4880,13 @@
                 <a:spcPts val="1199"/>
               </a:spcBef>
               <a:buClr>
-                <a:srgbClr val="a6a6a6"/>
+                <a:srgbClr val="A6A6A6"/>
               </a:buClr>
               <a:buFont typeface="Arial"/>
               <a:buChar char="•"/>
             </a:pPr>
             <a:r>
-              <a:rPr b="0" lang="en-US" sz="2800" spc="-1" strike="noStrike">
+              <a:rPr lang="en-US" sz="2800" b="0" strike="noStrike" spc="-1">
                 <a:solidFill>
                   <a:srgbClr val="000000"/>
                 </a:solidFill>
@@ -5032,15 +4894,9 @@
               </a:rPr>
               <a:t>Fourth level</a:t>
             </a:r>
-            <a:endParaRPr b="0" lang="en-US" sz="2800" spc="-1" strike="noStrike">
-              <a:solidFill>
-                <a:srgbClr val="000000"/>
-              </a:solidFill>
-              <a:latin typeface="Arial"/>
-            </a:endParaRPr>
-          </a:p>
-          <a:p>
-            <a:pPr lvl="4" marL="1097280" indent="-456840">
+          </a:p>
+          <a:p>
+            <a:pPr marL="1097280" lvl="4" indent="-456840">
               <a:lnSpc>
                 <a:spcPct val="100000"/>
               </a:lnSpc>
@@ -5048,13 +4904,13 @@
                 <a:spcPts val="1199"/>
               </a:spcBef>
               <a:buClr>
-                <a:srgbClr val="a6a6a6"/>
+                <a:srgbClr val="A6A6A6"/>
               </a:buClr>
               <a:buFont typeface="Arial"/>
               <a:buChar char="•"/>
             </a:pPr>
             <a:r>
-              <a:rPr b="0" lang="en-US" sz="2800" spc="-1" strike="noStrike">
+              <a:rPr lang="en-US" sz="2800" b="0" strike="noStrike" spc="-1">
                 <a:solidFill>
                   <a:srgbClr val="000000"/>
                 </a:solidFill>
@@ -5062,15 +4918,9 @@
               </a:rPr>
               <a:t>Fifth level</a:t>
             </a:r>
-            <a:endParaRPr b="0" lang="en-US" sz="2800" spc="-1" strike="noStrike">
-              <a:solidFill>
-                <a:srgbClr val="000000"/>
-              </a:solidFill>
-              <a:latin typeface="Arial"/>
-            </a:endParaRPr>
-          </a:p>
-          <a:p>
-            <a:pPr lvl="5" marL="1097280" indent="-456840">
+          </a:p>
+          <a:p>
+            <a:pPr marL="1097280" lvl="5" indent="-456840">
               <a:lnSpc>
                 <a:spcPct val="100000"/>
               </a:lnSpc>
@@ -5078,13 +4928,13 @@
                 <a:spcPts val="1199"/>
               </a:spcBef>
               <a:buClr>
-                <a:srgbClr val="a6a6a6"/>
+                <a:srgbClr val="A6A6A6"/>
               </a:buClr>
               <a:buFont typeface="Arial"/>
               <a:buChar char="•"/>
             </a:pPr>
             <a:r>
-              <a:rPr b="0" lang="en-US" sz="2800" spc="-1" strike="noStrike">
+              <a:rPr lang="en-US" sz="2800" b="0" strike="noStrike" spc="-1">
                 <a:solidFill>
                   <a:srgbClr val="000000"/>
                 </a:solidFill>
@@ -5092,12 +4942,6 @@
               </a:rPr>
               <a:t>Six</a:t>
             </a:r>
-            <a:endParaRPr b="0" lang="en-US" sz="2800" spc="-1" strike="noStrike">
-              <a:solidFill>
-                <a:srgbClr val="000000"/>
-              </a:solidFill>
-              <a:latin typeface="Arial"/>
-            </a:endParaRPr>
           </a:p>
         </p:txBody>
       </p:sp>
@@ -5122,6 +4966,7 @@
         </p:spPr>
         <p:txBody>
           <a:bodyPr anchor="ctr"/>
+          <a:lstStyle/>
           <a:p>
             <a:pPr>
               <a:lnSpc>
@@ -5129,15 +4974,15 @@
               </a:lnSpc>
             </a:pPr>
             <a:fld id="{78EDFF32-AA34-4605-B7B1-000D9084E805}" type="datetime">
-              <a:rPr b="0" lang="en-US" sz="1600" spc="-1" strike="noStrike">
-                <a:solidFill>
-                  <a:srgbClr val="8b8b8b"/>
-                </a:solidFill>
-                <a:latin typeface="Arial"/>
-              </a:rPr>
-              <a:t>1/24/19</a:t>
+              <a:rPr lang="en-US" sz="1600" b="0" strike="noStrike" spc="-1">
+                <a:solidFill>
+                  <a:srgbClr val="8B8B8B"/>
+                </a:solidFill>
+                <a:latin typeface="Arial"/>
+              </a:rPr>
+              <a:t>2/1/2019</a:t>
             </a:fld>
-            <a:endParaRPr b="0" lang="en-US" sz="1600" spc="-1" strike="noStrike">
+            <a:endParaRPr lang="en-US" sz="1600" b="0" strike="noStrike" spc="-1">
               <a:latin typeface="Times New Roman"/>
             </a:endParaRPr>
           </a:p>
@@ -5164,8 +5009,9 @@
         </p:spPr>
         <p:txBody>
           <a:bodyPr anchor="ctr"/>
-          <a:p>
-            <a:endParaRPr b="0" lang="en-US" sz="2400" spc="-1" strike="noStrike">
+          <a:lstStyle/>
+          <a:p>
+            <a:endParaRPr lang="en-US" sz="2400" b="0" strike="noStrike" spc="-1">
               <a:latin typeface="Times New Roman"/>
             </a:endParaRPr>
           </a:p>
@@ -5192,6 +5038,7 @@
         </p:spPr>
         <p:txBody>
           <a:bodyPr anchor="ctr"/>
+          <a:lstStyle/>
           <a:p>
             <a:pPr algn="r">
               <a:lnSpc>
@@ -5199,15 +5046,15 @@
               </a:lnSpc>
             </a:pPr>
             <a:fld id="{BD91DA76-A5EF-47BC-901C-B071AF1A83E9}" type="slidenum">
-              <a:rPr b="0" lang="en-US" sz="1600" spc="-1" strike="noStrike">
-                <a:solidFill>
-                  <a:srgbClr val="8b8b8b"/>
-                </a:solidFill>
-                <a:latin typeface="Arial"/>
-              </a:rPr>
-              <a:t>&lt;number&gt;</a:t>
+              <a:rPr lang="en-US" sz="1600" b="0" strike="noStrike" spc="-1">
+                <a:solidFill>
+                  <a:srgbClr val="8B8B8B"/>
+                </a:solidFill>
+                <a:latin typeface="Arial"/>
+              </a:rPr>
+              <a:t>‹#›</a:t>
             </a:fld>
-            <a:endParaRPr b="0" lang="en-US" sz="1600" spc="-1" strike="noStrike">
+            <a:endParaRPr lang="en-US" sz="1600" b="0" strike="noStrike" spc="-1">
               <a:latin typeface="Times New Roman"/>
             </a:endParaRPr>
           </a:p>
@@ -5234,6 +5081,7 @@
         </p:spPr>
         <p:txBody>
           <a:bodyPr tIns="457200" bIns="45000"/>
+          <a:lstStyle/>
           <a:p>
             <a:pPr algn="ctr">
               <a:lnSpc>
@@ -5241,15 +5089,15 @@
               </a:lnSpc>
             </a:pPr>
             <a:r>
-              <a:rPr b="0" lang="en-US" sz="7260" spc="-1" strike="noStrike">
-                <a:solidFill>
-                  <a:srgbClr val="ffffff"/>
+              <a:rPr lang="en-US" sz="7260" b="0" strike="noStrike" spc="-1">
+                <a:solidFill>
+                  <a:srgbClr val="FFFFFF"/>
                 </a:solidFill>
                 <a:latin typeface="Arial"/>
               </a:rPr>
               <a:t>Click icon to add picture</a:t>
             </a:r>
-            <a:endParaRPr b="0" lang="en-US" sz="7260" spc="-1" strike="noStrike">
+            <a:endParaRPr lang="en-US" sz="7260" b="0" strike="noStrike" spc="-1">
               <a:solidFill>
                 <a:srgbClr val="000000"/>
               </a:solidFill>
@@ -5260,26 +5108,306 @@
       </p:sp>
     </p:spTree>
   </p:cSld>
-  <p:clrMap bg1="lt1" bg2="lt2" tx1="dk1" tx2="dk2" accent1="accent1" accent2="accent2" accent3="accent3" accent4="accent4" accent5="accent5" accent6="accent6" hlink="hlink" folHlink="folHlink"/>
+  <p:clrMap bg1="lt1" tx1="dk1" bg2="lt2" tx2="dk2" accent1="accent1" accent2="accent2" accent3="accent3" accent4="accent4" accent5="accent5" accent6="accent6" hlink="hlink" folHlink="folHlink"/>
   <p:sldLayoutIdLst>
-    <p:sldLayoutId id="2147483649" r:id="rId2"/>
-    <p:sldLayoutId id="2147483650" r:id="rId3"/>
-    <p:sldLayoutId id="2147483651" r:id="rId4"/>
-    <p:sldLayoutId id="2147483652" r:id="rId5"/>
-    <p:sldLayoutId id="2147483653" r:id="rId6"/>
-    <p:sldLayoutId id="2147483654" r:id="rId7"/>
-    <p:sldLayoutId id="2147483655" r:id="rId8"/>
-    <p:sldLayoutId id="2147483656" r:id="rId9"/>
-    <p:sldLayoutId id="2147483657" r:id="rId10"/>
-    <p:sldLayoutId id="2147483658" r:id="rId11"/>
-    <p:sldLayoutId id="2147483659" r:id="rId12"/>
-    <p:sldLayoutId id="2147483660" r:id="rId13"/>
+    <p:sldLayoutId id="2147483649" r:id="rId1"/>
+    <p:sldLayoutId id="2147483650" r:id="rId2"/>
+    <p:sldLayoutId id="2147483651" r:id="rId3"/>
+    <p:sldLayoutId id="2147483652" r:id="rId4"/>
+    <p:sldLayoutId id="2147483653" r:id="rId5"/>
+    <p:sldLayoutId id="2147483654" r:id="rId6"/>
+    <p:sldLayoutId id="2147483655" r:id="rId7"/>
+    <p:sldLayoutId id="2147483656" r:id="rId8"/>
+    <p:sldLayoutId id="2147483657" r:id="rId9"/>
+    <p:sldLayoutId id="2147483658" r:id="rId10"/>
+    <p:sldLayoutId id="2147483659" r:id="rId11"/>
+    <p:sldLayoutId id="2147483660" r:id="rId12"/>
   </p:sldLayoutIdLst>
+  <p:txStyles>
+    <p:titleStyle>
+      <a:lvl1pPr algn="l" defTabSz="914400" rtl="0" eaLnBrk="1" latinLnBrk="0" hangingPunct="1">
+        <a:lnSpc>
+          <a:spcPct val="90000"/>
+        </a:lnSpc>
+        <a:spcBef>
+          <a:spcPct val="0"/>
+        </a:spcBef>
+        <a:buNone/>
+        <a:defRPr sz="4400" kern="1200">
+          <a:solidFill>
+            <a:schemeClr val="tx1"/>
+          </a:solidFill>
+          <a:latin typeface="+mj-lt"/>
+          <a:ea typeface="+mj-ea"/>
+          <a:cs typeface="+mj-cs"/>
+        </a:defRPr>
+      </a:lvl1pPr>
+    </p:titleStyle>
+    <p:bodyStyle>
+      <a:lvl1pPr marL="228600" indent="-228600" algn="l" defTabSz="914400" rtl="0" eaLnBrk="1" latinLnBrk="0" hangingPunct="1">
+        <a:lnSpc>
+          <a:spcPct val="90000"/>
+        </a:lnSpc>
+        <a:spcBef>
+          <a:spcPts val="1000"/>
+        </a:spcBef>
+        <a:buFont typeface="Arial" panose="020B0604020202020204" pitchFamily="34" charset="0"/>
+        <a:buChar char="•"/>
+        <a:defRPr sz="2800" kern="1200">
+          <a:solidFill>
+            <a:schemeClr val="tx1"/>
+          </a:solidFill>
+          <a:latin typeface="+mn-lt"/>
+          <a:ea typeface="+mn-ea"/>
+          <a:cs typeface="+mn-cs"/>
+        </a:defRPr>
+      </a:lvl1pPr>
+      <a:lvl2pPr marL="685800" indent="-228600" algn="l" defTabSz="914400" rtl="0" eaLnBrk="1" latinLnBrk="0" hangingPunct="1">
+        <a:lnSpc>
+          <a:spcPct val="90000"/>
+        </a:lnSpc>
+        <a:spcBef>
+          <a:spcPts val="500"/>
+        </a:spcBef>
+        <a:buFont typeface="Arial" panose="020B0604020202020204" pitchFamily="34" charset="0"/>
+        <a:buChar char="•"/>
+        <a:defRPr sz="2400" kern="1200">
+          <a:solidFill>
+            <a:schemeClr val="tx1"/>
+          </a:solidFill>
+          <a:latin typeface="+mn-lt"/>
+          <a:ea typeface="+mn-ea"/>
+          <a:cs typeface="+mn-cs"/>
+        </a:defRPr>
+      </a:lvl2pPr>
+      <a:lvl3pPr marL="1143000" indent="-228600" algn="l" defTabSz="914400" rtl="0" eaLnBrk="1" latinLnBrk="0" hangingPunct="1">
+        <a:lnSpc>
+          <a:spcPct val="90000"/>
+        </a:lnSpc>
+        <a:spcBef>
+          <a:spcPts val="500"/>
+        </a:spcBef>
+        <a:buFont typeface="Arial" panose="020B0604020202020204" pitchFamily="34" charset="0"/>
+        <a:buChar char="•"/>
+        <a:defRPr sz="2000" kern="1200">
+          <a:solidFill>
+            <a:schemeClr val="tx1"/>
+          </a:solidFill>
+          <a:latin typeface="+mn-lt"/>
+          <a:ea typeface="+mn-ea"/>
+          <a:cs typeface="+mn-cs"/>
+        </a:defRPr>
+      </a:lvl3pPr>
+      <a:lvl4pPr marL="1600200" indent="-228600" algn="l" defTabSz="914400" rtl="0" eaLnBrk="1" latinLnBrk="0" hangingPunct="1">
+        <a:lnSpc>
+          <a:spcPct val="90000"/>
+        </a:lnSpc>
+        <a:spcBef>
+          <a:spcPts val="500"/>
+        </a:spcBef>
+        <a:buFont typeface="Arial" panose="020B0604020202020204" pitchFamily="34" charset="0"/>
+        <a:buChar char="•"/>
+        <a:defRPr sz="1800" kern="1200">
+          <a:solidFill>
+            <a:schemeClr val="tx1"/>
+          </a:solidFill>
+          <a:latin typeface="+mn-lt"/>
+          <a:ea typeface="+mn-ea"/>
+          <a:cs typeface="+mn-cs"/>
+        </a:defRPr>
+      </a:lvl4pPr>
+      <a:lvl5pPr marL="2057400" indent="-228600" algn="l" defTabSz="914400" rtl="0" eaLnBrk="1" latinLnBrk="0" hangingPunct="1">
+        <a:lnSpc>
+          <a:spcPct val="90000"/>
+        </a:lnSpc>
+        <a:spcBef>
+          <a:spcPts val="500"/>
+        </a:spcBef>
+        <a:buFont typeface="Arial" panose="020B0604020202020204" pitchFamily="34" charset="0"/>
+        <a:buChar char="•"/>
+        <a:defRPr sz="1800" kern="1200">
+          <a:solidFill>
+            <a:schemeClr val="tx1"/>
+          </a:solidFill>
+          <a:latin typeface="+mn-lt"/>
+          <a:ea typeface="+mn-ea"/>
+          <a:cs typeface="+mn-cs"/>
+        </a:defRPr>
+      </a:lvl5pPr>
+      <a:lvl6pPr marL="2514600" indent="-228600" algn="l" defTabSz="914400" rtl="0" eaLnBrk="1" latinLnBrk="0" hangingPunct="1">
+        <a:lnSpc>
+          <a:spcPct val="90000"/>
+        </a:lnSpc>
+        <a:spcBef>
+          <a:spcPts val="500"/>
+        </a:spcBef>
+        <a:buFont typeface="Arial" panose="020B0604020202020204" pitchFamily="34" charset="0"/>
+        <a:buChar char="•"/>
+        <a:defRPr sz="1800" kern="1200">
+          <a:solidFill>
+            <a:schemeClr val="tx1"/>
+          </a:solidFill>
+          <a:latin typeface="+mn-lt"/>
+          <a:ea typeface="+mn-ea"/>
+          <a:cs typeface="+mn-cs"/>
+        </a:defRPr>
+      </a:lvl6pPr>
+      <a:lvl7pPr marL="2971800" indent="-228600" algn="l" defTabSz="914400" rtl="0" eaLnBrk="1" latinLnBrk="0" hangingPunct="1">
+        <a:lnSpc>
+          <a:spcPct val="90000"/>
+        </a:lnSpc>
+        <a:spcBef>
+          <a:spcPts val="500"/>
+        </a:spcBef>
+        <a:buFont typeface="Arial" panose="020B0604020202020204" pitchFamily="34" charset="0"/>
+        <a:buChar char="•"/>
+        <a:defRPr sz="1800" kern="1200">
+          <a:solidFill>
+            <a:schemeClr val="tx1"/>
+          </a:solidFill>
+          <a:latin typeface="+mn-lt"/>
+          <a:ea typeface="+mn-ea"/>
+          <a:cs typeface="+mn-cs"/>
+        </a:defRPr>
+      </a:lvl7pPr>
+      <a:lvl8pPr marL="3429000" indent="-228600" algn="l" defTabSz="914400" rtl="0" eaLnBrk="1" latinLnBrk="0" hangingPunct="1">
+        <a:lnSpc>
+          <a:spcPct val="90000"/>
+        </a:lnSpc>
+        <a:spcBef>
+          <a:spcPts val="500"/>
+        </a:spcBef>
+        <a:buFont typeface="Arial" panose="020B0604020202020204" pitchFamily="34" charset="0"/>
+        <a:buChar char="•"/>
+        <a:defRPr sz="1800" kern="1200">
+          <a:solidFill>
+            <a:schemeClr val="tx1"/>
+          </a:solidFill>
+          <a:latin typeface="+mn-lt"/>
+          <a:ea typeface="+mn-ea"/>
+          <a:cs typeface="+mn-cs"/>
+        </a:defRPr>
+      </a:lvl8pPr>
+      <a:lvl9pPr marL="3886200" indent="-228600" algn="l" defTabSz="914400" rtl="0" eaLnBrk="1" latinLnBrk="0" hangingPunct="1">
+        <a:lnSpc>
+          <a:spcPct val="90000"/>
+        </a:lnSpc>
+        <a:spcBef>
+          <a:spcPts val="500"/>
+        </a:spcBef>
+        <a:buFont typeface="Arial" panose="020B0604020202020204" pitchFamily="34" charset="0"/>
+        <a:buChar char="•"/>
+        <a:defRPr sz="1800" kern="1200">
+          <a:solidFill>
+            <a:schemeClr val="tx1"/>
+          </a:solidFill>
+          <a:latin typeface="+mn-lt"/>
+          <a:ea typeface="+mn-ea"/>
+          <a:cs typeface="+mn-cs"/>
+        </a:defRPr>
+      </a:lvl9pPr>
+    </p:bodyStyle>
+    <p:otherStyle>
+      <a:defPPr>
+        <a:defRPr lang="en-US"/>
+      </a:defPPr>
+      <a:lvl1pPr marL="0" algn="l" defTabSz="914400" rtl="0" eaLnBrk="1" latinLnBrk="0" hangingPunct="1">
+        <a:defRPr sz="1800" kern="1200">
+          <a:solidFill>
+            <a:schemeClr val="tx1"/>
+          </a:solidFill>
+          <a:latin typeface="+mn-lt"/>
+          <a:ea typeface="+mn-ea"/>
+          <a:cs typeface="+mn-cs"/>
+        </a:defRPr>
+      </a:lvl1pPr>
+      <a:lvl2pPr marL="457200" algn="l" defTabSz="914400" rtl="0" eaLnBrk="1" latinLnBrk="0" hangingPunct="1">
+        <a:defRPr sz="1800" kern="1200">
+          <a:solidFill>
+            <a:schemeClr val="tx1"/>
+          </a:solidFill>
+          <a:latin typeface="+mn-lt"/>
+          <a:ea typeface="+mn-ea"/>
+          <a:cs typeface="+mn-cs"/>
+        </a:defRPr>
+      </a:lvl2pPr>
+      <a:lvl3pPr marL="914400" algn="l" defTabSz="914400" rtl="0" eaLnBrk="1" latinLnBrk="0" hangingPunct="1">
+        <a:defRPr sz="1800" kern="1200">
+          <a:solidFill>
+            <a:schemeClr val="tx1"/>
+          </a:solidFill>
+          <a:latin typeface="+mn-lt"/>
+          <a:ea typeface="+mn-ea"/>
+          <a:cs typeface="+mn-cs"/>
+        </a:defRPr>
+      </a:lvl3pPr>
+      <a:lvl4pPr marL="1371600" algn="l" defTabSz="914400" rtl="0" eaLnBrk="1" latinLnBrk="0" hangingPunct="1">
+        <a:defRPr sz="1800" kern="1200">
+          <a:solidFill>
+            <a:schemeClr val="tx1"/>
+          </a:solidFill>
+          <a:latin typeface="+mn-lt"/>
+          <a:ea typeface="+mn-ea"/>
+          <a:cs typeface="+mn-cs"/>
+        </a:defRPr>
+      </a:lvl4pPr>
+      <a:lvl5pPr marL="1828800" algn="l" defTabSz="914400" rtl="0" eaLnBrk="1" latinLnBrk="0" hangingPunct="1">
+        <a:defRPr sz="1800" kern="1200">
+          <a:solidFill>
+            <a:schemeClr val="tx1"/>
+          </a:solidFill>
+          <a:latin typeface="+mn-lt"/>
+          <a:ea typeface="+mn-ea"/>
+          <a:cs typeface="+mn-cs"/>
+        </a:defRPr>
+      </a:lvl5pPr>
+      <a:lvl6pPr marL="2286000" algn="l" defTabSz="914400" rtl="0" eaLnBrk="1" latinLnBrk="0" hangingPunct="1">
+        <a:defRPr sz="1800" kern="1200">
+          <a:solidFill>
+            <a:schemeClr val="tx1"/>
+          </a:solidFill>
+          <a:latin typeface="+mn-lt"/>
+          <a:ea typeface="+mn-ea"/>
+          <a:cs typeface="+mn-cs"/>
+        </a:defRPr>
+      </a:lvl6pPr>
+      <a:lvl7pPr marL="2743200" algn="l" defTabSz="914400" rtl="0" eaLnBrk="1" latinLnBrk="0" hangingPunct="1">
+        <a:defRPr sz="1800" kern="1200">
+          <a:solidFill>
+            <a:schemeClr val="tx1"/>
+          </a:solidFill>
+          <a:latin typeface="+mn-lt"/>
+          <a:ea typeface="+mn-ea"/>
+          <a:cs typeface="+mn-cs"/>
+        </a:defRPr>
+      </a:lvl7pPr>
+      <a:lvl8pPr marL="3200400" algn="l" defTabSz="914400" rtl="0" eaLnBrk="1" latinLnBrk="0" hangingPunct="1">
+        <a:defRPr sz="1800" kern="1200">
+          <a:solidFill>
+            <a:schemeClr val="tx1"/>
+          </a:solidFill>
+          <a:latin typeface="+mn-lt"/>
+          <a:ea typeface="+mn-ea"/>
+          <a:cs typeface="+mn-cs"/>
+        </a:defRPr>
+      </a:lvl8pPr>
+      <a:lvl9pPr marL="3657600" algn="l" defTabSz="914400" rtl="0" eaLnBrk="1" latinLnBrk="0" hangingPunct="1">
+        <a:defRPr sz="1800" kern="1200">
+          <a:solidFill>
+            <a:schemeClr val="tx1"/>
+          </a:solidFill>
+          <a:latin typeface="+mn-lt"/>
+          <a:ea typeface="+mn-ea"/>
+          <a:cs typeface="+mn-cs"/>
+        </a:defRPr>
+      </a:lvl9pPr>
+    </p:otherStyle>
+  </p:txStyles>
 </p:sldMaster>
 </file>
 
 <file path=ppt/slides/slide1.xml><?xml version="1.0" encoding="utf-8"?>
-<p:sld xmlns:a="http://schemas.openxmlformats.org/drawingml/2006/main" xmlns:p="http://schemas.openxmlformats.org/presentationml/2006/main" xmlns:r="http://schemas.openxmlformats.org/officeDocument/2006/relationships" xmlns:p14="http://schemas.microsoft.com/office/powerpoint/2010/main" xmlns:p15="http://schemas.microsoft.com/office/powerpoint/2012/main" xmlns:mc="http://schemas.openxmlformats.org/markup-compatibility/2006">
+<p:sld xmlns:a="http://schemas.openxmlformats.org/drawingml/2006/main" xmlns:r="http://schemas.openxmlformats.org/officeDocument/2006/relationships" xmlns:p="http://schemas.openxmlformats.org/presentationml/2006/main">
   <p:cSld>
     <p:spTree>
       <p:nvGrpSpPr>
@@ -5304,7 +5432,7 @@
         <p:spPr>
           <a:xfrm>
             <a:off x="4311360" y="74880"/>
-            <a:ext cx="34740720" cy="4943520"/>
+            <a:ext cx="34740720" cy="3787920"/>
           </a:xfrm>
           <a:prstGeom prst="rect">
             <a:avLst/>
@@ -5316,6 +5444,7 @@
         </p:spPr>
         <p:txBody>
           <a:bodyPr anchor="b"/>
+          <a:lstStyle/>
           <a:p>
             <a:pPr algn="ctr">
               <a:lnSpc>
@@ -5323,28 +5452,36 @@
               </a:lnSpc>
             </a:pPr>
             <a:r>
-              <a:rPr b="0" lang="en-US" sz="9600" spc="-1" strike="noStrike">
-                <a:solidFill>
-                  <a:srgbClr val="ffffff"/>
+              <a:rPr lang="en-US" sz="9600" b="0" strike="noStrike" spc="-1" dirty="0">
+                <a:solidFill>
+                  <a:srgbClr val="FFFFFF"/>
                 </a:solidFill>
                 <a:latin typeface="Arial"/>
               </a:rPr>
               <a:t>Validation Study of Image Recognition Algorithms </a:t>
             </a:r>
-            <a:br/>
-            <a:br/>
-            <a:r>
-              <a:rPr b="0" lang="en-US" sz="3600" spc="-1" strike="noStrike">
-                <a:solidFill>
-                  <a:srgbClr val="ffffff"/>
+            <a:br>
+              <a:rPr dirty="0"/>
+            </a:br>
+            <a:br>
+              <a:rPr dirty="0"/>
+            </a:br>
+            <a:r>
+              <a:rPr lang="en-US" sz="3600" b="0" strike="noStrike" spc="-1" dirty="0">
+                <a:solidFill>
+                  <a:srgbClr val="FFFFFF"/>
                 </a:solidFill>
                 <a:latin typeface="Arial Black"/>
               </a:rPr>
               <a:t>Southwestern Oklahoma State University </a:t>
             </a:r>
-            <a:br/>
-            <a:br/>
-            <a:endParaRPr b="0" lang="en-US" sz="3600" spc="-1" strike="noStrike">
+            <a:br>
+              <a:rPr dirty="0"/>
+            </a:br>
+            <a:br>
+              <a:rPr dirty="0"/>
+            </a:br>
+            <a:endParaRPr lang="en-US" sz="3600" b="0" strike="noStrike" spc="-1" dirty="0">
               <a:solidFill>
                 <a:srgbClr val="000000"/>
               </a:solidFill>
@@ -5374,6 +5511,7 @@
         </p:spPr>
         <p:txBody>
           <a:bodyPr anchor="ctr"/>
+          <a:lstStyle/>
           <a:p>
             <a:pPr>
               <a:lnSpc>
@@ -5381,15 +5519,15 @@
               </a:lnSpc>
             </a:pPr>
             <a:r>
-              <a:rPr b="0" lang="en-US" sz="3600" spc="-1" strike="noStrike">
-                <a:solidFill>
-                  <a:srgbClr val="bfbfbf"/>
+              <a:rPr lang="en-US" sz="3600" b="0" strike="noStrike" spc="-1">
+                <a:solidFill>
+                  <a:srgbClr val="BFBFBF"/>
                 </a:solidFill>
                 <a:latin typeface="Arial"/>
               </a:rPr>
               <a:t>Jacob Miller | Dr. Jeremy Evert | Department of Computer Science and Engineering Technology</a:t>
             </a:r>
-            <a:endParaRPr b="0" lang="en-US" sz="3600" spc="-1" strike="noStrike">
+            <a:endParaRPr lang="en-US" sz="3600" b="0" strike="noStrike" spc="-1">
               <a:solidFill>
                 <a:srgbClr val="000000"/>
               </a:solidFill>
@@ -5415,10 +5553,10 @@
           <a:gradFill rotWithShape="0">
             <a:gsLst>
               <a:gs pos="0">
-                <a:srgbClr val="00b0ea"/>
+                <a:srgbClr val="00B0EA"/>
               </a:gs>
               <a:gs pos="100000">
-                <a:srgbClr val="00b0ea"/>
+                <a:srgbClr val="00B0EA"/>
               </a:gs>
             </a:gsLst>
             <a:lin ang="5400000"/>
@@ -5429,6 +5567,7 @@
         </p:spPr>
         <p:txBody>
           <a:bodyPr lIns="365760" anchor="ctr"/>
+          <a:lstStyle/>
           <a:p>
             <a:pPr algn="ctr">
               <a:lnSpc>
@@ -5436,15 +5575,15 @@
               </a:lnSpc>
             </a:pPr>
             <a:r>
-              <a:rPr b="0" lang="en-US" sz="5400" spc="-1" strike="noStrike">
-                <a:solidFill>
-                  <a:srgbClr val="ffffff"/>
+              <a:rPr lang="en-US" sz="5400" b="0" strike="noStrike" spc="-1">
+                <a:solidFill>
+                  <a:srgbClr val="FFFFFF"/>
                 </a:solidFill>
                 <a:latin typeface="Arial"/>
               </a:rPr>
               <a:t>Introduction</a:t>
             </a:r>
-            <a:endParaRPr b="0" lang="en-US" sz="5400" spc="-1" strike="noStrike">
+            <a:endParaRPr lang="en-US" sz="5400" b="0" strike="noStrike" spc="-1">
               <a:solidFill>
                 <a:srgbClr val="000000"/>
               </a:solidFill>
@@ -5468,7 +5607,7 @@
             <a:avLst/>
           </a:prstGeom>
           <a:solidFill>
-            <a:srgbClr val="e8e8e8"/>
+            <a:srgbClr val="E8E8E8"/>
           </a:solidFill>
           <a:ln>
             <a:noFill/>
@@ -5476,6 +5615,7 @@
         </p:spPr>
         <p:txBody>
           <a:bodyPr lIns="365760" rIns="365760" anchor="ctr"/>
+          <a:lstStyle/>
           <a:p>
             <a:pPr>
               <a:lnSpc>
@@ -5486,7 +5626,7 @@
               </a:spcBef>
             </a:pPr>
             <a:r>
-              <a:rPr b="0" lang="en-US" sz="4000" spc="-1" strike="noStrike">
+              <a:rPr lang="en-US" sz="4000" b="0" strike="noStrike" spc="-1">
                 <a:solidFill>
                   <a:srgbClr val="000000"/>
                 </a:solidFill>
@@ -5496,7 +5636,7 @@
             </a:r>
             <a:br/>
             <a:r>
-              <a:rPr b="0" lang="en-US" sz="4000" spc="-1" strike="noStrike">
+              <a:rPr lang="en-US" sz="4000" b="0" strike="noStrike" spc="-1">
                 <a:solidFill>
                   <a:srgbClr val="000000"/>
                 </a:solidFill>
@@ -5506,7 +5646,7 @@
             </a:r>
             <a:br/>
             <a:r>
-              <a:rPr b="0" lang="en-US" sz="4000" spc="-1" strike="noStrike">
+              <a:rPr lang="en-US" sz="4000" b="0" strike="noStrike" spc="-1">
                 <a:solidFill>
                   <a:srgbClr val="000000"/>
                 </a:solidFill>
@@ -5516,7 +5656,7 @@
             </a:r>
             <a:br/>
             <a:r>
-              <a:rPr b="0" lang="en-US" sz="4000" spc="-1" strike="noStrike">
+              <a:rPr lang="en-US" sz="4000" b="0" strike="noStrike" spc="-1">
                 <a:solidFill>
                   <a:srgbClr val="000000"/>
                 </a:solidFill>
@@ -5526,7 +5666,7 @@
             </a:r>
             <a:br/>
             <a:r>
-              <a:rPr b="0" lang="en-US" sz="4000" spc="-1" strike="noStrike">
+              <a:rPr lang="en-US" sz="4000" b="0" strike="noStrike" spc="-1">
                 <a:solidFill>
                   <a:srgbClr val="000000"/>
                 </a:solidFill>
@@ -5536,7 +5676,7 @@
             </a:r>
             <a:br/>
             <a:r>
-              <a:rPr b="0" lang="en-US" sz="4000" spc="-1" strike="noStrike">
+              <a:rPr lang="en-US" sz="4000" b="0" strike="noStrike" spc="-1">
                 <a:solidFill>
                   <a:srgbClr val="000000"/>
                 </a:solidFill>
@@ -5544,12 +5684,6 @@
               </a:rPr>
               <a:t>This research was funded in part by the Dr. Snowden Memorial Scholarship with the NASA OKLAHOMA Space Grant Consortium. This material is based upon work supported by the National Aeronautics and Space Administration issued through the Oklahoma Space Grant Consortium.</a:t>
             </a:r>
-            <a:endParaRPr b="0" lang="en-US" sz="4000" spc="-1" strike="noStrike">
-              <a:solidFill>
-                <a:srgbClr val="000000"/>
-              </a:solidFill>
-              <a:latin typeface="Arial"/>
-            </a:endParaRPr>
           </a:p>
         </p:txBody>
       </p:sp>
@@ -5574,6 +5708,7 @@
         </p:spPr>
         <p:txBody>
           <a:bodyPr tIns="182880"/>
+          <a:lstStyle/>
           <a:p>
             <a:pPr>
               <a:lnSpc>
@@ -5584,7 +5719,7 @@
               </a:spcBef>
             </a:pPr>
             <a:r>
-              <a:rPr b="0" lang="en-US" sz="4000" spc="-1" strike="noStrike">
+              <a:rPr lang="en-US" sz="4000" b="0" strike="noStrike" spc="-1">
                 <a:solidFill>
                   <a:srgbClr val="000000"/>
                 </a:solidFill>
@@ -5592,12 +5727,6 @@
               </a:rPr>
               <a:t>This project serves as an introduction to machine learning and the research around image segmentation. The goal for the researchers is an increase familiarity with tools and fundamental concepts. Emphasis was placed on projects related to current research trajectories for NASA, general robotics applications, and Southwest Research Institute. </a:t>
             </a:r>
-            <a:endParaRPr b="0" lang="en-US" sz="4000" spc="-1" strike="noStrike">
-              <a:solidFill>
-                <a:srgbClr val="000000"/>
-              </a:solidFill>
-              <a:latin typeface="Arial"/>
-            </a:endParaRPr>
           </a:p>
         </p:txBody>
       </p:sp>
@@ -5618,10 +5747,10 @@
           <a:gradFill rotWithShape="0">
             <a:gsLst>
               <a:gs pos="0">
-                <a:srgbClr val="00b0ea"/>
+                <a:srgbClr val="00B0EA"/>
               </a:gs>
               <a:gs pos="100000">
-                <a:srgbClr val="00b0ea"/>
+                <a:srgbClr val="00B0EA"/>
               </a:gs>
             </a:gsLst>
             <a:lin ang="5400000"/>
@@ -5632,6 +5761,7 @@
         </p:spPr>
         <p:txBody>
           <a:bodyPr lIns="365760" anchor="ctr"/>
+          <a:lstStyle/>
           <a:p>
             <a:pPr algn="ctr">
               <a:lnSpc>
@@ -5639,15 +5769,15 @@
               </a:lnSpc>
             </a:pPr>
             <a:r>
-              <a:rPr b="0" lang="en-US" sz="5400" spc="-1" strike="noStrike">
-                <a:solidFill>
-                  <a:srgbClr val="ffffff"/>
+              <a:rPr lang="en-US" sz="5400" b="0" strike="noStrike" spc="-1">
+                <a:solidFill>
+                  <a:srgbClr val="FFFFFF"/>
                 </a:solidFill>
                 <a:latin typeface="Arial"/>
               </a:rPr>
               <a:t>Example</a:t>
             </a:r>
-            <a:endParaRPr b="0" lang="en-US" sz="5400" spc="-1" strike="noStrike">
+            <a:endParaRPr lang="en-US" sz="5400" b="0" strike="noStrike" spc="-1">
               <a:solidFill>
                 <a:srgbClr val="000000"/>
               </a:solidFill>
@@ -5677,6 +5807,7 @@
         </p:spPr>
         <p:txBody>
           <a:bodyPr tIns="182880"/>
+          <a:lstStyle/>
           <a:p>
             <a:pPr>
               <a:lnSpc>
@@ -5687,7 +5818,7 @@
               </a:spcBef>
             </a:pPr>
             <a:r>
-              <a:rPr b="0" lang="en-US" sz="4000" spc="-1" strike="noStrike">
+              <a:rPr lang="en-US" sz="4000" b="0" strike="noStrike" spc="-1">
                 <a:solidFill>
                   <a:srgbClr val="000000"/>
                 </a:solidFill>
@@ -5695,7 +5826,93 @@
               </a:rPr>
               <a:t>Bhatia, R. (2018, April 10). Deeplearning.jpg [Digital image]. Retrieved November 7, 2018, from https://www.analyticsindiamag.com/how-to-build-a-career-in-computer-vision/</a:t>
             </a:r>
-            <a:endParaRPr b="0" lang="en-US" sz="4000" spc="-1" strike="noStrike">
+          </a:p>
+          <a:p>
+            <a:pPr>
+              <a:lnSpc>
+                <a:spcPct val="100000"/>
+              </a:lnSpc>
+              <a:spcBef>
+                <a:spcPts val="1199"/>
+              </a:spcBef>
+            </a:pPr>
+            <a:r>
+              <a:rPr lang="en-US" sz="4000" b="0" strike="noStrike" spc="-1">
+                <a:solidFill>
+                  <a:srgbClr val="000000"/>
+                </a:solidFill>
+                <a:latin typeface="Arial"/>
+              </a:rPr>
+              <a:t>Christophe Andrieu, N. D. (2003). An Introduction to MCMC for Machine Learning. Machine Learning, 50, 5-43.</a:t>
+            </a:r>
+          </a:p>
+          <a:p>
+            <a:pPr>
+              <a:lnSpc>
+                <a:spcPct val="100000"/>
+              </a:lnSpc>
+              <a:spcBef>
+                <a:spcPts val="1199"/>
+              </a:spcBef>
+            </a:pPr>
+            <a:r>
+              <a:rPr lang="en-US" sz="4000" b="0" strike="noStrike" spc="-1">
+                <a:solidFill>
+                  <a:srgbClr val="000000"/>
+                </a:solidFill>
+                <a:latin typeface="Arial"/>
+              </a:rPr>
+              <a:t>David Martin, C. F. (2001). A Database of Human Segmented Natural Images and its Application to Evaluating Segmentation Algorithms and Measuring Ecological Statistics. Vancouver: IEEE.</a:t>
+            </a:r>
+          </a:p>
+          <a:p>
+            <a:pPr>
+              <a:lnSpc>
+                <a:spcPct val="100000"/>
+              </a:lnSpc>
+              <a:spcBef>
+                <a:spcPts val="1199"/>
+              </a:spcBef>
+            </a:pPr>
+            <a:r>
+              <a:rPr lang="en-US" sz="4000" b="0" strike="noStrike" spc="-1">
+                <a:solidFill>
+                  <a:srgbClr val="000000"/>
+                </a:solidFill>
+                <a:latin typeface="Arial"/>
+              </a:rPr>
+              <a:t>Larry Matthies, M. M. (2007). Computer Vision on Mars. International Journal of Computer Vision, Volume 75, Issue 1, 67-92.</a:t>
+            </a:r>
+          </a:p>
+          <a:p>
+            <a:pPr>
+              <a:lnSpc>
+                <a:spcPct val="100000"/>
+              </a:lnSpc>
+              <a:spcBef>
+                <a:spcPts val="1199"/>
+              </a:spcBef>
+            </a:pPr>
+            <a:r>
+              <a:rPr lang="en-US" sz="4000" b="0" strike="noStrike" spc="-1">
+                <a:solidFill>
+                  <a:srgbClr val="000000"/>
+                </a:solidFill>
+                <a:latin typeface="Arial"/>
+              </a:rPr>
+              <a:t>P.C.H. Martens, e. a. (2012). Computer Vision for the Solar Dynamics Observatory (SDO). Solar Physics, Volume 275, Issue 1-2, 79-113.</a:t>
+            </a:r>
+          </a:p>
+          <a:p>
+            <a:pPr>
+              <a:lnSpc>
+                <a:spcPct val="100000"/>
+              </a:lnSpc>
+              <a:spcBef>
+                <a:spcPts val="1199"/>
+              </a:spcBef>
+            </a:pPr>
+            <a:endParaRPr lang="en-US" sz="4000" b="0" strike="noStrike" spc="-1">
               <a:solidFill>
                 <a:srgbClr val="000000"/>
               </a:solidFill>
@@ -5711,139 +5928,23 @@
                 <a:spcPts val="1199"/>
               </a:spcBef>
             </a:pPr>
-            <a:r>
-              <a:rPr b="0" lang="en-US" sz="4000" spc="-1" strike="noStrike">
-                <a:solidFill>
-                  <a:srgbClr val="000000"/>
-                </a:solidFill>
-                <a:latin typeface="Arial"/>
-              </a:rPr>
-              <a:t>Christophe Andrieu, N. D. (2003). An Introduction to MCMC for Machine Learning. Machine Learning, 50, 5-43.</a:t>
-            </a:r>
-            <a:endParaRPr b="0" lang="en-US" sz="4000" spc="-1" strike="noStrike">
+            <a:endParaRPr lang="en-US" sz="4000" b="0" strike="noStrike" spc="-1">
               <a:solidFill>
                 <a:srgbClr val="000000"/>
               </a:solidFill>
               <a:latin typeface="Arial"/>
             </a:endParaRPr>
           </a:p>
-          <a:p>
-            <a:pPr>
-              <a:lnSpc>
-                <a:spcPct val="100000"/>
-              </a:lnSpc>
-              <a:spcBef>
-                <a:spcPts val="1199"/>
-              </a:spcBef>
-            </a:pPr>
-            <a:r>
-              <a:rPr b="0" lang="en-US" sz="4000" spc="-1" strike="noStrike">
-                <a:solidFill>
-                  <a:srgbClr val="000000"/>
-                </a:solidFill>
-                <a:latin typeface="Arial"/>
-              </a:rPr>
-              <a:t>David Martin, C. F. (2001). A Database of Human Segmented Natural Images and its Application to Evaluating Segmentation Algorithms and Measuring Ecological Statistics. Vancouver: IEEE.</a:t>
-            </a:r>
-            <a:endParaRPr b="0" lang="en-US" sz="4000" spc="-1" strike="noStrike">
-              <a:solidFill>
-                <a:srgbClr val="000000"/>
-              </a:solidFill>
-              <a:latin typeface="Arial"/>
-            </a:endParaRPr>
-          </a:p>
-          <a:p>
-            <a:pPr>
-              <a:lnSpc>
-                <a:spcPct val="100000"/>
-              </a:lnSpc>
-              <a:spcBef>
-                <a:spcPts val="1199"/>
-              </a:spcBef>
-            </a:pPr>
-            <a:r>
-              <a:rPr b="0" lang="en-US" sz="4000" spc="-1" strike="noStrike">
-                <a:solidFill>
-                  <a:srgbClr val="000000"/>
-                </a:solidFill>
-                <a:latin typeface="Arial"/>
-              </a:rPr>
-              <a:t>Larry Matthies, M. M. (2007). Computer Vision on Mars. International Journal of Computer Vision, Volume 75, Issue 1, 67-92.</a:t>
-            </a:r>
-            <a:endParaRPr b="0" lang="en-US" sz="4000" spc="-1" strike="noStrike">
-              <a:solidFill>
-                <a:srgbClr val="000000"/>
-              </a:solidFill>
-              <a:latin typeface="Arial"/>
-            </a:endParaRPr>
-          </a:p>
-          <a:p>
-            <a:pPr>
-              <a:lnSpc>
-                <a:spcPct val="100000"/>
-              </a:lnSpc>
-              <a:spcBef>
-                <a:spcPts val="1199"/>
-              </a:spcBef>
-            </a:pPr>
-            <a:r>
-              <a:rPr b="0" lang="en-US" sz="4000" spc="-1" strike="noStrike">
-                <a:solidFill>
-                  <a:srgbClr val="000000"/>
-                </a:solidFill>
-                <a:latin typeface="Arial"/>
-              </a:rPr>
-              <a:t>P.C.H. Martens, e. a. (2012). Computer Vision for the Solar Dynamics Observatory (SDO). Solar Physics, Volume 275, Issue 1-2, 79-113.</a:t>
-            </a:r>
-            <a:endParaRPr b="0" lang="en-US" sz="4000" spc="-1" strike="noStrike">
-              <a:solidFill>
-                <a:srgbClr val="000000"/>
-              </a:solidFill>
-              <a:latin typeface="Arial"/>
-            </a:endParaRPr>
-          </a:p>
-          <a:p>
-            <a:pPr>
-              <a:lnSpc>
-                <a:spcPct val="100000"/>
-              </a:lnSpc>
-              <a:spcBef>
-                <a:spcPts val="1199"/>
-              </a:spcBef>
-            </a:pPr>
-            <a:endParaRPr b="0" lang="en-US" sz="4000" spc="-1" strike="noStrike">
-              <a:solidFill>
-                <a:srgbClr val="000000"/>
-              </a:solidFill>
-              <a:latin typeface="Arial"/>
-            </a:endParaRPr>
-          </a:p>
-          <a:p>
-            <a:pPr>
-              <a:lnSpc>
-                <a:spcPct val="100000"/>
-              </a:lnSpc>
-              <a:spcBef>
-                <a:spcPts val="1199"/>
-              </a:spcBef>
-            </a:pPr>
-            <a:endParaRPr b="0" lang="en-US" sz="4000" spc="-1" strike="noStrike">
-              <a:solidFill>
-                <a:srgbClr val="000000"/>
-              </a:solidFill>
-              <a:latin typeface="Arial"/>
-            </a:endParaRPr>
-          </a:p>
         </p:txBody>
       </p:sp>
       <p:pic>
         <p:nvPicPr>
-          <p:cNvPr id="80" name="Content Placeholder 6" descr=""/>
+          <p:cNvPr id="80" name="Content Placeholder 6"/>
           <p:cNvPicPr/>
           <p:nvPr/>
         </p:nvPicPr>
         <p:blipFill>
-          <a:blip r:embed="rId1"/>
+          <a:blip r:embed="rId3"/>
           <a:stretch/>
         </p:blipFill>
         <p:spPr>
@@ -5861,12 +5962,12 @@
       </p:pic>
       <p:pic>
         <p:nvPicPr>
-          <p:cNvPr id="81" name="Picture 4" descr=""/>
+          <p:cNvPr id="81" name="Picture 4"/>
           <p:cNvPicPr/>
           <p:nvPr/>
         </p:nvPicPr>
         <p:blipFill>
-          <a:blip r:embed="rId2"/>
+          <a:blip r:embed="rId4"/>
           <a:stretch/>
         </p:blipFill>
         <p:spPr>
@@ -5899,10 +6000,10 @@
           <a:gradFill rotWithShape="0">
             <a:gsLst>
               <a:gs pos="0">
-                <a:srgbClr val="00b0ea"/>
+                <a:srgbClr val="00B0EA"/>
               </a:gs>
               <a:gs pos="100000">
-                <a:srgbClr val="00b0ea"/>
+                <a:srgbClr val="00B0EA"/>
               </a:gs>
             </a:gsLst>
             <a:lin ang="5400000"/>
@@ -5913,6 +6014,7 @@
         </p:spPr>
         <p:txBody>
           <a:bodyPr lIns="365760" anchor="ctr"/>
+          <a:lstStyle/>
           <a:p>
             <a:pPr algn="ctr">
               <a:lnSpc>
@@ -5920,15 +6022,15 @@
               </a:lnSpc>
             </a:pPr>
             <a:r>
-              <a:rPr b="0" lang="en-US" sz="5400" spc="-1" strike="noStrike">
-                <a:solidFill>
-                  <a:srgbClr val="ffffff"/>
+              <a:rPr lang="en-US" sz="5400" b="0" strike="noStrike" spc="-1">
+                <a:solidFill>
+                  <a:srgbClr val="FFFFFF"/>
                 </a:solidFill>
                 <a:latin typeface="Arial"/>
               </a:rPr>
               <a:t>Objectives</a:t>
             </a:r>
-            <a:endParaRPr b="0" lang="en-US" sz="5400" spc="-1" strike="noStrike">
+            <a:endParaRPr lang="en-US" sz="5400" b="0" strike="noStrike" spc="-1">
               <a:solidFill>
                 <a:srgbClr val="000000"/>
               </a:solidFill>
@@ -5957,13 +6059,20 @@
           </a:ln>
         </p:spPr>
         <p:style>
-          <a:lnRef idx="0"/>
-          <a:fillRef idx="0"/>
-          <a:effectRef idx="0"/>
+          <a:lnRef idx="0">
+            <a:scrgbClr r="0" g="0" b="0"/>
+          </a:lnRef>
+          <a:fillRef idx="0">
+            <a:scrgbClr r="0" g="0" b="0"/>
+          </a:fillRef>
+          <a:effectRef idx="0">
+            <a:scrgbClr r="0" g="0" b="0"/>
+          </a:effectRef>
           <a:fontRef idx="minor"/>
         </p:style>
         <p:txBody>
-          <a:bodyPr lIns="90000" rIns="90000" tIns="45000" bIns="45000"/>
+          <a:bodyPr lIns="90000" tIns="45000" rIns="90000" bIns="45000"/>
+          <a:lstStyle/>
           <a:p>
             <a:pPr>
               <a:lnSpc>
@@ -5971,7 +6080,7 @@
               </a:lnSpc>
             </a:pPr>
             <a:r>
-              <a:rPr b="0" i="1" lang="en-US" sz="3600" spc="-1" strike="noStrike">
+              <a:rPr lang="en-US" sz="3600" b="0" i="1" strike="noStrike" spc="-1">
                 <a:solidFill>
                   <a:srgbClr val="000000"/>
                 </a:solidFill>
@@ -5979,7 +6088,7 @@
               </a:rPr>
               <a:t>This material is based upon work supported by the National Aeronautics and Space Administration under Grant No.XXXXXX issued through NASA Education.</a:t>
             </a:r>
-            <a:endParaRPr b="0" lang="en-US" sz="3600" spc="-1" strike="noStrike">
+            <a:endParaRPr lang="en-US" sz="3600" b="0" strike="noStrike" spc="-1">
               <a:latin typeface="Arial"/>
             </a:endParaRPr>
           </a:p>
@@ -6005,13 +6114,20 @@
           </a:ln>
         </p:spPr>
         <p:style>
-          <a:lnRef idx="0"/>
-          <a:fillRef idx="0"/>
-          <a:effectRef idx="0"/>
+          <a:lnRef idx="0">
+            <a:scrgbClr r="0" g="0" b="0"/>
+          </a:lnRef>
+          <a:fillRef idx="0">
+            <a:scrgbClr r="0" g="0" b="0"/>
+          </a:fillRef>
+          <a:effectRef idx="0">
+            <a:scrgbClr r="0" g="0" b="0"/>
+          </a:effectRef>
           <a:fontRef idx="minor"/>
         </p:style>
         <p:txBody>
-          <a:bodyPr lIns="90000" rIns="90000" tIns="45000" bIns="45000"/>
+          <a:bodyPr lIns="90000" tIns="45000" rIns="90000" bIns="45000"/>
+          <a:lstStyle/>
           <a:p>
             <a:pPr>
               <a:lnSpc>
@@ -6019,7 +6135,7 @@
               </a:lnSpc>
             </a:pPr>
             <a:r>
-              <a:rPr b="0" lang="en-US" sz="4100" spc="-1" strike="noStrike">
+              <a:rPr lang="en-US" sz="4100" b="0" strike="noStrike" spc="-1">
                 <a:solidFill>
                   <a:srgbClr val="000000"/>
                 </a:solidFill>
@@ -6027,7 +6143,7 @@
               </a:rPr>
               <a:t>The above image is a good example of both Image Segmentation (the colored areas) and Computer Vision (shown through the labels). </a:t>
             </a:r>
-            <a:endParaRPr b="0" lang="en-US" sz="4100" spc="-1" strike="noStrike">
+            <a:endParaRPr lang="en-US" sz="4100" b="0" strike="noStrike" spc="-1">
               <a:latin typeface="Arial"/>
             </a:endParaRPr>
           </a:p>
@@ -6050,10 +6166,10 @@
           <a:gradFill rotWithShape="0">
             <a:gsLst>
               <a:gs pos="0">
-                <a:srgbClr val="00b0ea"/>
+                <a:srgbClr val="00B0EA"/>
               </a:gs>
               <a:gs pos="100000">
-                <a:srgbClr val="00b0ea"/>
+                <a:srgbClr val="00B0EA"/>
               </a:gs>
             </a:gsLst>
             <a:lin ang="5400000"/>
@@ -6064,6 +6180,7 @@
         </p:spPr>
         <p:txBody>
           <a:bodyPr lIns="365760" anchor="ctr"/>
+          <a:lstStyle/>
           <a:p>
             <a:pPr algn="ctr">
               <a:lnSpc>
@@ -6071,15 +6188,15 @@
               </a:lnSpc>
             </a:pPr>
             <a:r>
-              <a:rPr b="0" lang="en-US" sz="5400" spc="-1" strike="noStrike">
-                <a:solidFill>
-                  <a:srgbClr val="ffffff"/>
+              <a:rPr lang="en-US" sz="5400" b="0" strike="noStrike" spc="-1">
+                <a:solidFill>
+                  <a:srgbClr val="FFFFFF"/>
                 </a:solidFill>
                 <a:latin typeface="Arial"/>
               </a:rPr>
               <a:t>Methods</a:t>
             </a:r>
-            <a:endParaRPr b="0" lang="en-US" sz="5400" spc="-1" strike="noStrike">
+            <a:endParaRPr lang="en-US" sz="5400" b="0" strike="noStrike" spc="-1">
               <a:solidFill>
                 <a:srgbClr val="000000"/>
               </a:solidFill>
@@ -6108,13 +6225,20 @@
           </a:ln>
         </p:spPr>
         <p:style>
-          <a:lnRef idx="0"/>
-          <a:fillRef idx="0"/>
-          <a:effectRef idx="0"/>
+          <a:lnRef idx="0">
+            <a:scrgbClr r="0" g="0" b="0"/>
+          </a:lnRef>
+          <a:fillRef idx="0">
+            <a:scrgbClr r="0" g="0" b="0"/>
+          </a:fillRef>
+          <a:effectRef idx="0">
+            <a:scrgbClr r="0" g="0" b="0"/>
+          </a:effectRef>
           <a:fontRef idx="minor"/>
         </p:style>
         <p:txBody>
-          <a:bodyPr lIns="90000" rIns="90000" tIns="45000" bIns="45000"/>
+          <a:bodyPr lIns="90000" tIns="45000" rIns="90000" bIns="45000"/>
+          <a:lstStyle/>
           <a:p>
             <a:pPr>
               <a:lnSpc>
@@ -6125,7 +6249,7 @@
               </a:spcBef>
             </a:pPr>
             <a:r>
-              <a:rPr b="0" lang="en-US" sz="4000" spc="-1" strike="noStrike">
+              <a:rPr lang="en-US" sz="4000" b="0" strike="noStrike" spc="-1">
                 <a:solidFill>
                   <a:srgbClr val="000000"/>
                 </a:solidFill>
@@ -6133,7 +6257,7 @@
               </a:rPr>
               <a:t>This project will make use of open source software and segmentation algorithms from several journal articles to verify the results. </a:t>
             </a:r>
-            <a:endParaRPr b="0" lang="en-US" sz="4000" spc="-1" strike="noStrike">
+            <a:endParaRPr lang="en-US" sz="4000" b="0" strike="noStrike" spc="-1">
               <a:latin typeface="Arial"/>
             </a:endParaRPr>
           </a:p>
@@ -6147,7 +6271,7 @@
               </a:spcBef>
             </a:pPr>
             <a:r>
-              <a:rPr b="0" lang="en-US" sz="4000" spc="-1" strike="noStrike">
+              <a:rPr lang="en-US" sz="4000" b="0" strike="noStrike" spc="-1">
                 <a:solidFill>
                   <a:srgbClr val="000000"/>
                 </a:solidFill>
@@ -6155,7 +6279,7 @@
               </a:rPr>
               <a:t>To begin, articles were selected that offered a segmentation algorithm.</a:t>
             </a:r>
-            <a:endParaRPr b="0" lang="en-US" sz="4000" spc="-1" strike="noStrike">
+            <a:endParaRPr lang="en-US" sz="4000" b="0" strike="noStrike" spc="-1">
               <a:latin typeface="Arial"/>
             </a:endParaRPr>
           </a:p>
@@ -6169,7 +6293,7 @@
               </a:spcBef>
             </a:pPr>
             <a:r>
-              <a:rPr b="0" lang="en-US" sz="4000" spc="-1" strike="noStrike">
+              <a:rPr lang="en-US" sz="4000" b="0" strike="noStrike" spc="-1">
                 <a:solidFill>
                   <a:srgbClr val="000000"/>
                 </a:solidFill>
@@ -6177,7 +6301,7 @@
               </a:rPr>
               <a:t>Then, these algorithms will be implemented into independent builds of the same software, and be instructed to analyze the same set of images. The Corel database is widely used in Computer Vision and has more than 40,000 images to choose a large sample from. Currently, that is where the images are planned to come from.</a:t>
             </a:r>
-            <a:endParaRPr b="0" lang="en-US" sz="4000" spc="-1" strike="noStrike">
+            <a:endParaRPr lang="en-US" sz="4000" b="0" strike="noStrike" spc="-1">
               <a:latin typeface="Arial"/>
             </a:endParaRPr>
           </a:p>
@@ -6191,7 +6315,7 @@
               </a:spcBef>
             </a:pPr>
             <a:r>
-              <a:rPr b="0" lang="en-US" sz="4000" spc="-1" strike="noStrike">
+              <a:rPr lang="en-US" sz="4000" b="0" strike="noStrike" spc="-1">
                 <a:solidFill>
                   <a:srgbClr val="000000"/>
                 </a:solidFill>
@@ -6199,7 +6323,7 @@
               </a:rPr>
               <a:t>This process will be done three times: once on a laptop, a desktop, and then a server. </a:t>
             </a:r>
-            <a:endParaRPr b="0" lang="en-US" sz="4000" spc="-1" strike="noStrike">
+            <a:endParaRPr lang="en-US" sz="4000" b="0" strike="noStrike" spc="-1">
               <a:latin typeface="Arial"/>
             </a:endParaRPr>
           </a:p>
@@ -6213,7 +6337,7 @@
               </a:spcBef>
             </a:pPr>
             <a:r>
-              <a:rPr b="0" lang="en-US" sz="4000" spc="-1" strike="noStrike">
+              <a:rPr lang="en-US" sz="4000" b="0" strike="noStrike" spc="-1">
                 <a:solidFill>
                   <a:srgbClr val="000000"/>
                 </a:solidFill>
@@ -6221,7 +6345,7 @@
               </a:rPr>
               <a:t>Algorithms will be ranked against each other based on Accuracy, Efficiency, and Scalability. </a:t>
             </a:r>
-            <a:endParaRPr b="0" lang="en-US" sz="4000" spc="-1" strike="noStrike">
+            <a:endParaRPr lang="en-US" sz="4000" b="0" strike="noStrike" spc="-1">
               <a:latin typeface="Arial"/>
             </a:endParaRPr>
           </a:p>
@@ -6229,12 +6353,12 @@
       </p:sp>
       <p:pic>
         <p:nvPicPr>
-          <p:cNvPr id="87" name="Picture 9" descr=""/>
+          <p:cNvPr id="87" name="Picture 9"/>
           <p:cNvPicPr/>
           <p:nvPr/>
         </p:nvPicPr>
         <p:blipFill>
-          <a:blip r:embed="rId3"/>
+          <a:blip r:embed="rId5"/>
           <a:stretch/>
         </p:blipFill>
         <p:spPr>
@@ -6292,13 +6416,20 @@
           </a:ln>
         </p:spPr>
         <p:style>
-          <a:lnRef idx="0"/>
-          <a:fillRef idx="0"/>
-          <a:effectRef idx="0"/>
+          <a:lnRef idx="0">
+            <a:scrgbClr r="0" g="0" b="0"/>
+          </a:lnRef>
+          <a:fillRef idx="0">
+            <a:scrgbClr r="0" g="0" b="0"/>
+          </a:fillRef>
+          <a:effectRef idx="0">
+            <a:scrgbClr r="0" g="0" b="0"/>
+          </a:effectRef>
           <a:fontRef idx="minor"/>
         </p:style>
         <p:txBody>
           <a:bodyPr lIns="365760" anchor="ctr"/>
+          <a:lstStyle/>
           <a:p>
             <a:pPr algn="ctr">
               <a:lnSpc>
@@ -6306,15 +6437,15 @@
               </a:lnSpc>
             </a:pPr>
             <a:r>
-              <a:rPr b="0" lang="en-US" sz="5400" spc="-1" strike="noStrike">
-                <a:solidFill>
-                  <a:srgbClr val="ffffff"/>
+              <a:rPr lang="en-US" sz="5400" b="0" strike="noStrike" spc="-1">
+                <a:solidFill>
+                  <a:srgbClr val="FFFFFF"/>
                 </a:solidFill>
                 <a:latin typeface="Arial"/>
               </a:rPr>
               <a:t>Project Effects</a:t>
             </a:r>
-            <a:endParaRPr b="0" lang="en-US" sz="5400" spc="-1" strike="noStrike">
+            <a:endParaRPr lang="en-US" sz="5400" b="0" strike="noStrike" spc="-1">
               <a:latin typeface="Arial"/>
             </a:endParaRPr>
           </a:p>
@@ -6362,13 +6493,20 @@
           </a:ln>
         </p:spPr>
         <p:style>
-          <a:lnRef idx="0"/>
-          <a:fillRef idx="0"/>
-          <a:effectRef idx="0"/>
+          <a:lnRef idx="0">
+            <a:scrgbClr r="0" g="0" b="0"/>
+          </a:lnRef>
+          <a:fillRef idx="0">
+            <a:scrgbClr r="0" g="0" b="0"/>
+          </a:fillRef>
+          <a:effectRef idx="0">
+            <a:scrgbClr r="0" g="0" b="0"/>
+          </a:effectRef>
           <a:fontRef idx="minor"/>
         </p:style>
         <p:txBody>
           <a:bodyPr lIns="365760" anchor="ctr"/>
+          <a:lstStyle/>
           <a:p>
             <a:pPr algn="ctr">
               <a:lnSpc>
@@ -6376,15 +6514,15 @@
               </a:lnSpc>
             </a:pPr>
             <a:r>
-              <a:rPr b="0" lang="en-US" sz="5400" spc="-1" strike="noStrike">
-                <a:solidFill>
-                  <a:srgbClr val="ffffff"/>
+              <a:rPr lang="en-US" sz="5400" b="0" strike="noStrike" spc="-1">
+                <a:solidFill>
+                  <a:srgbClr val="FFFFFF"/>
                 </a:solidFill>
                 <a:latin typeface="Arial"/>
               </a:rPr>
               <a:t>Other Considerations</a:t>
             </a:r>
-            <a:endParaRPr b="0" lang="en-US" sz="5400" spc="-1" strike="noStrike">
+            <a:endParaRPr lang="en-US" sz="5400" b="0" strike="noStrike" spc="-1">
               <a:latin typeface="Arial"/>
             </a:endParaRPr>
           </a:p>
@@ -6410,13 +6548,20 @@
           </a:ln>
         </p:spPr>
         <p:style>
-          <a:lnRef idx="0"/>
-          <a:fillRef idx="0"/>
-          <a:effectRef idx="0"/>
+          <a:lnRef idx="0">
+            <a:scrgbClr r="0" g="0" b="0"/>
+          </a:lnRef>
+          <a:fillRef idx="0">
+            <a:scrgbClr r="0" g="0" b="0"/>
+          </a:fillRef>
+          <a:effectRef idx="0">
+            <a:scrgbClr r="0" g="0" b="0"/>
+          </a:effectRef>
           <a:fontRef idx="minor"/>
         </p:style>
         <p:txBody>
-          <a:bodyPr lIns="90000" rIns="90000" tIns="45000" bIns="45000"/>
+          <a:bodyPr lIns="90000" tIns="45000" rIns="90000" bIns="45000"/>
+          <a:lstStyle/>
           <a:p>
             <a:pPr>
               <a:lnSpc>
@@ -6427,7 +6572,7 @@
               </a:spcBef>
             </a:pPr>
             <a:r>
-              <a:rPr b="0" lang="en-US" sz="4000" spc="-1" strike="noStrike">
+              <a:rPr lang="en-US" sz="4000" b="0" strike="noStrike" spc="-1">
                 <a:solidFill>
                   <a:srgbClr val="000000"/>
                 </a:solidFill>
@@ -6435,7 +6580,7 @@
               </a:rPr>
               <a:t>One of the goals of this project is for the team to familiarize themselves with machine learning concepts and tools. This benefit is two-fold, in that it prepares the researcher to continue to research more specific and advanced topics as well as allows new students interested in the topic a resource they would have easy access to. </a:t>
             </a:r>
-            <a:endParaRPr b="0" lang="en-US" sz="4000" spc="-1" strike="noStrike">
+            <a:endParaRPr lang="en-US" sz="4000" b="0" strike="noStrike" spc="-1">
               <a:latin typeface="Arial"/>
             </a:endParaRPr>
           </a:p>
@@ -6448,7 +6593,7 @@
                 <a:spcPts val="1199"/>
               </a:spcBef>
             </a:pPr>
-            <a:endParaRPr b="0" lang="en-US" sz="4000" spc="-1" strike="noStrike">
+            <a:endParaRPr lang="en-US" sz="4000" b="0" strike="noStrike" spc="-1">
               <a:latin typeface="Arial"/>
             </a:endParaRPr>
           </a:p>
@@ -6474,13 +6619,20 @@
           </a:ln>
         </p:spPr>
         <p:style>
-          <a:lnRef idx="0"/>
-          <a:fillRef idx="0"/>
-          <a:effectRef idx="0"/>
+          <a:lnRef idx="0">
+            <a:scrgbClr r="0" g="0" b="0"/>
+          </a:lnRef>
+          <a:fillRef idx="0">
+            <a:scrgbClr r="0" g="0" b="0"/>
+          </a:fillRef>
+          <a:effectRef idx="0">
+            <a:scrgbClr r="0" g="0" b="0"/>
+          </a:effectRef>
           <a:fontRef idx="minor"/>
         </p:style>
         <p:txBody>
-          <a:bodyPr lIns="90000" rIns="90000" tIns="45000" bIns="45000"/>
+          <a:bodyPr lIns="90000" tIns="45000" rIns="90000" bIns="45000"/>
+          <a:lstStyle/>
           <a:p>
             <a:pPr>
               <a:lnSpc>
@@ -6491,7 +6643,7 @@
               </a:spcBef>
             </a:pPr>
             <a:r>
-              <a:rPr b="0" lang="en-US" sz="4000" spc="-1" strike="noStrike">
+              <a:rPr lang="en-US" sz="4000" b="0" strike="noStrike" spc="-1">
                 <a:solidFill>
                   <a:srgbClr val="000000"/>
                 </a:solidFill>
@@ -6499,7 +6651,7 @@
               </a:rPr>
               <a:t>This project’s primary goal was not to discover the best algorithm, or to develop a more accurate or efficient one. That could certainly be approached with the results of this study, however. </a:t>
             </a:r>
-            <a:endParaRPr b="0" lang="en-US" sz="4000" spc="-1" strike="noStrike">
+            <a:endParaRPr lang="en-US" sz="4000" b="0" strike="noStrike" spc="-1">
               <a:latin typeface="Arial"/>
             </a:endParaRPr>
           </a:p>
@@ -6513,7 +6665,7 @@
               </a:spcBef>
             </a:pPr>
             <a:r>
-              <a:rPr b="0" lang="en-US" sz="4000" spc="-1" strike="noStrike">
+              <a:rPr lang="en-US" sz="4000" b="0" strike="noStrike" spc="-1">
                 <a:solidFill>
                   <a:srgbClr val="000000"/>
                 </a:solidFill>
@@ -6521,7 +6673,7 @@
               </a:rPr>
               <a:t>It is certainly possible that these algorithms have strengths and weaknesses outside the scope of this study. It was only checked that the they were accurate. </a:t>
             </a:r>
-            <a:endParaRPr b="0" lang="en-US" sz="4000" spc="-1" strike="noStrike">
+            <a:endParaRPr lang="en-US" sz="4000" b="0" strike="noStrike" spc="-1">
               <a:latin typeface="Arial"/>
             </a:endParaRPr>
           </a:p>
@@ -6544,10 +6696,10 @@
           <a:gradFill rotWithShape="0">
             <a:gsLst>
               <a:gs pos="0">
-                <a:srgbClr val="00b0ea"/>
+                <a:srgbClr val="00B0EA"/>
               </a:gs>
               <a:gs pos="100000">
-                <a:srgbClr val="00b0ea"/>
+                <a:srgbClr val="00B0EA"/>
               </a:gs>
             </a:gsLst>
             <a:lin ang="5400000"/>
@@ -6558,6 +6710,7 @@
         </p:spPr>
         <p:txBody>
           <a:bodyPr lIns="365760" anchor="ctr"/>
+          <a:lstStyle/>
           <a:p>
             <a:pPr algn="ctr">
               <a:lnSpc>
@@ -6565,15 +6718,15 @@
               </a:lnSpc>
             </a:pPr>
             <a:r>
-              <a:rPr b="0" lang="en-US" sz="5400" spc="-1" strike="noStrike">
-                <a:solidFill>
-                  <a:srgbClr val="ffffff"/>
+              <a:rPr lang="en-US" sz="5400" b="0" strike="noStrike" spc="-1">
+                <a:solidFill>
+                  <a:srgbClr val="FFFFFF"/>
                 </a:solidFill>
                 <a:latin typeface="Arial"/>
               </a:rPr>
               <a:t>References</a:t>
             </a:r>
-            <a:endParaRPr b="0" lang="en-US" sz="5400" spc="-1" strike="noStrike">
+            <a:endParaRPr lang="en-US" sz="5400" b="0" strike="noStrike" spc="-1">
               <a:solidFill>
                 <a:srgbClr val="000000"/>
               </a:solidFill>
@@ -6584,6 +6737,9 @@
       </p:sp>
     </p:spTree>
   </p:cSld>
+  <p:clrMapOvr>
+    <a:masterClrMapping/>
+  </p:clrMapOvr>
   <p:timing>
     <p:tnLst>
       <p:par>
@@ -6592,14 +6748,14 @@
             <p:seq>
               <p:cTn id="2" dur="indefinite" nodeType="mainSeq"/>
               <p:prevCondLst>
-                <p:cond delay="0" evt="onPrev">
+                <p:cond evt="onPrev" delay="0">
                   <p:tgtEl>
                     <p:sldTgt/>
                   </p:tgtEl>
                 </p:cond>
               </p:prevCondLst>
               <p:nextCondLst>
-                <p:cond delay="0" evt="onNext">
+                <p:cond evt="onNext" delay="0">
                   <p:tgtEl>
                     <p:sldTgt/>
                   </p:tgtEl>
@@ -6625,31 +6781,31 @@
         <a:sysClr val="window" lastClr="FFFFFF"/>
       </a:lt1>
       <a:dk2>
-        <a:srgbClr val="1b1b1b"/>
+        <a:srgbClr val="1B1B1B"/>
       </a:dk2>
       <a:lt2>
-        <a:srgbClr val="e5e8e8"/>
+        <a:srgbClr val="E5E8E8"/>
       </a:lt2>
       <a:accent1>
-        <a:srgbClr val="00b0ea"/>
+        <a:srgbClr val="00B0EA"/>
       </a:accent1>
       <a:accent2>
-        <a:srgbClr val="45ae22"/>
+        <a:srgbClr val="45AE22"/>
       </a:accent2>
       <a:accent3>
-        <a:srgbClr val="ffff00"/>
+        <a:srgbClr val="FFFF00"/>
       </a:accent3>
       <a:accent4>
-        <a:srgbClr val="f2760d"/>
+        <a:srgbClr val="F2760D"/>
       </a:accent4>
       <a:accent5>
-        <a:srgbClr val="bb2b35"/>
+        <a:srgbClr val="BB2B35"/>
       </a:accent5>
       <a:accent6>
-        <a:srgbClr val="6c3ca2"/>
+        <a:srgbClr val="6C3CA2"/>
       </a:accent6>
       <a:hlink>
-        <a:srgbClr val="00b0ea"/>
+        <a:srgbClr val="00B0EA"/>
       </a:hlink>
       <a:folHlink>
         <a:srgbClr val="969696"/>
@@ -6834,6 +6990,8 @@
       </a:bgFillStyleLst>
     </a:fmtScheme>
   </a:themeElements>
+  <a:objectDefaults/>
+  <a:extraClrSchemeLst/>
 </a:theme>
 </file>
 
@@ -6848,31 +7006,31 @@
         <a:sysClr val="window" lastClr="FFFFFF"/>
       </a:lt1>
       <a:dk2>
-        <a:srgbClr val="1b1b1b"/>
+        <a:srgbClr val="1B1B1B"/>
       </a:dk2>
       <a:lt2>
-        <a:srgbClr val="e5e8e8"/>
+        <a:srgbClr val="E5E8E8"/>
       </a:lt2>
       <a:accent1>
-        <a:srgbClr val="00b0ea"/>
+        <a:srgbClr val="00B0EA"/>
       </a:accent1>
       <a:accent2>
-        <a:srgbClr val="45ae22"/>
+        <a:srgbClr val="45AE22"/>
       </a:accent2>
       <a:accent3>
-        <a:srgbClr val="ffff00"/>
+        <a:srgbClr val="FFFF00"/>
       </a:accent3>
       <a:accent4>
-        <a:srgbClr val="f2760d"/>
+        <a:srgbClr val="F2760D"/>
       </a:accent4>
       <a:accent5>
-        <a:srgbClr val="bb2b35"/>
+        <a:srgbClr val="BB2B35"/>
       </a:accent5>
       <a:accent6>
-        <a:srgbClr val="6c3ca2"/>
+        <a:srgbClr val="6C3CA2"/>
       </a:accent6>
       <a:hlink>
-        <a:srgbClr val="00b0ea"/>
+        <a:srgbClr val="00B0EA"/>
       </a:hlink>
       <a:folHlink>
         <a:srgbClr val="969696"/>
@@ -7057,5 +7215,7 @@
       </a:bgFillStyleLst>
     </a:fmtScheme>
   </a:themeElements>
+  <a:objectDefaults/>
+  <a:extraClrSchemeLst/>
 </a:theme>
 </file>